--- a/Sesión_0/Operadores.pptx
+++ b/Sesión_0/Operadores.pptx
@@ -5,21 +5,18 @@
     <p:sldMasterId id="2147483778" r:id="rId4"/>
   </p:sldMasterIdLst>
   <p:notesMasterIdLst>
-    <p:notesMasterId r:id="rId14"/>
+    <p:notesMasterId r:id="rId11"/>
   </p:notesMasterIdLst>
   <p:handoutMasterIdLst>
-    <p:handoutMasterId r:id="rId15"/>
+    <p:handoutMasterId r:id="rId12"/>
   </p:handoutMasterIdLst>
   <p:sldIdLst>
-    <p:sldId id="256" r:id="rId5"/>
+    <p:sldId id="282" r:id="rId5"/>
     <p:sldId id="280" r:id="rId6"/>
     <p:sldId id="258" r:id="rId7"/>
-    <p:sldId id="259" r:id="rId8"/>
-    <p:sldId id="261" r:id="rId9"/>
-    <p:sldId id="264" r:id="rId10"/>
-    <p:sldId id="262" r:id="rId11"/>
-    <p:sldId id="266" r:id="rId12"/>
-    <p:sldId id="281" r:id="rId13"/>
+    <p:sldId id="261" r:id="rId8"/>
+    <p:sldId id="262" r:id="rId9"/>
+    <p:sldId id="266" r:id="rId10"/>
   </p:sldIdLst>
   <p:sldSz cx="9144000" cy="6858000" type="letter"/>
   <p:notesSz cx="6858000" cy="9144000"/>
@@ -123,15 +120,12 @@
       <p14:sectionLst xmlns:p14="http://schemas.microsoft.com/office/powerpoint/2010/main">
         <p14:section name="Sección predeterminada" id="{B3080F47-54FE-4674-8A61-9F6C6D97AC09}">
           <p14:sldIdLst>
-            <p14:sldId id="256"/>
+            <p14:sldId id="282"/>
             <p14:sldId id="280"/>
             <p14:sldId id="258"/>
-            <p14:sldId id="259"/>
             <p14:sldId id="261"/>
-            <p14:sldId id="264"/>
             <p14:sldId id="262"/>
             <p14:sldId id="266"/>
-            <p14:sldId id="281"/>
           </p14:sldIdLst>
         </p14:section>
       </p14:sectionLst>
@@ -171,7 +165,7 @@
 <file path=ppt/revisionInfo.xml><?xml version="1.0" encoding="utf-8"?>
 <p1510:revInfo xmlns:a="http://schemas.openxmlformats.org/drawingml/2006/main" xmlns:r="http://schemas.openxmlformats.org/officeDocument/2006/relationships" xmlns:p1510="http://schemas.microsoft.com/office/powerpoint/2015/10/main">
   <p1510:revLst>
-    <p1510:client id="{FC05219F-A12A-4B47-B82B-2567E07FF897}" v="3" dt="2025-01-20T15:23:52.278"/>
+    <p1510:client id="{AE6574F8-9BCE-4D87-901A-19627C7C729F}" v="4" dt="2025-02-04T16:43:52.785"/>
   </p1510:revLst>
 </p1510:revInfo>
 </file>
@@ -179,24 +173,24 @@
 <file path=ppt/changesInfos/changesInfo1.xml><?xml version="1.0" encoding="utf-8"?>
 <pc:chgInfo xmlns:a="http://schemas.openxmlformats.org/drawingml/2006/main" xmlns:r="http://schemas.openxmlformats.org/officeDocument/2006/relationships" xmlns:ac="http://schemas.microsoft.com/office/drawing/2013/main/command" xmlns:pc="http://schemas.microsoft.com/office/powerpoint/2013/main/command">
   <pc:docChgLst>
-    <pc:chgData name="JHEYSON FABIAN VILLAVISAN BUITRAGO" userId="S::jfvillavisanb@itc.edu.co::e5ced5c2-d787-455d-b115-4f08a699b8c8" providerId="AD" clId="Web-{54F61D11-0B8F-608C-05E6-C48A393958A0}"/>
+    <pc:chgData name="JHEYSON FABIAN VILLAVISAN BUITRAGO" userId="S::jfvillavisanb@itc.edu.co::e5ced5c2-d787-455d-b115-4f08a699b8c8" providerId="AD" clId="Web-{C411DD3F-BA9D-C418-E5D8-E67A31550213}"/>
     <pc:docChg chg="modSld">
-      <pc:chgData name="JHEYSON FABIAN VILLAVISAN BUITRAGO" userId="S::jfvillavisanb@itc.edu.co::e5ced5c2-d787-455d-b115-4f08a699b8c8" providerId="AD" clId="Web-{54F61D11-0B8F-608C-05E6-C48A393958A0}" dt="2024-02-17T00:37:38.760" v="22"/>
+      <pc:chgData name="JHEYSON FABIAN VILLAVISAN BUITRAGO" userId="S::jfvillavisanb@itc.edu.co::e5ced5c2-d787-455d-b115-4f08a699b8c8" providerId="AD" clId="Web-{C411DD3F-BA9D-C418-E5D8-E67A31550213}" dt="2023-08-26T02:01:56.942" v="15"/>
       <pc:docMkLst>
         <pc:docMk/>
       </pc:docMkLst>
-      <pc:sldChg chg="modSp">
-        <pc:chgData name="JHEYSON FABIAN VILLAVISAN BUITRAGO" userId="S::jfvillavisanb@itc.edu.co::e5ced5c2-d787-455d-b115-4f08a699b8c8" providerId="AD" clId="Web-{54F61D11-0B8F-608C-05E6-C48A393958A0}" dt="2024-02-17T00:37:07.244" v="16" actId="20577"/>
+      <pc:sldChg chg="modNotes">
+        <pc:chgData name="JHEYSON FABIAN VILLAVISAN BUITRAGO" userId="S::jfvillavisanb@itc.edu.co::e5ced5c2-d787-455d-b115-4f08a699b8c8" providerId="AD" clId="Web-{C411DD3F-BA9D-C418-E5D8-E67A31550213}" dt="2023-08-26T01:47:10.601" v="3"/>
         <pc:sldMkLst>
           <pc:docMk/>
-          <pc:sldMk cId="270398225" sldId="260"/>
+          <pc:sldMk cId="1457783989" sldId="259"/>
         </pc:sldMkLst>
       </pc:sldChg>
-      <pc:sldChg chg="modSp">
-        <pc:chgData name="JHEYSON FABIAN VILLAVISAN BUITRAGO" userId="S::jfvillavisanb@itc.edu.co::e5ced5c2-d787-455d-b115-4f08a699b8c8" providerId="AD" clId="Web-{54F61D11-0B8F-608C-05E6-C48A393958A0}" dt="2024-02-17T00:37:38.760" v="22"/>
+      <pc:sldChg chg="modNotes">
+        <pc:chgData name="JHEYSON FABIAN VILLAVISAN BUITRAGO" userId="S::jfvillavisanb@itc.edu.co::e5ced5c2-d787-455d-b115-4f08a699b8c8" providerId="AD" clId="Web-{C411DD3F-BA9D-C418-E5D8-E67A31550213}" dt="2023-08-26T02:01:56.942" v="15"/>
         <pc:sldMkLst>
           <pc:docMk/>
-          <pc:sldMk cId="2446874551" sldId="261"/>
+          <pc:sldMk cId="1638959537" sldId="264"/>
         </pc:sldMkLst>
       </pc:sldChg>
     </pc:docChg>
@@ -309,6 +303,588 @@
     </pc:docChg>
   </pc:docChgLst>
   <pc:docChgLst>
+    <pc:chgData name="JHEYSON FABIAN VILLAVISAN BUITRAGO" userId="e5ced5c2-d787-455d-b115-4f08a699b8c8" providerId="ADAL" clId="{4B6F9D77-E7B4-42B1-BB20-01C7FCB2106F}"/>
+    <pc:docChg chg="undo custSel addSld modSld modSection">
+      <pc:chgData name="JHEYSON FABIAN VILLAVISAN BUITRAGO" userId="e5ced5c2-d787-455d-b115-4f08a699b8c8" providerId="ADAL" clId="{4B6F9D77-E7B4-42B1-BB20-01C7FCB2106F}" dt="2023-02-26T18:07:21.668" v="446" actId="20577"/>
+      <pc:docMkLst>
+        <pc:docMk/>
+      </pc:docMkLst>
+      <pc:sldChg chg="modSp mod">
+        <pc:chgData name="JHEYSON FABIAN VILLAVISAN BUITRAGO" userId="e5ced5c2-d787-455d-b115-4f08a699b8c8" providerId="ADAL" clId="{4B6F9D77-E7B4-42B1-BB20-01C7FCB2106F}" dt="2023-02-26T17:57:22.077" v="178" actId="20577"/>
+        <pc:sldMkLst>
+          <pc:docMk/>
+          <pc:sldMk cId="3440673900" sldId="257"/>
+        </pc:sldMkLst>
+      </pc:sldChg>
+      <pc:sldChg chg="modSp mod">
+        <pc:chgData name="JHEYSON FABIAN VILLAVISAN BUITRAGO" userId="e5ced5c2-d787-455d-b115-4f08a699b8c8" providerId="ADAL" clId="{4B6F9D77-E7B4-42B1-BB20-01C7FCB2106F}" dt="2023-02-26T17:57:28.421" v="181" actId="20577"/>
+        <pc:sldMkLst>
+          <pc:docMk/>
+          <pc:sldMk cId="3274533963" sldId="258"/>
+        </pc:sldMkLst>
+      </pc:sldChg>
+      <pc:sldChg chg="modSp mod">
+        <pc:chgData name="JHEYSON FABIAN VILLAVISAN BUITRAGO" userId="e5ced5c2-d787-455d-b115-4f08a699b8c8" providerId="ADAL" clId="{4B6F9D77-E7B4-42B1-BB20-01C7FCB2106F}" dt="2023-02-26T17:57:35.769" v="182" actId="20577"/>
+        <pc:sldMkLst>
+          <pc:docMk/>
+          <pc:sldMk cId="1457783989" sldId="259"/>
+        </pc:sldMkLst>
+      </pc:sldChg>
+      <pc:sldChg chg="modSp mod">
+        <pc:chgData name="JHEYSON FABIAN VILLAVISAN BUITRAGO" userId="e5ced5c2-d787-455d-b115-4f08a699b8c8" providerId="ADAL" clId="{4B6F9D77-E7B4-42B1-BB20-01C7FCB2106F}" dt="2023-02-26T17:57:25.149" v="179" actId="20577"/>
+        <pc:sldMkLst>
+          <pc:docMk/>
+          <pc:sldMk cId="270398225" sldId="260"/>
+        </pc:sldMkLst>
+      </pc:sldChg>
+      <pc:sldChg chg="modSp mod">
+        <pc:chgData name="JHEYSON FABIAN VILLAVISAN BUITRAGO" userId="e5ced5c2-d787-455d-b115-4f08a699b8c8" providerId="ADAL" clId="{4B6F9D77-E7B4-42B1-BB20-01C7FCB2106F}" dt="2023-02-26T17:57:39.249" v="184" actId="20577"/>
+        <pc:sldMkLst>
+          <pc:docMk/>
+          <pc:sldMk cId="2446874551" sldId="261"/>
+        </pc:sldMkLst>
+      </pc:sldChg>
+      <pc:sldChg chg="addSp delSp modSp mod">
+        <pc:chgData name="JHEYSON FABIAN VILLAVISAN BUITRAGO" userId="e5ced5c2-d787-455d-b115-4f08a699b8c8" providerId="ADAL" clId="{4B6F9D77-E7B4-42B1-BB20-01C7FCB2106F}" dt="2023-02-26T17:57:47.092" v="187" actId="20577"/>
+        <pc:sldMkLst>
+          <pc:docMk/>
+          <pc:sldMk cId="3201851065" sldId="262"/>
+        </pc:sldMkLst>
+      </pc:sldChg>
+      <pc:sldChg chg="modSp mod">
+        <pc:chgData name="JHEYSON FABIAN VILLAVISAN BUITRAGO" userId="e5ced5c2-d787-455d-b115-4f08a699b8c8" providerId="ADAL" clId="{4B6F9D77-E7B4-42B1-BB20-01C7FCB2106F}" dt="2023-02-26T17:57:42.885" v="186" actId="20577"/>
+        <pc:sldMkLst>
+          <pc:docMk/>
+          <pc:sldMk cId="1638959537" sldId="264"/>
+        </pc:sldMkLst>
+      </pc:sldChg>
+      <pc:sldChg chg="modSp add mod">
+        <pc:chgData name="JHEYSON FABIAN VILLAVISAN BUITRAGO" userId="e5ced5c2-d787-455d-b115-4f08a699b8c8" providerId="ADAL" clId="{4B6F9D77-E7B4-42B1-BB20-01C7FCB2106F}" dt="2023-02-26T17:57:50.664" v="188" actId="20577"/>
+        <pc:sldMkLst>
+          <pc:docMk/>
+          <pc:sldMk cId="423957145" sldId="265"/>
+        </pc:sldMkLst>
+      </pc:sldChg>
+      <pc:sldChg chg="modSp add mod">
+        <pc:chgData name="JHEYSON FABIAN VILLAVISAN BUITRAGO" userId="e5ced5c2-d787-455d-b115-4f08a699b8c8" providerId="ADAL" clId="{4B6F9D77-E7B4-42B1-BB20-01C7FCB2106F}" dt="2023-02-26T18:07:21.668" v="446" actId="20577"/>
+        <pc:sldMkLst>
+          <pc:docMk/>
+          <pc:sldMk cId="4156492543" sldId="266"/>
+        </pc:sldMkLst>
+      </pc:sldChg>
+    </pc:docChg>
+  </pc:docChgLst>
+  <pc:docChgLst>
+    <pc:chgData name="Jheyson Fabian Villavisan Buitrago" userId="b9abc243-2adc-4788-8ef1-b07bec73deff" providerId="ADAL" clId="{ED62E575-4A44-48FD-9F4F-9929064DEB60}"/>
+    <pc:docChg chg="undo custSel modSld">
+      <pc:chgData name="Jheyson Fabian Villavisan Buitrago" userId="b9abc243-2adc-4788-8ef1-b07bec73deff" providerId="ADAL" clId="{ED62E575-4A44-48FD-9F4F-9929064DEB60}" dt="2023-02-14T02:24:47.324" v="720"/>
+      <pc:docMkLst>
+        <pc:docMk/>
+      </pc:docMkLst>
+      <pc:sldChg chg="addSp delSp modSp mod">
+        <pc:chgData name="Jheyson Fabian Villavisan Buitrago" userId="b9abc243-2adc-4788-8ef1-b07bec73deff" providerId="ADAL" clId="{ED62E575-4A44-48FD-9F4F-9929064DEB60}" dt="2023-02-14T02:02:27.386" v="18" actId="1076"/>
+        <pc:sldMkLst>
+          <pc:docMk/>
+          <pc:sldMk cId="0" sldId="256"/>
+        </pc:sldMkLst>
+      </pc:sldChg>
+      <pc:sldChg chg="addSp delSp modSp modNotesTx">
+        <pc:chgData name="Jheyson Fabian Villavisan Buitrago" userId="b9abc243-2adc-4788-8ef1-b07bec73deff" providerId="ADAL" clId="{ED62E575-4A44-48FD-9F4F-9929064DEB60}" dt="2023-02-14T02:24:17.078" v="714" actId="313"/>
+        <pc:sldMkLst>
+          <pc:docMk/>
+          <pc:sldMk cId="2446874551" sldId="261"/>
+        </pc:sldMkLst>
+      </pc:sldChg>
+      <pc:sldChg chg="addSp delSp modSp mod">
+        <pc:chgData name="Jheyson Fabian Villavisan Buitrago" userId="b9abc243-2adc-4788-8ef1-b07bec73deff" providerId="ADAL" clId="{ED62E575-4A44-48FD-9F4F-9929064DEB60}" dt="2023-02-14T02:24:47.324" v="720"/>
+        <pc:sldMkLst>
+          <pc:docMk/>
+          <pc:sldMk cId="1638959537" sldId="264"/>
+        </pc:sldMkLst>
+      </pc:sldChg>
+      <pc:sldChg chg="addSp delSp modSp">
+        <pc:chgData name="Jheyson Fabian Villavisan Buitrago" userId="b9abc243-2adc-4788-8ef1-b07bec73deff" providerId="ADAL" clId="{ED62E575-4A44-48FD-9F4F-9929064DEB60}" dt="2023-02-14T02:09:00.495" v="101"/>
+        <pc:sldMkLst>
+          <pc:docMk/>
+          <pc:sldMk cId="423957145" sldId="265"/>
+        </pc:sldMkLst>
+      </pc:sldChg>
+      <pc:sldChg chg="addSp delSp modSp">
+        <pc:chgData name="Jheyson Fabian Villavisan Buitrago" userId="b9abc243-2adc-4788-8ef1-b07bec73deff" providerId="ADAL" clId="{ED62E575-4A44-48FD-9F4F-9929064DEB60}" dt="2023-02-14T02:09:29.956" v="109"/>
+        <pc:sldMkLst>
+          <pc:docMk/>
+          <pc:sldMk cId="4156492543" sldId="266"/>
+        </pc:sldMkLst>
+      </pc:sldChg>
+      <pc:sldChg chg="addSp delSp modSp">
+        <pc:chgData name="Jheyson Fabian Villavisan Buitrago" userId="b9abc243-2adc-4788-8ef1-b07bec73deff" providerId="ADAL" clId="{ED62E575-4A44-48FD-9F4F-9929064DEB60}" dt="2023-02-14T02:09:42.623" v="115"/>
+        <pc:sldMkLst>
+          <pc:docMk/>
+          <pc:sldMk cId="0" sldId="268"/>
+        </pc:sldMkLst>
+      </pc:sldChg>
+      <pc:sldChg chg="addSp delSp modSp mod">
+        <pc:chgData name="Jheyson Fabian Villavisan Buitrago" userId="b9abc243-2adc-4788-8ef1-b07bec73deff" providerId="ADAL" clId="{ED62E575-4A44-48FD-9F4F-9929064DEB60}" dt="2023-02-14T02:20:13.295" v="523" actId="20577"/>
+        <pc:sldMkLst>
+          <pc:docMk/>
+          <pc:sldMk cId="2505371292" sldId="270"/>
+        </pc:sldMkLst>
+      </pc:sldChg>
+      <pc:sldChg chg="addSp delSp modSp">
+        <pc:chgData name="Jheyson Fabian Villavisan Buitrago" userId="b9abc243-2adc-4788-8ef1-b07bec73deff" providerId="ADAL" clId="{ED62E575-4A44-48FD-9F4F-9929064DEB60}" dt="2023-02-14T02:08:24.793" v="91"/>
+        <pc:sldMkLst>
+          <pc:docMk/>
+          <pc:sldMk cId="3709177429" sldId="274"/>
+        </pc:sldMkLst>
+      </pc:sldChg>
+      <pc:sldChg chg="addSp delSp modSp">
+        <pc:chgData name="Jheyson Fabian Villavisan Buitrago" userId="b9abc243-2adc-4788-8ef1-b07bec73deff" providerId="ADAL" clId="{ED62E575-4A44-48FD-9F4F-9929064DEB60}" dt="2023-02-14T02:09:33.832" v="111"/>
+        <pc:sldMkLst>
+          <pc:docMk/>
+          <pc:sldMk cId="2680639377" sldId="275"/>
+        </pc:sldMkLst>
+      </pc:sldChg>
+      <pc:sldChg chg="addSp delSp modSp">
+        <pc:chgData name="Jheyson Fabian Villavisan Buitrago" userId="b9abc243-2adc-4788-8ef1-b07bec73deff" providerId="ADAL" clId="{ED62E575-4A44-48FD-9F4F-9929064DEB60}" dt="2023-02-14T02:09:38.400" v="113"/>
+        <pc:sldMkLst>
+          <pc:docMk/>
+          <pc:sldMk cId="1955606898" sldId="277"/>
+        </pc:sldMkLst>
+      </pc:sldChg>
+      <pc:sldChg chg="addSp delSp modSp">
+        <pc:chgData name="Jheyson Fabian Villavisan Buitrago" userId="b9abc243-2adc-4788-8ef1-b07bec73deff" providerId="ADAL" clId="{ED62E575-4A44-48FD-9F4F-9929064DEB60}" dt="2023-02-14T02:08:30.567" v="93"/>
+        <pc:sldMkLst>
+          <pc:docMk/>
+          <pc:sldMk cId="214171354" sldId="278"/>
+        </pc:sldMkLst>
+      </pc:sldChg>
+    </pc:docChg>
+  </pc:docChgLst>
+  <pc:docChgLst>
+    <pc:chgData name="JHEYSON FABIAN VILLAVISAN BUITRAGO" userId="S::jfvillavisanb@itc.edu.co::e5ced5c2-d787-455d-b115-4f08a699b8c8" providerId="AD" clId="Web-{CA60EAE0-12AE-E64F-79E7-D5E95890D956}"/>
+    <pc:docChg chg="modSld">
+      <pc:chgData name="JHEYSON FABIAN VILLAVISAN BUITRAGO" userId="S::jfvillavisanb@itc.edu.co::e5ced5c2-d787-455d-b115-4f08a699b8c8" providerId="AD" clId="Web-{CA60EAE0-12AE-E64F-79E7-D5E95890D956}" dt="2023-08-12T01:58:45.764" v="3"/>
+      <pc:docMkLst>
+        <pc:docMk/>
+      </pc:docMkLst>
+      <pc:sldChg chg="modSp">
+        <pc:chgData name="JHEYSON FABIAN VILLAVISAN BUITRAGO" userId="S::jfvillavisanb@itc.edu.co::e5ced5c2-d787-455d-b115-4f08a699b8c8" providerId="AD" clId="Web-{CA60EAE0-12AE-E64F-79E7-D5E95890D956}" dt="2023-08-12T01:58:45.764" v="3"/>
+        <pc:sldMkLst>
+          <pc:docMk/>
+          <pc:sldMk cId="3440673900" sldId="257"/>
+        </pc:sldMkLst>
+      </pc:sldChg>
+    </pc:docChg>
+  </pc:docChgLst>
+  <pc:docChgLst>
+    <pc:chgData name="Jheyson Fabian Villavisan Buitrago" userId="S::jf.villavisan@uniandes.edu.co::b9abc243-2adc-4788-8ef1-b07bec73deff" providerId="AD" clId="Web-{5C8BA568-B15F-4025-8DAB-3914683C88CA}"/>
+    <pc:docChg chg="modSld">
+      <pc:chgData name="Jheyson Fabian Villavisan Buitrago" userId="S::jf.villavisan@uniandes.edu.co::b9abc243-2adc-4788-8ef1-b07bec73deff" providerId="AD" clId="Web-{5C8BA568-B15F-4025-8DAB-3914683C88CA}" dt="2023-02-23T12:02:31.091" v="12"/>
+      <pc:docMkLst>
+        <pc:docMk/>
+      </pc:docMkLst>
+      <pc:sldChg chg="modNotes">
+        <pc:chgData name="Jheyson Fabian Villavisan Buitrago" userId="S::jf.villavisan@uniandes.edu.co::b9abc243-2adc-4788-8ef1-b07bec73deff" providerId="AD" clId="Web-{5C8BA568-B15F-4025-8DAB-3914683C88CA}" dt="2023-02-23T12:02:31.091" v="12"/>
+        <pc:sldMkLst>
+          <pc:docMk/>
+          <pc:sldMk cId="1457783989" sldId="259"/>
+        </pc:sldMkLst>
+      </pc:sldChg>
+    </pc:docChg>
+  </pc:docChgLst>
+  <pc:docChgLst>
+    <pc:chgData name="JHEYSON FABIAN VILLAVISAN BUITRAGO" userId="e5ced5c2-d787-455d-b115-4f08a699b8c8" providerId="ADAL" clId="{AE6574F8-9BCE-4D87-901A-19627C7C729F}"/>
+    <pc:docChg chg="undo custSel addSld delSld modSld sldOrd modSection">
+      <pc:chgData name="JHEYSON FABIAN VILLAVISAN BUITRAGO" userId="e5ced5c2-d787-455d-b115-4f08a699b8c8" providerId="ADAL" clId="{AE6574F8-9BCE-4D87-901A-19627C7C729F}" dt="2025-02-04T16:44:10.846" v="64" actId="20577"/>
+      <pc:docMkLst>
+        <pc:docMk/>
+      </pc:docMkLst>
+      <pc:sldChg chg="del">
+        <pc:chgData name="JHEYSON FABIAN VILLAVISAN BUITRAGO" userId="e5ced5c2-d787-455d-b115-4f08a699b8c8" providerId="ADAL" clId="{AE6574F8-9BCE-4D87-901A-19627C7C729F}" dt="2025-02-04T16:37:35.935" v="1" actId="47"/>
+        <pc:sldMkLst>
+          <pc:docMk/>
+          <pc:sldMk cId="0" sldId="256"/>
+        </pc:sldMkLst>
+      </pc:sldChg>
+      <pc:sldChg chg="modSp mod ord">
+        <pc:chgData name="JHEYSON FABIAN VILLAVISAN BUITRAGO" userId="e5ced5c2-d787-455d-b115-4f08a699b8c8" providerId="ADAL" clId="{AE6574F8-9BCE-4D87-901A-19627C7C729F}" dt="2025-02-04T16:42:52.437" v="52"/>
+        <pc:sldMkLst>
+          <pc:docMk/>
+          <pc:sldMk cId="3274533963" sldId="258"/>
+        </pc:sldMkLst>
+        <pc:spChg chg="mod">
+          <ac:chgData name="JHEYSON FABIAN VILLAVISAN BUITRAGO" userId="e5ced5c2-d787-455d-b115-4f08a699b8c8" providerId="ADAL" clId="{AE6574F8-9BCE-4D87-901A-19627C7C729F}" dt="2025-02-04T16:42:52.437" v="52"/>
+          <ac:spMkLst>
+            <pc:docMk/>
+            <pc:sldMk cId="3274533963" sldId="258"/>
+            <ac:spMk id="10" creationId="{0D52910C-C7FF-51AD-9B9D-1A390D5FFE1B}"/>
+          </ac:spMkLst>
+        </pc:spChg>
+        <pc:graphicFrameChg chg="modGraphic">
+          <ac:chgData name="JHEYSON FABIAN VILLAVISAN BUITRAGO" userId="e5ced5c2-d787-455d-b115-4f08a699b8c8" providerId="ADAL" clId="{AE6574F8-9BCE-4D87-901A-19627C7C729F}" dt="2025-02-04T16:42:26.346" v="51" actId="20577"/>
+          <ac:graphicFrameMkLst>
+            <pc:docMk/>
+            <pc:sldMk cId="3274533963" sldId="258"/>
+            <ac:graphicFrameMk id="3" creationId="{EF9006A5-EBF2-41B7-A192-D8E6795F3933}"/>
+          </ac:graphicFrameMkLst>
+        </pc:graphicFrameChg>
+      </pc:sldChg>
+      <pc:sldChg chg="del">
+        <pc:chgData name="JHEYSON FABIAN VILLAVISAN BUITRAGO" userId="e5ced5c2-d787-455d-b115-4f08a699b8c8" providerId="ADAL" clId="{AE6574F8-9BCE-4D87-901A-19627C7C729F}" dt="2025-02-04T16:38:18.138" v="6" actId="47"/>
+        <pc:sldMkLst>
+          <pc:docMk/>
+          <pc:sldMk cId="1457783989" sldId="259"/>
+        </pc:sldMkLst>
+      </pc:sldChg>
+      <pc:sldChg chg="modSp mod">
+        <pc:chgData name="JHEYSON FABIAN VILLAVISAN BUITRAGO" userId="e5ced5c2-d787-455d-b115-4f08a699b8c8" providerId="ADAL" clId="{AE6574F8-9BCE-4D87-901A-19627C7C729F}" dt="2025-02-04T16:44:06.118" v="62" actId="20577"/>
+        <pc:sldMkLst>
+          <pc:docMk/>
+          <pc:sldMk cId="2446874551" sldId="261"/>
+        </pc:sldMkLst>
+        <pc:spChg chg="mod">
+          <ac:chgData name="JHEYSON FABIAN VILLAVISAN BUITRAGO" userId="e5ced5c2-d787-455d-b115-4f08a699b8c8" providerId="ADAL" clId="{AE6574F8-9BCE-4D87-901A-19627C7C729F}" dt="2025-02-04T16:42:55.396" v="53"/>
+          <ac:spMkLst>
+            <pc:docMk/>
+            <pc:sldMk cId="2446874551" sldId="261"/>
+            <ac:spMk id="10" creationId="{0D52910C-C7FF-51AD-9B9D-1A390D5FFE1B}"/>
+          </ac:spMkLst>
+        </pc:spChg>
+        <pc:spChg chg="mod">
+          <ac:chgData name="JHEYSON FABIAN VILLAVISAN BUITRAGO" userId="e5ced5c2-d787-455d-b115-4f08a699b8c8" providerId="ADAL" clId="{AE6574F8-9BCE-4D87-901A-19627C7C729F}" dt="2025-02-04T16:44:06.118" v="62" actId="20577"/>
+          <ac:spMkLst>
+            <pc:docMk/>
+            <pc:sldMk cId="2446874551" sldId="261"/>
+            <ac:spMk id="5122" creationId="{612B5792-076C-452D-8592-DDADCC263C58}"/>
+          </ac:spMkLst>
+        </pc:spChg>
+        <pc:graphicFrameChg chg="modGraphic">
+          <ac:chgData name="JHEYSON FABIAN VILLAVISAN BUITRAGO" userId="e5ced5c2-d787-455d-b115-4f08a699b8c8" providerId="ADAL" clId="{AE6574F8-9BCE-4D87-901A-19627C7C729F}" dt="2025-02-04T16:43:11.317" v="54" actId="2165"/>
+          <ac:graphicFrameMkLst>
+            <pc:docMk/>
+            <pc:sldMk cId="2446874551" sldId="261"/>
+            <ac:graphicFrameMk id="3" creationId="{EF9006A5-EBF2-41B7-A192-D8E6795F3933}"/>
+          </ac:graphicFrameMkLst>
+        </pc:graphicFrameChg>
+      </pc:sldChg>
+      <pc:sldChg chg="modSp mod">
+        <pc:chgData name="JHEYSON FABIAN VILLAVISAN BUITRAGO" userId="e5ced5c2-d787-455d-b115-4f08a699b8c8" providerId="ADAL" clId="{AE6574F8-9BCE-4D87-901A-19627C7C729F}" dt="2025-02-04T16:44:08.287" v="63" actId="20577"/>
+        <pc:sldMkLst>
+          <pc:docMk/>
+          <pc:sldMk cId="3201851065" sldId="262"/>
+        </pc:sldMkLst>
+        <pc:spChg chg="mod">
+          <ac:chgData name="JHEYSON FABIAN VILLAVISAN BUITRAGO" userId="e5ced5c2-d787-455d-b115-4f08a699b8c8" providerId="ADAL" clId="{AE6574F8-9BCE-4D87-901A-19627C7C729F}" dt="2025-02-04T16:44:08.287" v="63" actId="20577"/>
+          <ac:spMkLst>
+            <pc:docMk/>
+            <pc:sldMk cId="3201851065" sldId="262"/>
+            <ac:spMk id="5122" creationId="{612B5792-076C-452D-8592-DDADCC263C58}"/>
+          </ac:spMkLst>
+        </pc:spChg>
+      </pc:sldChg>
+      <pc:sldChg chg="del">
+        <pc:chgData name="JHEYSON FABIAN VILLAVISAN BUITRAGO" userId="e5ced5c2-d787-455d-b115-4f08a699b8c8" providerId="ADAL" clId="{AE6574F8-9BCE-4D87-901A-19627C7C729F}" dt="2025-02-04T16:38:26.069" v="7" actId="47"/>
+        <pc:sldMkLst>
+          <pc:docMk/>
+          <pc:sldMk cId="1638959537" sldId="264"/>
+        </pc:sldMkLst>
+      </pc:sldChg>
+      <pc:sldChg chg="modSp mod">
+        <pc:chgData name="JHEYSON FABIAN VILLAVISAN BUITRAGO" userId="e5ced5c2-d787-455d-b115-4f08a699b8c8" providerId="ADAL" clId="{AE6574F8-9BCE-4D87-901A-19627C7C729F}" dt="2025-02-04T16:44:10.846" v="64" actId="20577"/>
+        <pc:sldMkLst>
+          <pc:docMk/>
+          <pc:sldMk cId="4156492543" sldId="266"/>
+        </pc:sldMkLst>
+        <pc:spChg chg="mod">
+          <ac:chgData name="JHEYSON FABIAN VILLAVISAN BUITRAGO" userId="e5ced5c2-d787-455d-b115-4f08a699b8c8" providerId="ADAL" clId="{AE6574F8-9BCE-4D87-901A-19627C7C729F}" dt="2025-02-04T16:44:10.846" v="64" actId="20577"/>
+          <ac:spMkLst>
+            <pc:docMk/>
+            <pc:sldMk cId="4156492543" sldId="266"/>
+            <ac:spMk id="5122" creationId="{612B5792-076C-452D-8592-DDADCC263C58}"/>
+          </ac:spMkLst>
+        </pc:spChg>
+        <pc:graphicFrameChg chg="mod modGraphic">
+          <ac:chgData name="JHEYSON FABIAN VILLAVISAN BUITRAGO" userId="e5ced5c2-d787-455d-b115-4f08a699b8c8" providerId="ADAL" clId="{AE6574F8-9BCE-4D87-901A-19627C7C729F}" dt="2025-02-04T16:44:00.353" v="61" actId="2165"/>
+          <ac:graphicFrameMkLst>
+            <pc:docMk/>
+            <pc:sldMk cId="4156492543" sldId="266"/>
+            <ac:graphicFrameMk id="3" creationId="{EF9006A5-EBF2-41B7-A192-D8E6795F3933}"/>
+          </ac:graphicFrameMkLst>
+        </pc:graphicFrameChg>
+      </pc:sldChg>
+      <pc:sldChg chg="add del">
+        <pc:chgData name="JHEYSON FABIAN VILLAVISAN BUITRAGO" userId="e5ced5c2-d787-455d-b115-4f08a699b8c8" providerId="ADAL" clId="{AE6574F8-9BCE-4D87-901A-19627C7C729F}" dt="2025-02-04T16:37:49.757" v="3"/>
+        <pc:sldMkLst>
+          <pc:docMk/>
+          <pc:sldMk cId="2965408220" sldId="280"/>
+        </pc:sldMkLst>
+      </pc:sldChg>
+      <pc:sldChg chg="del">
+        <pc:chgData name="JHEYSON FABIAN VILLAVISAN BUITRAGO" userId="e5ced5c2-d787-455d-b115-4f08a699b8c8" providerId="ADAL" clId="{AE6574F8-9BCE-4D87-901A-19627C7C729F}" dt="2025-02-04T16:38:32.815" v="8" actId="47"/>
+        <pc:sldMkLst>
+          <pc:docMk/>
+          <pc:sldMk cId="1663543374" sldId="281"/>
+        </pc:sldMkLst>
+      </pc:sldChg>
+      <pc:sldChg chg="add">
+        <pc:chgData name="JHEYSON FABIAN VILLAVISAN BUITRAGO" userId="e5ced5c2-d787-455d-b115-4f08a699b8c8" providerId="ADAL" clId="{AE6574F8-9BCE-4D87-901A-19627C7C729F}" dt="2025-02-04T16:37:34.608" v="0"/>
+        <pc:sldMkLst>
+          <pc:docMk/>
+          <pc:sldMk cId="0" sldId="282"/>
+        </pc:sldMkLst>
+      </pc:sldChg>
+    </pc:docChg>
+  </pc:docChgLst>
+  <pc:docChgLst>
+    <pc:chgData name="JHEYSON FABIAN VILLAVISAN BUITRAGO" userId="S::jfvillavisanb@itc.edu.co::e5ced5c2-d787-455d-b115-4f08a699b8c8" providerId="AD" clId="Web-{54F61D11-0B8F-608C-05E6-C48A393958A0}"/>
+    <pc:docChg chg="modSld">
+      <pc:chgData name="JHEYSON FABIAN VILLAVISAN BUITRAGO" userId="S::jfvillavisanb@itc.edu.co::e5ced5c2-d787-455d-b115-4f08a699b8c8" providerId="AD" clId="Web-{54F61D11-0B8F-608C-05E6-C48A393958A0}" dt="2024-02-17T00:37:38.760" v="22"/>
+      <pc:docMkLst>
+        <pc:docMk/>
+      </pc:docMkLst>
+      <pc:sldChg chg="modSp">
+        <pc:chgData name="JHEYSON FABIAN VILLAVISAN BUITRAGO" userId="S::jfvillavisanb@itc.edu.co::e5ced5c2-d787-455d-b115-4f08a699b8c8" providerId="AD" clId="Web-{54F61D11-0B8F-608C-05E6-C48A393958A0}" dt="2024-02-17T00:37:07.244" v="16" actId="20577"/>
+        <pc:sldMkLst>
+          <pc:docMk/>
+          <pc:sldMk cId="270398225" sldId="260"/>
+        </pc:sldMkLst>
+      </pc:sldChg>
+      <pc:sldChg chg="modSp">
+        <pc:chgData name="JHEYSON FABIAN VILLAVISAN BUITRAGO" userId="S::jfvillavisanb@itc.edu.co::e5ced5c2-d787-455d-b115-4f08a699b8c8" providerId="AD" clId="Web-{54F61D11-0B8F-608C-05E6-C48A393958A0}" dt="2024-02-17T00:37:38.760" v="22"/>
+        <pc:sldMkLst>
+          <pc:docMk/>
+          <pc:sldMk cId="2446874551" sldId="261"/>
+        </pc:sldMkLst>
+      </pc:sldChg>
+    </pc:docChg>
+  </pc:docChgLst>
+  <pc:docChgLst>
+    <pc:chgData name="JHEYSON FABIAN VILLAVISAN BUITRAGO" userId="e5ced5c2-d787-455d-b115-4f08a699b8c8" providerId="ADAL" clId="{FC05219F-A12A-4B47-B82B-2567E07FF897}"/>
+    <pc:docChg chg="undo custSel addSld delSld modSld modSection">
+      <pc:chgData name="JHEYSON FABIAN VILLAVISAN BUITRAGO" userId="e5ced5c2-d787-455d-b115-4f08a699b8c8" providerId="ADAL" clId="{FC05219F-A12A-4B47-B82B-2567E07FF897}" dt="2025-01-20T15:26:18.583" v="403" actId="20577"/>
+      <pc:docMkLst>
+        <pc:docMk/>
+      </pc:docMkLst>
+      <pc:sldChg chg="del">
+        <pc:chgData name="JHEYSON FABIAN VILLAVISAN BUITRAGO" userId="e5ced5c2-d787-455d-b115-4f08a699b8c8" providerId="ADAL" clId="{FC05219F-A12A-4B47-B82B-2567E07FF897}" dt="2025-01-20T15:05:30.456" v="2" actId="47"/>
+        <pc:sldMkLst>
+          <pc:docMk/>
+          <pc:sldMk cId="3440673900" sldId="257"/>
+        </pc:sldMkLst>
+      </pc:sldChg>
+      <pc:sldChg chg="modSp mod">
+        <pc:chgData name="JHEYSON FABIAN VILLAVISAN BUITRAGO" userId="e5ced5c2-d787-455d-b115-4f08a699b8c8" providerId="ADAL" clId="{FC05219F-A12A-4B47-B82B-2567E07FF897}" dt="2025-01-20T15:05:38.139" v="5" actId="20577"/>
+        <pc:sldMkLst>
+          <pc:docMk/>
+          <pc:sldMk cId="3274533963" sldId="258"/>
+        </pc:sldMkLst>
+        <pc:spChg chg="mod">
+          <ac:chgData name="JHEYSON FABIAN VILLAVISAN BUITRAGO" userId="e5ced5c2-d787-455d-b115-4f08a699b8c8" providerId="ADAL" clId="{FC05219F-A12A-4B47-B82B-2567E07FF897}" dt="2025-01-20T15:05:38.139" v="5" actId="20577"/>
+          <ac:spMkLst>
+            <pc:docMk/>
+            <pc:sldMk cId="3274533963" sldId="258"/>
+            <ac:spMk id="5122" creationId="{612B5792-076C-452D-8592-DDADCC263C58}"/>
+          </ac:spMkLst>
+        </pc:spChg>
+      </pc:sldChg>
+      <pc:sldChg chg="modSp mod">
+        <pc:chgData name="JHEYSON FABIAN VILLAVISAN BUITRAGO" userId="e5ced5c2-d787-455d-b115-4f08a699b8c8" providerId="ADAL" clId="{FC05219F-A12A-4B47-B82B-2567E07FF897}" dt="2025-01-20T15:09:49.495" v="88" actId="20577"/>
+        <pc:sldMkLst>
+          <pc:docMk/>
+          <pc:sldMk cId="1457783989" sldId="259"/>
+        </pc:sldMkLst>
+      </pc:sldChg>
+      <pc:sldChg chg="del">
+        <pc:chgData name="JHEYSON FABIAN VILLAVISAN BUITRAGO" userId="e5ced5c2-d787-455d-b115-4f08a699b8c8" providerId="ADAL" clId="{FC05219F-A12A-4B47-B82B-2567E07FF897}" dt="2025-01-20T15:05:32.820" v="3" actId="47"/>
+        <pc:sldMkLst>
+          <pc:docMk/>
+          <pc:sldMk cId="270398225" sldId="260"/>
+        </pc:sldMkLst>
+      </pc:sldChg>
+      <pc:sldChg chg="modSp mod">
+        <pc:chgData name="JHEYSON FABIAN VILLAVISAN BUITRAGO" userId="e5ced5c2-d787-455d-b115-4f08a699b8c8" providerId="ADAL" clId="{FC05219F-A12A-4B47-B82B-2567E07FF897}" dt="2025-01-20T15:12:15.517" v="93" actId="20577"/>
+        <pc:sldMkLst>
+          <pc:docMk/>
+          <pc:sldMk cId="2446874551" sldId="261"/>
+        </pc:sldMkLst>
+        <pc:spChg chg="mod">
+          <ac:chgData name="JHEYSON FABIAN VILLAVISAN BUITRAGO" userId="e5ced5c2-d787-455d-b115-4f08a699b8c8" providerId="ADAL" clId="{FC05219F-A12A-4B47-B82B-2567E07FF897}" dt="2025-01-20T15:05:44.975" v="7" actId="20577"/>
+          <ac:spMkLst>
+            <pc:docMk/>
+            <pc:sldMk cId="2446874551" sldId="261"/>
+            <ac:spMk id="5122" creationId="{612B5792-076C-452D-8592-DDADCC263C58}"/>
+          </ac:spMkLst>
+        </pc:spChg>
+        <pc:graphicFrameChg chg="modGraphic">
+          <ac:chgData name="JHEYSON FABIAN VILLAVISAN BUITRAGO" userId="e5ced5c2-d787-455d-b115-4f08a699b8c8" providerId="ADAL" clId="{FC05219F-A12A-4B47-B82B-2567E07FF897}" dt="2025-01-20T15:12:15.517" v="93" actId="20577"/>
+          <ac:graphicFrameMkLst>
+            <pc:docMk/>
+            <pc:sldMk cId="2446874551" sldId="261"/>
+            <ac:graphicFrameMk id="3" creationId="{EF9006A5-EBF2-41B7-A192-D8E6795F3933}"/>
+          </ac:graphicFrameMkLst>
+        </pc:graphicFrameChg>
+      </pc:sldChg>
+      <pc:sldChg chg="modSp mod">
+        <pc:chgData name="JHEYSON FABIAN VILLAVISAN BUITRAGO" userId="e5ced5c2-d787-455d-b115-4f08a699b8c8" providerId="ADAL" clId="{FC05219F-A12A-4B47-B82B-2567E07FF897}" dt="2025-01-20T15:05:53.927" v="9" actId="20577"/>
+        <pc:sldMkLst>
+          <pc:docMk/>
+          <pc:sldMk cId="3201851065" sldId="262"/>
+        </pc:sldMkLst>
+        <pc:spChg chg="mod">
+          <ac:chgData name="JHEYSON FABIAN VILLAVISAN BUITRAGO" userId="e5ced5c2-d787-455d-b115-4f08a699b8c8" providerId="ADAL" clId="{FC05219F-A12A-4B47-B82B-2567E07FF897}" dt="2025-01-20T15:05:53.927" v="9" actId="20577"/>
+          <ac:spMkLst>
+            <pc:docMk/>
+            <pc:sldMk cId="3201851065" sldId="262"/>
+            <ac:spMk id="5122" creationId="{612B5792-076C-452D-8592-DDADCC263C58}"/>
+          </ac:spMkLst>
+        </pc:spChg>
+      </pc:sldChg>
+      <pc:sldChg chg="modSp mod">
+        <pc:chgData name="JHEYSON FABIAN VILLAVISAN BUITRAGO" userId="e5ced5c2-d787-455d-b115-4f08a699b8c8" providerId="ADAL" clId="{FC05219F-A12A-4B47-B82B-2567E07FF897}" dt="2025-01-20T15:16:32.077" v="96"/>
+        <pc:sldMkLst>
+          <pc:docMk/>
+          <pc:sldMk cId="1638959537" sldId="264"/>
+        </pc:sldMkLst>
+      </pc:sldChg>
+      <pc:sldChg chg="modSp del mod">
+        <pc:chgData name="JHEYSON FABIAN VILLAVISAN BUITRAGO" userId="e5ced5c2-d787-455d-b115-4f08a699b8c8" providerId="ADAL" clId="{FC05219F-A12A-4B47-B82B-2567E07FF897}" dt="2025-01-20T15:20:37.002" v="99" actId="47"/>
+        <pc:sldMkLst>
+          <pc:docMk/>
+          <pc:sldMk cId="423957145" sldId="265"/>
+        </pc:sldMkLst>
+      </pc:sldChg>
+      <pc:sldChg chg="modSp add del mod">
+        <pc:chgData name="JHEYSON FABIAN VILLAVISAN BUITRAGO" userId="e5ced5c2-d787-455d-b115-4f08a699b8c8" providerId="ADAL" clId="{FC05219F-A12A-4B47-B82B-2567E07FF897}" dt="2025-01-20T15:22:46.665" v="100" actId="20577"/>
+        <pc:sldMkLst>
+          <pc:docMk/>
+          <pc:sldMk cId="4156492543" sldId="266"/>
+        </pc:sldMkLst>
+        <pc:spChg chg="mod">
+          <ac:chgData name="JHEYSON FABIAN VILLAVISAN BUITRAGO" userId="e5ced5c2-d787-455d-b115-4f08a699b8c8" providerId="ADAL" clId="{FC05219F-A12A-4B47-B82B-2567E07FF897}" dt="2025-01-20T15:22:46.665" v="100" actId="20577"/>
+          <ac:spMkLst>
+            <pc:docMk/>
+            <pc:sldMk cId="4156492543" sldId="266"/>
+            <ac:spMk id="5122" creationId="{612B5792-076C-452D-8592-DDADCC263C58}"/>
+          </ac:spMkLst>
+        </pc:spChg>
+      </pc:sldChg>
+      <pc:sldChg chg="addSp delSp modSp mod">
+        <pc:chgData name="JHEYSON FABIAN VILLAVISAN BUITRAGO" userId="e5ced5c2-d787-455d-b115-4f08a699b8c8" providerId="ADAL" clId="{FC05219F-A12A-4B47-B82B-2567E07FF897}" dt="2025-01-20T15:05:19.109" v="1"/>
+        <pc:sldMkLst>
+          <pc:docMk/>
+          <pc:sldMk cId="2965408220" sldId="280"/>
+        </pc:sldMkLst>
+      </pc:sldChg>
+      <pc:sldChg chg="del">
+        <pc:chgData name="JHEYSON FABIAN VILLAVISAN BUITRAGO" userId="e5ced5c2-d787-455d-b115-4f08a699b8c8" providerId="ADAL" clId="{FC05219F-A12A-4B47-B82B-2567E07FF897}" dt="2025-01-20T15:05:33.681" v="4" actId="47"/>
+        <pc:sldMkLst>
+          <pc:docMk/>
+          <pc:sldMk cId="1483565277" sldId="281"/>
+        </pc:sldMkLst>
+      </pc:sldChg>
+      <pc:sldChg chg="addSp delSp modSp add mod">
+        <pc:chgData name="JHEYSON FABIAN VILLAVISAN BUITRAGO" userId="e5ced5c2-d787-455d-b115-4f08a699b8c8" providerId="ADAL" clId="{FC05219F-A12A-4B47-B82B-2567E07FF897}" dt="2025-01-20T15:26:18.583" v="403" actId="20577"/>
+        <pc:sldMkLst>
+          <pc:docMk/>
+          <pc:sldMk cId="1663543374" sldId="281"/>
+        </pc:sldMkLst>
+      </pc:sldChg>
+    </pc:docChg>
+  </pc:docChgLst>
+  <pc:docChgLst>
+    <pc:chgData name="Jheyson Fabian Villavisan Buitrago" userId="b9abc243-2adc-4788-8ef1-b07bec73deff" providerId="ADAL" clId="{3215327A-3D14-4436-848D-437BA9825477}"/>
+    <pc:docChg chg="undo custSel addSld delSld modSld sldOrd modSection">
+      <pc:chgData name="Jheyson Fabian Villavisan Buitrago" userId="b9abc243-2adc-4788-8ef1-b07bec73deff" providerId="ADAL" clId="{3215327A-3D14-4436-848D-437BA9825477}" dt="2023-02-21T02:31:50.819" v="1105" actId="47"/>
+      <pc:docMkLst>
+        <pc:docMk/>
+      </pc:docMkLst>
+      <pc:sldChg chg="addSp delSp modSp mod">
+        <pc:chgData name="Jheyson Fabian Villavisan Buitrago" userId="b9abc243-2adc-4788-8ef1-b07bec73deff" providerId="ADAL" clId="{3215327A-3D14-4436-848D-437BA9825477}" dt="2023-02-21T01:47:34.076" v="538" actId="20577"/>
+        <pc:sldMkLst>
+          <pc:docMk/>
+          <pc:sldMk cId="0" sldId="256"/>
+        </pc:sldMkLst>
+      </pc:sldChg>
+      <pc:sldChg chg="addSp delSp modSp mod modNotesTx">
+        <pc:chgData name="Jheyson Fabian Villavisan Buitrago" userId="b9abc243-2adc-4788-8ef1-b07bec73deff" providerId="ADAL" clId="{3215327A-3D14-4436-848D-437BA9825477}" dt="2023-02-21T01:48:51.206" v="635" actId="20577"/>
+        <pc:sldMkLst>
+          <pc:docMk/>
+          <pc:sldMk cId="3440673900" sldId="257"/>
+        </pc:sldMkLst>
+      </pc:sldChg>
+      <pc:sldChg chg="addSp modSp add mod">
+        <pc:chgData name="Jheyson Fabian Villavisan Buitrago" userId="b9abc243-2adc-4788-8ef1-b07bec73deff" providerId="ADAL" clId="{3215327A-3D14-4436-848D-437BA9825477}" dt="2023-02-21T02:11:11.852" v="862" actId="20577"/>
+        <pc:sldMkLst>
+          <pc:docMk/>
+          <pc:sldMk cId="3274533963" sldId="258"/>
+        </pc:sldMkLst>
+      </pc:sldChg>
+      <pc:sldChg chg="del">
+        <pc:chgData name="Jheyson Fabian Villavisan Buitrago" userId="b9abc243-2adc-4788-8ef1-b07bec73deff" providerId="ADAL" clId="{3215327A-3D14-4436-848D-437BA9825477}" dt="2023-02-21T01:23:11.402" v="37" actId="47"/>
+        <pc:sldMkLst>
+          <pc:docMk/>
+          <pc:sldMk cId="4125752270" sldId="258"/>
+        </pc:sldMkLst>
+      </pc:sldChg>
+      <pc:sldChg chg="del">
+        <pc:chgData name="Jheyson Fabian Villavisan Buitrago" userId="b9abc243-2adc-4788-8ef1-b07bec73deff" providerId="ADAL" clId="{3215327A-3D14-4436-848D-437BA9825477}" dt="2023-02-21T01:23:11.402" v="37" actId="47"/>
+        <pc:sldMkLst>
+          <pc:docMk/>
+          <pc:sldMk cId="956773145" sldId="259"/>
+        </pc:sldMkLst>
+      </pc:sldChg>
+      <pc:sldChg chg="addSp delSp modSp add mod ord">
+        <pc:chgData name="Jheyson Fabian Villavisan Buitrago" userId="b9abc243-2adc-4788-8ef1-b07bec73deff" providerId="ADAL" clId="{3215327A-3D14-4436-848D-437BA9825477}" dt="2023-02-21T02:09:32.513" v="828" actId="20577"/>
+        <pc:sldMkLst>
+          <pc:docMk/>
+          <pc:sldMk cId="1457783989" sldId="259"/>
+        </pc:sldMkLst>
+      </pc:sldChg>
+      <pc:sldChg chg="modSp add mod ord">
+        <pc:chgData name="Jheyson Fabian Villavisan Buitrago" userId="b9abc243-2adc-4788-8ef1-b07bec73deff" providerId="ADAL" clId="{3215327A-3D14-4436-848D-437BA9825477}" dt="2023-02-21T02:06:35.217" v="816" actId="20577"/>
+        <pc:sldMkLst>
+          <pc:docMk/>
+          <pc:sldMk cId="270398225" sldId="260"/>
+        </pc:sldMkLst>
+      </pc:sldChg>
+      <pc:sldChg chg="modSp add mod">
+        <pc:chgData name="Jheyson Fabian Villavisan Buitrago" userId="b9abc243-2adc-4788-8ef1-b07bec73deff" providerId="ADAL" clId="{3215327A-3D14-4436-848D-437BA9825477}" dt="2023-02-21T02:24:48.908" v="1089" actId="20577"/>
+        <pc:sldMkLst>
+          <pc:docMk/>
+          <pc:sldMk cId="2446874551" sldId="261"/>
+        </pc:sldMkLst>
+      </pc:sldChg>
+      <pc:sldChg chg="modSp add mod">
+        <pc:chgData name="Jheyson Fabian Villavisan Buitrago" userId="b9abc243-2adc-4788-8ef1-b07bec73deff" providerId="ADAL" clId="{3215327A-3D14-4436-848D-437BA9825477}" dt="2023-02-21T02:22:44.928" v="1034" actId="20577"/>
+        <pc:sldMkLst>
+          <pc:docMk/>
+          <pc:sldMk cId="3201851065" sldId="262"/>
+        </pc:sldMkLst>
+      </pc:sldChg>
+      <pc:sldChg chg="add del">
+        <pc:chgData name="Jheyson Fabian Villavisan Buitrago" userId="b9abc243-2adc-4788-8ef1-b07bec73deff" providerId="ADAL" clId="{3215327A-3D14-4436-848D-437BA9825477}" dt="2023-02-21T02:25:46.318" v="1104" actId="47"/>
+        <pc:sldMkLst>
+          <pc:docMk/>
+          <pc:sldMk cId="3710127576" sldId="263"/>
+        </pc:sldMkLst>
+      </pc:sldChg>
+      <pc:sldChg chg="modSp add mod ord">
+        <pc:chgData name="Jheyson Fabian Villavisan Buitrago" userId="b9abc243-2adc-4788-8ef1-b07bec73deff" providerId="ADAL" clId="{3215327A-3D14-4436-848D-437BA9825477}" dt="2023-02-21T02:20:22.028" v="998" actId="1076"/>
+        <pc:sldMkLst>
+          <pc:docMk/>
+          <pc:sldMk cId="1638959537" sldId="264"/>
+        </pc:sldMkLst>
+      </pc:sldChg>
+      <pc:sldChg chg="modSp add del mod">
+        <pc:chgData name="Jheyson Fabian Villavisan Buitrago" userId="b9abc243-2adc-4788-8ef1-b07bec73deff" providerId="ADAL" clId="{3215327A-3D14-4436-848D-437BA9825477}" dt="2023-02-21T02:31:50.819" v="1105" actId="47"/>
+        <pc:sldMkLst>
+          <pc:docMk/>
+          <pc:sldMk cId="2427464278" sldId="265"/>
+        </pc:sldMkLst>
+      </pc:sldChg>
+    </pc:docChg>
+  </pc:docChgLst>
+  <pc:docChgLst>
     <pc:chgData name="JHEYSON FABIAN VILLAVISAN BUITRAGO" userId="e5ced5c2-d787-455d-b115-4f08a699b8c8" providerId="ADAL" clId="{61064E29-7526-4006-8D9E-6DAEA80EB5D0}"/>
     <pc:docChg chg="modSld">
       <pc:chgData name="JHEYSON FABIAN VILLAVISAN BUITRAGO" userId="e5ced5c2-d787-455d-b115-4f08a699b8c8" providerId="ADAL" clId="{61064E29-7526-4006-8D9E-6DAEA80EB5D0}" dt="2023-08-25T21:37:25.760" v="17" actId="20577"/>
@@ -332,24 +908,45 @@
     </pc:docChg>
   </pc:docChgLst>
   <pc:docChgLst>
-    <pc:chgData name="JHEYSON FABIAN VILLAVISAN BUITRAGO" userId="S::jfvillavisanb@itc.edu.co::e5ced5c2-d787-455d-b115-4f08a699b8c8" providerId="AD" clId="Web-{C411DD3F-BA9D-C418-E5D8-E67A31550213}"/>
-    <pc:docChg chg="modSld">
-      <pc:chgData name="JHEYSON FABIAN VILLAVISAN BUITRAGO" userId="S::jfvillavisanb@itc.edu.co::e5ced5c2-d787-455d-b115-4f08a699b8c8" providerId="AD" clId="Web-{C411DD3F-BA9D-C418-E5D8-E67A31550213}" dt="2023-08-26T02:01:56.942" v="15"/>
+    <pc:chgData name="JHEYSON FABIAN VILLAVISAN BUITRAGO" userId="e5ced5c2-d787-455d-b115-4f08a699b8c8" providerId="ADAL" clId="{34C8C28D-8801-4189-872A-85ABBDD74DE6}"/>
+    <pc:docChg chg="custSel addSld modSld modSection">
+      <pc:chgData name="JHEYSON FABIAN VILLAVISAN BUITRAGO" userId="e5ced5c2-d787-455d-b115-4f08a699b8c8" providerId="ADAL" clId="{34C8C28D-8801-4189-872A-85ABBDD74DE6}" dt="2024-08-15T21:12:12.091" v="381" actId="20577"/>
       <pc:docMkLst>
         <pc:docMk/>
       </pc:docMkLst>
-      <pc:sldChg chg="modNotes">
-        <pc:chgData name="JHEYSON FABIAN VILLAVISAN BUITRAGO" userId="S::jfvillavisanb@itc.edu.co::e5ced5c2-d787-455d-b115-4f08a699b8c8" providerId="AD" clId="Web-{C411DD3F-BA9D-C418-E5D8-E67A31550213}" dt="2023-08-26T01:47:10.601" v="3"/>
+      <pc:sldChg chg="modSp mod">
+        <pc:chgData name="JHEYSON FABIAN VILLAVISAN BUITRAGO" userId="e5ced5c2-d787-455d-b115-4f08a699b8c8" providerId="ADAL" clId="{34C8C28D-8801-4189-872A-85ABBDD74DE6}" dt="2024-08-15T21:00:41.965" v="8" actId="20577"/>
         <pc:sldMkLst>
           <pc:docMk/>
-          <pc:sldMk cId="1457783989" sldId="259"/>
+          <pc:sldMk cId="3440673900" sldId="257"/>
         </pc:sldMkLst>
       </pc:sldChg>
-      <pc:sldChg chg="modNotes">
-        <pc:chgData name="JHEYSON FABIAN VILLAVISAN BUITRAGO" userId="S::jfvillavisanb@itc.edu.co::e5ced5c2-d787-455d-b115-4f08a699b8c8" providerId="AD" clId="Web-{C411DD3F-BA9D-C418-E5D8-E67A31550213}" dt="2023-08-26T02:01:56.942" v="15"/>
+      <pc:sldChg chg="modSp mod">
+        <pc:chgData name="JHEYSON FABIAN VILLAVISAN BUITRAGO" userId="e5ced5c2-d787-455d-b115-4f08a699b8c8" providerId="ADAL" clId="{34C8C28D-8801-4189-872A-85ABBDD74DE6}" dt="2024-08-15T21:00:46.666" v="10" actId="20577"/>
         <pc:sldMkLst>
           <pc:docMk/>
-          <pc:sldMk cId="1638959537" sldId="264"/>
+          <pc:sldMk cId="3274533963" sldId="258"/>
+        </pc:sldMkLst>
+      </pc:sldChg>
+      <pc:sldChg chg="modSp mod">
+        <pc:chgData name="JHEYSON FABIAN VILLAVISAN BUITRAGO" userId="e5ced5c2-d787-455d-b115-4f08a699b8c8" providerId="ADAL" clId="{34C8C28D-8801-4189-872A-85ABBDD74DE6}" dt="2024-08-15T21:00:44.462" v="9" actId="20577"/>
+        <pc:sldMkLst>
+          <pc:docMk/>
+          <pc:sldMk cId="270398225" sldId="260"/>
+        </pc:sldMkLst>
+      </pc:sldChg>
+      <pc:sldChg chg="modSp add mod">
+        <pc:chgData name="JHEYSON FABIAN VILLAVISAN BUITRAGO" userId="e5ced5c2-d787-455d-b115-4f08a699b8c8" providerId="ADAL" clId="{34C8C28D-8801-4189-872A-85ABBDD74DE6}" dt="2024-08-15T21:12:12.091" v="381" actId="20577"/>
+        <pc:sldMkLst>
+          <pc:docMk/>
+          <pc:sldMk cId="2965408220" sldId="280"/>
+        </pc:sldMkLst>
+      </pc:sldChg>
+      <pc:sldChg chg="addSp modSp add mod">
+        <pc:chgData name="JHEYSON FABIAN VILLAVISAN BUITRAGO" userId="e5ced5c2-d787-455d-b115-4f08a699b8c8" providerId="ADAL" clId="{34C8C28D-8801-4189-872A-85ABBDD74DE6}" dt="2024-08-15T21:10:26.452" v="378" actId="1076"/>
+        <pc:sldMkLst>
+          <pc:docMk/>
+          <pc:sldMk cId="1483565277" sldId="281"/>
         </pc:sldMkLst>
       </pc:sldChg>
     </pc:docChg>
@@ -499,287 +1096,6 @@
     </pc:docChg>
   </pc:docChgLst>
   <pc:docChgLst>
-    <pc:chgData name="JHEYSON FABIAN VILLAVISAN BUITRAGO" userId="e5ced5c2-d787-455d-b115-4f08a699b8c8" providerId="ADAL" clId="{34C8C28D-8801-4189-872A-85ABBDD74DE6}"/>
-    <pc:docChg chg="custSel addSld modSld modSection">
-      <pc:chgData name="JHEYSON FABIAN VILLAVISAN BUITRAGO" userId="e5ced5c2-d787-455d-b115-4f08a699b8c8" providerId="ADAL" clId="{34C8C28D-8801-4189-872A-85ABBDD74DE6}" dt="2024-08-15T21:12:12.091" v="381" actId="20577"/>
-      <pc:docMkLst>
-        <pc:docMk/>
-      </pc:docMkLst>
-      <pc:sldChg chg="modSp mod">
-        <pc:chgData name="JHEYSON FABIAN VILLAVISAN BUITRAGO" userId="e5ced5c2-d787-455d-b115-4f08a699b8c8" providerId="ADAL" clId="{34C8C28D-8801-4189-872A-85ABBDD74DE6}" dt="2024-08-15T21:00:41.965" v="8" actId="20577"/>
-        <pc:sldMkLst>
-          <pc:docMk/>
-          <pc:sldMk cId="3440673900" sldId="257"/>
-        </pc:sldMkLst>
-      </pc:sldChg>
-      <pc:sldChg chg="modSp mod">
-        <pc:chgData name="JHEYSON FABIAN VILLAVISAN BUITRAGO" userId="e5ced5c2-d787-455d-b115-4f08a699b8c8" providerId="ADAL" clId="{34C8C28D-8801-4189-872A-85ABBDD74DE6}" dt="2024-08-15T21:00:46.666" v="10" actId="20577"/>
-        <pc:sldMkLst>
-          <pc:docMk/>
-          <pc:sldMk cId="3274533963" sldId="258"/>
-        </pc:sldMkLst>
-      </pc:sldChg>
-      <pc:sldChg chg="modSp mod">
-        <pc:chgData name="JHEYSON FABIAN VILLAVISAN BUITRAGO" userId="e5ced5c2-d787-455d-b115-4f08a699b8c8" providerId="ADAL" clId="{34C8C28D-8801-4189-872A-85ABBDD74DE6}" dt="2024-08-15T21:00:44.462" v="9" actId="20577"/>
-        <pc:sldMkLst>
-          <pc:docMk/>
-          <pc:sldMk cId="270398225" sldId="260"/>
-        </pc:sldMkLst>
-      </pc:sldChg>
-      <pc:sldChg chg="modSp add mod">
-        <pc:chgData name="JHEYSON FABIAN VILLAVISAN BUITRAGO" userId="e5ced5c2-d787-455d-b115-4f08a699b8c8" providerId="ADAL" clId="{34C8C28D-8801-4189-872A-85ABBDD74DE6}" dt="2024-08-15T21:12:12.091" v="381" actId="20577"/>
-        <pc:sldMkLst>
-          <pc:docMk/>
-          <pc:sldMk cId="2965408220" sldId="280"/>
-        </pc:sldMkLst>
-      </pc:sldChg>
-      <pc:sldChg chg="addSp modSp add mod">
-        <pc:chgData name="JHEYSON FABIAN VILLAVISAN BUITRAGO" userId="e5ced5c2-d787-455d-b115-4f08a699b8c8" providerId="ADAL" clId="{34C8C28D-8801-4189-872A-85ABBDD74DE6}" dt="2024-08-15T21:10:26.452" v="378" actId="1076"/>
-        <pc:sldMkLst>
-          <pc:docMk/>
-          <pc:sldMk cId="1483565277" sldId="281"/>
-        </pc:sldMkLst>
-      </pc:sldChg>
-    </pc:docChg>
-  </pc:docChgLst>
-  <pc:docChgLst>
-    <pc:chgData name="Jheyson Fabian Villavisan Buitrago" userId="S::jf.villavisan@uniandes.edu.co::b9abc243-2adc-4788-8ef1-b07bec73deff" providerId="AD" clId="Web-{5C8BA568-B15F-4025-8DAB-3914683C88CA}"/>
-    <pc:docChg chg="modSld">
-      <pc:chgData name="Jheyson Fabian Villavisan Buitrago" userId="S::jf.villavisan@uniandes.edu.co::b9abc243-2adc-4788-8ef1-b07bec73deff" providerId="AD" clId="Web-{5C8BA568-B15F-4025-8DAB-3914683C88CA}" dt="2023-02-23T12:02:31.091" v="12"/>
-      <pc:docMkLst>
-        <pc:docMk/>
-      </pc:docMkLst>
-      <pc:sldChg chg="modNotes">
-        <pc:chgData name="Jheyson Fabian Villavisan Buitrago" userId="S::jf.villavisan@uniandes.edu.co::b9abc243-2adc-4788-8ef1-b07bec73deff" providerId="AD" clId="Web-{5C8BA568-B15F-4025-8DAB-3914683C88CA}" dt="2023-02-23T12:02:31.091" v="12"/>
-        <pc:sldMkLst>
-          <pc:docMk/>
-          <pc:sldMk cId="1457783989" sldId="259"/>
-        </pc:sldMkLst>
-      </pc:sldChg>
-    </pc:docChg>
-  </pc:docChgLst>
-  <pc:docChgLst>
-    <pc:chgData name="JHEYSON FABIAN VILLAVISAN BUITRAGO" userId="e5ced5c2-d787-455d-b115-4f08a699b8c8" providerId="ADAL" clId="{FC05219F-A12A-4B47-B82B-2567E07FF897}"/>
-    <pc:docChg chg="undo custSel addSld delSld modSld modSection">
-      <pc:chgData name="JHEYSON FABIAN VILLAVISAN BUITRAGO" userId="e5ced5c2-d787-455d-b115-4f08a699b8c8" providerId="ADAL" clId="{FC05219F-A12A-4B47-B82B-2567E07FF897}" dt="2025-01-20T15:26:18.583" v="403" actId="20577"/>
-      <pc:docMkLst>
-        <pc:docMk/>
-      </pc:docMkLst>
-      <pc:sldChg chg="del">
-        <pc:chgData name="JHEYSON FABIAN VILLAVISAN BUITRAGO" userId="e5ced5c2-d787-455d-b115-4f08a699b8c8" providerId="ADAL" clId="{FC05219F-A12A-4B47-B82B-2567E07FF897}" dt="2025-01-20T15:05:30.456" v="2" actId="47"/>
-        <pc:sldMkLst>
-          <pc:docMk/>
-          <pc:sldMk cId="3440673900" sldId="257"/>
-        </pc:sldMkLst>
-      </pc:sldChg>
-      <pc:sldChg chg="modSp mod">
-        <pc:chgData name="JHEYSON FABIAN VILLAVISAN BUITRAGO" userId="e5ced5c2-d787-455d-b115-4f08a699b8c8" providerId="ADAL" clId="{FC05219F-A12A-4B47-B82B-2567E07FF897}" dt="2025-01-20T15:05:38.139" v="5" actId="20577"/>
-        <pc:sldMkLst>
-          <pc:docMk/>
-          <pc:sldMk cId="3274533963" sldId="258"/>
-        </pc:sldMkLst>
-        <pc:spChg chg="mod">
-          <ac:chgData name="JHEYSON FABIAN VILLAVISAN BUITRAGO" userId="e5ced5c2-d787-455d-b115-4f08a699b8c8" providerId="ADAL" clId="{FC05219F-A12A-4B47-B82B-2567E07FF897}" dt="2025-01-20T15:05:38.139" v="5" actId="20577"/>
-          <ac:spMkLst>
-            <pc:docMk/>
-            <pc:sldMk cId="3274533963" sldId="258"/>
-            <ac:spMk id="5122" creationId="{612B5792-076C-452D-8592-DDADCC263C58}"/>
-          </ac:spMkLst>
-        </pc:spChg>
-      </pc:sldChg>
-      <pc:sldChg chg="modSp mod">
-        <pc:chgData name="JHEYSON FABIAN VILLAVISAN BUITRAGO" userId="e5ced5c2-d787-455d-b115-4f08a699b8c8" providerId="ADAL" clId="{FC05219F-A12A-4B47-B82B-2567E07FF897}" dt="2025-01-20T15:09:49.495" v="88" actId="20577"/>
-        <pc:sldMkLst>
-          <pc:docMk/>
-          <pc:sldMk cId="1457783989" sldId="259"/>
-        </pc:sldMkLst>
-        <pc:spChg chg="mod">
-          <ac:chgData name="JHEYSON FABIAN VILLAVISAN BUITRAGO" userId="e5ced5c2-d787-455d-b115-4f08a699b8c8" providerId="ADAL" clId="{FC05219F-A12A-4B47-B82B-2567E07FF897}" dt="2025-01-20T15:09:49.495" v="88" actId="20577"/>
-          <ac:spMkLst>
-            <pc:docMk/>
-            <pc:sldMk cId="1457783989" sldId="259"/>
-            <ac:spMk id="2" creationId="{38B9E9CE-04E3-DE93-A00D-DDBB5875BE46}"/>
-          </ac:spMkLst>
-        </pc:spChg>
-        <pc:spChg chg="mod">
-          <ac:chgData name="JHEYSON FABIAN VILLAVISAN BUITRAGO" userId="e5ced5c2-d787-455d-b115-4f08a699b8c8" providerId="ADAL" clId="{FC05219F-A12A-4B47-B82B-2567E07FF897}" dt="2025-01-20T15:05:40.825" v="6" actId="20577"/>
-          <ac:spMkLst>
-            <pc:docMk/>
-            <pc:sldMk cId="1457783989" sldId="259"/>
-            <ac:spMk id="5122" creationId="{612B5792-076C-452D-8592-DDADCC263C58}"/>
-          </ac:spMkLst>
-        </pc:spChg>
-      </pc:sldChg>
-      <pc:sldChg chg="del">
-        <pc:chgData name="JHEYSON FABIAN VILLAVISAN BUITRAGO" userId="e5ced5c2-d787-455d-b115-4f08a699b8c8" providerId="ADAL" clId="{FC05219F-A12A-4B47-B82B-2567E07FF897}" dt="2025-01-20T15:05:32.820" v="3" actId="47"/>
-        <pc:sldMkLst>
-          <pc:docMk/>
-          <pc:sldMk cId="270398225" sldId="260"/>
-        </pc:sldMkLst>
-      </pc:sldChg>
-      <pc:sldChg chg="modSp mod">
-        <pc:chgData name="JHEYSON FABIAN VILLAVISAN BUITRAGO" userId="e5ced5c2-d787-455d-b115-4f08a699b8c8" providerId="ADAL" clId="{FC05219F-A12A-4B47-B82B-2567E07FF897}" dt="2025-01-20T15:12:15.517" v="93" actId="20577"/>
-        <pc:sldMkLst>
-          <pc:docMk/>
-          <pc:sldMk cId="2446874551" sldId="261"/>
-        </pc:sldMkLst>
-        <pc:spChg chg="mod">
-          <ac:chgData name="JHEYSON FABIAN VILLAVISAN BUITRAGO" userId="e5ced5c2-d787-455d-b115-4f08a699b8c8" providerId="ADAL" clId="{FC05219F-A12A-4B47-B82B-2567E07FF897}" dt="2025-01-20T15:05:44.975" v="7" actId="20577"/>
-          <ac:spMkLst>
-            <pc:docMk/>
-            <pc:sldMk cId="2446874551" sldId="261"/>
-            <ac:spMk id="5122" creationId="{612B5792-076C-452D-8592-DDADCC263C58}"/>
-          </ac:spMkLst>
-        </pc:spChg>
-        <pc:graphicFrameChg chg="modGraphic">
-          <ac:chgData name="JHEYSON FABIAN VILLAVISAN BUITRAGO" userId="e5ced5c2-d787-455d-b115-4f08a699b8c8" providerId="ADAL" clId="{FC05219F-A12A-4B47-B82B-2567E07FF897}" dt="2025-01-20T15:12:15.517" v="93" actId="20577"/>
-          <ac:graphicFrameMkLst>
-            <pc:docMk/>
-            <pc:sldMk cId="2446874551" sldId="261"/>
-            <ac:graphicFrameMk id="3" creationId="{EF9006A5-EBF2-41B7-A192-D8E6795F3933}"/>
-          </ac:graphicFrameMkLst>
-        </pc:graphicFrameChg>
-      </pc:sldChg>
-      <pc:sldChg chg="modSp mod">
-        <pc:chgData name="JHEYSON FABIAN VILLAVISAN BUITRAGO" userId="e5ced5c2-d787-455d-b115-4f08a699b8c8" providerId="ADAL" clId="{FC05219F-A12A-4B47-B82B-2567E07FF897}" dt="2025-01-20T15:05:53.927" v="9" actId="20577"/>
-        <pc:sldMkLst>
-          <pc:docMk/>
-          <pc:sldMk cId="3201851065" sldId="262"/>
-        </pc:sldMkLst>
-        <pc:spChg chg="mod">
-          <ac:chgData name="JHEYSON FABIAN VILLAVISAN BUITRAGO" userId="e5ced5c2-d787-455d-b115-4f08a699b8c8" providerId="ADAL" clId="{FC05219F-A12A-4B47-B82B-2567E07FF897}" dt="2025-01-20T15:05:53.927" v="9" actId="20577"/>
-          <ac:spMkLst>
-            <pc:docMk/>
-            <pc:sldMk cId="3201851065" sldId="262"/>
-            <ac:spMk id="5122" creationId="{612B5792-076C-452D-8592-DDADCC263C58}"/>
-          </ac:spMkLst>
-        </pc:spChg>
-      </pc:sldChg>
-      <pc:sldChg chg="modSp mod">
-        <pc:chgData name="JHEYSON FABIAN VILLAVISAN BUITRAGO" userId="e5ced5c2-d787-455d-b115-4f08a699b8c8" providerId="ADAL" clId="{FC05219F-A12A-4B47-B82B-2567E07FF897}" dt="2025-01-20T15:16:32.077" v="96"/>
-        <pc:sldMkLst>
-          <pc:docMk/>
-          <pc:sldMk cId="1638959537" sldId="264"/>
-        </pc:sldMkLst>
-        <pc:spChg chg="mod">
-          <ac:chgData name="JHEYSON FABIAN VILLAVISAN BUITRAGO" userId="e5ced5c2-d787-455d-b115-4f08a699b8c8" providerId="ADAL" clId="{FC05219F-A12A-4B47-B82B-2567E07FF897}" dt="2025-01-20T15:16:32.077" v="96"/>
-          <ac:spMkLst>
-            <pc:docMk/>
-            <pc:sldMk cId="1638959537" sldId="264"/>
-            <ac:spMk id="2" creationId="{38B9E9CE-04E3-DE93-A00D-DDBB5875BE46}"/>
-          </ac:spMkLst>
-        </pc:spChg>
-        <pc:spChg chg="mod">
-          <ac:chgData name="JHEYSON FABIAN VILLAVISAN BUITRAGO" userId="e5ced5c2-d787-455d-b115-4f08a699b8c8" providerId="ADAL" clId="{FC05219F-A12A-4B47-B82B-2567E07FF897}" dt="2025-01-20T15:05:49.804" v="8" actId="20577"/>
-          <ac:spMkLst>
-            <pc:docMk/>
-            <pc:sldMk cId="1638959537" sldId="264"/>
-            <ac:spMk id="5122" creationId="{612B5792-076C-452D-8592-DDADCC263C58}"/>
-          </ac:spMkLst>
-        </pc:spChg>
-      </pc:sldChg>
-      <pc:sldChg chg="modSp del mod">
-        <pc:chgData name="JHEYSON FABIAN VILLAVISAN BUITRAGO" userId="e5ced5c2-d787-455d-b115-4f08a699b8c8" providerId="ADAL" clId="{FC05219F-A12A-4B47-B82B-2567E07FF897}" dt="2025-01-20T15:20:37.002" v="99" actId="47"/>
-        <pc:sldMkLst>
-          <pc:docMk/>
-          <pc:sldMk cId="423957145" sldId="265"/>
-        </pc:sldMkLst>
-        <pc:spChg chg="mod">
-          <ac:chgData name="JHEYSON FABIAN VILLAVISAN BUITRAGO" userId="e5ced5c2-d787-455d-b115-4f08a699b8c8" providerId="ADAL" clId="{FC05219F-A12A-4B47-B82B-2567E07FF897}" dt="2025-01-20T15:05:57.865" v="10" actId="20577"/>
-          <ac:spMkLst>
-            <pc:docMk/>
-            <pc:sldMk cId="423957145" sldId="265"/>
-            <ac:spMk id="5122" creationId="{612B5792-076C-452D-8592-DDADCC263C58}"/>
-          </ac:spMkLst>
-        </pc:spChg>
-      </pc:sldChg>
-      <pc:sldChg chg="modSp add del mod">
-        <pc:chgData name="JHEYSON FABIAN VILLAVISAN BUITRAGO" userId="e5ced5c2-d787-455d-b115-4f08a699b8c8" providerId="ADAL" clId="{FC05219F-A12A-4B47-B82B-2567E07FF897}" dt="2025-01-20T15:22:46.665" v="100" actId="20577"/>
-        <pc:sldMkLst>
-          <pc:docMk/>
-          <pc:sldMk cId="4156492543" sldId="266"/>
-        </pc:sldMkLst>
-        <pc:spChg chg="mod">
-          <ac:chgData name="JHEYSON FABIAN VILLAVISAN BUITRAGO" userId="e5ced5c2-d787-455d-b115-4f08a699b8c8" providerId="ADAL" clId="{FC05219F-A12A-4B47-B82B-2567E07FF897}" dt="2025-01-20T15:22:46.665" v="100" actId="20577"/>
-          <ac:spMkLst>
-            <pc:docMk/>
-            <pc:sldMk cId="4156492543" sldId="266"/>
-            <ac:spMk id="5122" creationId="{612B5792-076C-452D-8592-DDADCC263C58}"/>
-          </ac:spMkLst>
-        </pc:spChg>
-      </pc:sldChg>
-      <pc:sldChg chg="addSp delSp modSp mod">
-        <pc:chgData name="JHEYSON FABIAN VILLAVISAN BUITRAGO" userId="e5ced5c2-d787-455d-b115-4f08a699b8c8" providerId="ADAL" clId="{FC05219F-A12A-4B47-B82B-2567E07FF897}" dt="2025-01-20T15:05:19.109" v="1"/>
-        <pc:sldMkLst>
-          <pc:docMk/>
-          <pc:sldMk cId="2965408220" sldId="280"/>
-        </pc:sldMkLst>
-        <pc:graphicFrameChg chg="add mod">
-          <ac:chgData name="JHEYSON FABIAN VILLAVISAN BUITRAGO" userId="e5ced5c2-d787-455d-b115-4f08a699b8c8" providerId="ADAL" clId="{FC05219F-A12A-4B47-B82B-2567E07FF897}" dt="2025-01-20T15:05:19.109" v="1"/>
-          <ac:graphicFrameMkLst>
-            <pc:docMk/>
-            <pc:sldMk cId="2965408220" sldId="280"/>
-            <ac:graphicFrameMk id="2" creationId="{AD95D6F6-B57E-72C6-C4A1-D87E90D71724}"/>
-          </ac:graphicFrameMkLst>
-        </pc:graphicFrameChg>
-        <pc:graphicFrameChg chg="del">
-          <ac:chgData name="JHEYSON FABIAN VILLAVISAN BUITRAGO" userId="e5ced5c2-d787-455d-b115-4f08a699b8c8" providerId="ADAL" clId="{FC05219F-A12A-4B47-B82B-2567E07FF897}" dt="2025-01-20T15:05:18.730" v="0" actId="478"/>
-          <ac:graphicFrameMkLst>
-            <pc:docMk/>
-            <pc:sldMk cId="2965408220" sldId="280"/>
-            <ac:graphicFrameMk id="3" creationId="{4AAFE5C2-7FA4-466D-AA78-140D9F7AA7D2}"/>
-          </ac:graphicFrameMkLst>
-        </pc:graphicFrameChg>
-      </pc:sldChg>
-      <pc:sldChg chg="del">
-        <pc:chgData name="JHEYSON FABIAN VILLAVISAN BUITRAGO" userId="e5ced5c2-d787-455d-b115-4f08a699b8c8" providerId="ADAL" clId="{FC05219F-A12A-4B47-B82B-2567E07FF897}" dt="2025-01-20T15:05:33.681" v="4" actId="47"/>
-        <pc:sldMkLst>
-          <pc:docMk/>
-          <pc:sldMk cId="1483565277" sldId="281"/>
-        </pc:sldMkLst>
-      </pc:sldChg>
-      <pc:sldChg chg="addSp delSp modSp add mod">
-        <pc:chgData name="JHEYSON FABIAN VILLAVISAN BUITRAGO" userId="e5ced5c2-d787-455d-b115-4f08a699b8c8" providerId="ADAL" clId="{FC05219F-A12A-4B47-B82B-2567E07FF897}" dt="2025-01-20T15:26:18.583" v="403" actId="20577"/>
-        <pc:sldMkLst>
-          <pc:docMk/>
-          <pc:sldMk cId="1663543374" sldId="281"/>
-        </pc:sldMkLst>
-        <pc:spChg chg="del">
-          <ac:chgData name="JHEYSON FABIAN VILLAVISAN BUITRAGO" userId="e5ced5c2-d787-455d-b115-4f08a699b8c8" providerId="ADAL" clId="{FC05219F-A12A-4B47-B82B-2567E07FF897}" dt="2025-01-20T15:23:42.495" v="103" actId="478"/>
-          <ac:spMkLst>
-            <pc:docMk/>
-            <pc:sldMk cId="1663543374" sldId="281"/>
-            <ac:spMk id="2" creationId="{737F0C7D-D3D6-B80B-8966-6BA0D75C5F70}"/>
-          </ac:spMkLst>
-        </pc:spChg>
-        <pc:spChg chg="add mod">
-          <ac:chgData name="JHEYSON FABIAN VILLAVISAN BUITRAGO" userId="e5ced5c2-d787-455d-b115-4f08a699b8c8" providerId="ADAL" clId="{FC05219F-A12A-4B47-B82B-2567E07FF897}" dt="2025-01-20T15:26:18.583" v="403" actId="20577"/>
-          <ac:spMkLst>
-            <pc:docMk/>
-            <pc:sldMk cId="1663543374" sldId="281"/>
-            <ac:spMk id="4" creationId="{62B88E32-2960-AC29-6B0A-DC2DE6D5AE71}"/>
-          </ac:spMkLst>
-        </pc:spChg>
-        <pc:spChg chg="mod">
-          <ac:chgData name="JHEYSON FABIAN VILLAVISAN BUITRAGO" userId="e5ced5c2-d787-455d-b115-4f08a699b8c8" providerId="ADAL" clId="{FC05219F-A12A-4B47-B82B-2567E07FF897}" dt="2025-01-20T15:23:47.654" v="104" actId="20577"/>
-          <ac:spMkLst>
-            <pc:docMk/>
-            <pc:sldMk cId="1663543374" sldId="281"/>
-            <ac:spMk id="5122" creationId="{39A46DCC-9496-685D-FABE-A434B2EE842E}"/>
-          </ac:spMkLst>
-        </pc:spChg>
-        <pc:graphicFrameChg chg="del">
-          <ac:chgData name="JHEYSON FABIAN VILLAVISAN BUITRAGO" userId="e5ced5c2-d787-455d-b115-4f08a699b8c8" providerId="ADAL" clId="{FC05219F-A12A-4B47-B82B-2567E07FF897}" dt="2025-01-20T15:23:41.431" v="102" actId="478"/>
-          <ac:graphicFrameMkLst>
-            <pc:docMk/>
-            <pc:sldMk cId="1663543374" sldId="281"/>
-            <ac:graphicFrameMk id="3" creationId="{A90E98BF-0EA8-3EE1-3DEA-7C5F87D4A3F0}"/>
-          </ac:graphicFrameMkLst>
-        </pc:graphicFrameChg>
-      </pc:sldChg>
-    </pc:docChg>
-  </pc:docChgLst>
-  <pc:docChgLst>
     <pc:chgData name="JHEYSON FABIAN VILLAVISAN BUITRAGO" userId="e5ced5c2-d787-455d-b115-4f08a699b8c8" providerId="ADAL" clId="{711F7D72-680D-4FEF-9A96-8EC615CBA0DF}"/>
     <pc:docChg chg="undo custSel modSld">
       <pc:chgData name="JHEYSON FABIAN VILLAVISAN BUITRAGO" userId="e5ced5c2-d787-455d-b115-4f08a699b8c8" providerId="ADAL" clId="{711F7D72-680D-4FEF-9A96-8EC615CBA0DF}" dt="2024-02-23T19:29:31.185" v="39" actId="1076"/>
@@ -791,273 +1107,6 @@
         <pc:sldMkLst>
           <pc:docMk/>
           <pc:sldMk cId="3201851065" sldId="262"/>
-        </pc:sldMkLst>
-      </pc:sldChg>
-    </pc:docChg>
-  </pc:docChgLst>
-  <pc:docChgLst>
-    <pc:chgData name="Jheyson Fabian Villavisan Buitrago" userId="b9abc243-2adc-4788-8ef1-b07bec73deff" providerId="ADAL" clId="{ED62E575-4A44-48FD-9F4F-9929064DEB60}"/>
-    <pc:docChg chg="undo custSel modSld">
-      <pc:chgData name="Jheyson Fabian Villavisan Buitrago" userId="b9abc243-2adc-4788-8ef1-b07bec73deff" providerId="ADAL" clId="{ED62E575-4A44-48FD-9F4F-9929064DEB60}" dt="2023-02-14T02:24:47.324" v="720"/>
-      <pc:docMkLst>
-        <pc:docMk/>
-      </pc:docMkLst>
-      <pc:sldChg chg="addSp delSp modSp mod">
-        <pc:chgData name="Jheyson Fabian Villavisan Buitrago" userId="b9abc243-2adc-4788-8ef1-b07bec73deff" providerId="ADAL" clId="{ED62E575-4A44-48FD-9F4F-9929064DEB60}" dt="2023-02-14T02:02:27.386" v="18" actId="1076"/>
-        <pc:sldMkLst>
-          <pc:docMk/>
-          <pc:sldMk cId="0" sldId="256"/>
-        </pc:sldMkLst>
-      </pc:sldChg>
-      <pc:sldChg chg="addSp delSp modSp modNotesTx">
-        <pc:chgData name="Jheyson Fabian Villavisan Buitrago" userId="b9abc243-2adc-4788-8ef1-b07bec73deff" providerId="ADAL" clId="{ED62E575-4A44-48FD-9F4F-9929064DEB60}" dt="2023-02-14T02:24:17.078" v="714" actId="313"/>
-        <pc:sldMkLst>
-          <pc:docMk/>
-          <pc:sldMk cId="2446874551" sldId="261"/>
-        </pc:sldMkLst>
-      </pc:sldChg>
-      <pc:sldChg chg="addSp delSp modSp mod">
-        <pc:chgData name="Jheyson Fabian Villavisan Buitrago" userId="b9abc243-2adc-4788-8ef1-b07bec73deff" providerId="ADAL" clId="{ED62E575-4A44-48FD-9F4F-9929064DEB60}" dt="2023-02-14T02:24:47.324" v="720"/>
-        <pc:sldMkLst>
-          <pc:docMk/>
-          <pc:sldMk cId="1638959537" sldId="264"/>
-        </pc:sldMkLst>
-      </pc:sldChg>
-      <pc:sldChg chg="addSp delSp modSp">
-        <pc:chgData name="Jheyson Fabian Villavisan Buitrago" userId="b9abc243-2adc-4788-8ef1-b07bec73deff" providerId="ADAL" clId="{ED62E575-4A44-48FD-9F4F-9929064DEB60}" dt="2023-02-14T02:09:00.495" v="101"/>
-        <pc:sldMkLst>
-          <pc:docMk/>
-          <pc:sldMk cId="423957145" sldId="265"/>
-        </pc:sldMkLst>
-      </pc:sldChg>
-      <pc:sldChg chg="addSp delSp modSp">
-        <pc:chgData name="Jheyson Fabian Villavisan Buitrago" userId="b9abc243-2adc-4788-8ef1-b07bec73deff" providerId="ADAL" clId="{ED62E575-4A44-48FD-9F4F-9929064DEB60}" dt="2023-02-14T02:09:29.956" v="109"/>
-        <pc:sldMkLst>
-          <pc:docMk/>
-          <pc:sldMk cId="4156492543" sldId="266"/>
-        </pc:sldMkLst>
-      </pc:sldChg>
-      <pc:sldChg chg="addSp delSp modSp">
-        <pc:chgData name="Jheyson Fabian Villavisan Buitrago" userId="b9abc243-2adc-4788-8ef1-b07bec73deff" providerId="ADAL" clId="{ED62E575-4A44-48FD-9F4F-9929064DEB60}" dt="2023-02-14T02:09:42.623" v="115"/>
-        <pc:sldMkLst>
-          <pc:docMk/>
-          <pc:sldMk cId="0" sldId="268"/>
-        </pc:sldMkLst>
-      </pc:sldChg>
-      <pc:sldChg chg="addSp delSp modSp mod">
-        <pc:chgData name="Jheyson Fabian Villavisan Buitrago" userId="b9abc243-2adc-4788-8ef1-b07bec73deff" providerId="ADAL" clId="{ED62E575-4A44-48FD-9F4F-9929064DEB60}" dt="2023-02-14T02:20:13.295" v="523" actId="20577"/>
-        <pc:sldMkLst>
-          <pc:docMk/>
-          <pc:sldMk cId="2505371292" sldId="270"/>
-        </pc:sldMkLst>
-      </pc:sldChg>
-      <pc:sldChg chg="addSp delSp modSp">
-        <pc:chgData name="Jheyson Fabian Villavisan Buitrago" userId="b9abc243-2adc-4788-8ef1-b07bec73deff" providerId="ADAL" clId="{ED62E575-4A44-48FD-9F4F-9929064DEB60}" dt="2023-02-14T02:08:24.793" v="91"/>
-        <pc:sldMkLst>
-          <pc:docMk/>
-          <pc:sldMk cId="3709177429" sldId="274"/>
-        </pc:sldMkLst>
-      </pc:sldChg>
-      <pc:sldChg chg="addSp delSp modSp">
-        <pc:chgData name="Jheyson Fabian Villavisan Buitrago" userId="b9abc243-2adc-4788-8ef1-b07bec73deff" providerId="ADAL" clId="{ED62E575-4A44-48FD-9F4F-9929064DEB60}" dt="2023-02-14T02:09:33.832" v="111"/>
-        <pc:sldMkLst>
-          <pc:docMk/>
-          <pc:sldMk cId="2680639377" sldId="275"/>
-        </pc:sldMkLst>
-      </pc:sldChg>
-      <pc:sldChg chg="addSp delSp modSp">
-        <pc:chgData name="Jheyson Fabian Villavisan Buitrago" userId="b9abc243-2adc-4788-8ef1-b07bec73deff" providerId="ADAL" clId="{ED62E575-4A44-48FD-9F4F-9929064DEB60}" dt="2023-02-14T02:09:38.400" v="113"/>
-        <pc:sldMkLst>
-          <pc:docMk/>
-          <pc:sldMk cId="1955606898" sldId="277"/>
-        </pc:sldMkLst>
-      </pc:sldChg>
-      <pc:sldChg chg="addSp delSp modSp">
-        <pc:chgData name="Jheyson Fabian Villavisan Buitrago" userId="b9abc243-2adc-4788-8ef1-b07bec73deff" providerId="ADAL" clId="{ED62E575-4A44-48FD-9F4F-9929064DEB60}" dt="2023-02-14T02:08:30.567" v="93"/>
-        <pc:sldMkLst>
-          <pc:docMk/>
-          <pc:sldMk cId="214171354" sldId="278"/>
-        </pc:sldMkLst>
-      </pc:sldChg>
-    </pc:docChg>
-  </pc:docChgLst>
-  <pc:docChgLst>
-    <pc:chgData name="JHEYSON FABIAN VILLAVISAN BUITRAGO" userId="e5ced5c2-d787-455d-b115-4f08a699b8c8" providerId="ADAL" clId="{4B6F9D77-E7B4-42B1-BB20-01C7FCB2106F}"/>
-    <pc:docChg chg="undo custSel addSld modSld modSection">
-      <pc:chgData name="JHEYSON FABIAN VILLAVISAN BUITRAGO" userId="e5ced5c2-d787-455d-b115-4f08a699b8c8" providerId="ADAL" clId="{4B6F9D77-E7B4-42B1-BB20-01C7FCB2106F}" dt="2023-02-26T18:07:21.668" v="446" actId="20577"/>
-      <pc:docMkLst>
-        <pc:docMk/>
-      </pc:docMkLst>
-      <pc:sldChg chg="modSp mod">
-        <pc:chgData name="JHEYSON FABIAN VILLAVISAN BUITRAGO" userId="e5ced5c2-d787-455d-b115-4f08a699b8c8" providerId="ADAL" clId="{4B6F9D77-E7B4-42B1-BB20-01C7FCB2106F}" dt="2023-02-26T17:57:22.077" v="178" actId="20577"/>
-        <pc:sldMkLst>
-          <pc:docMk/>
-          <pc:sldMk cId="3440673900" sldId="257"/>
-        </pc:sldMkLst>
-      </pc:sldChg>
-      <pc:sldChg chg="modSp mod">
-        <pc:chgData name="JHEYSON FABIAN VILLAVISAN BUITRAGO" userId="e5ced5c2-d787-455d-b115-4f08a699b8c8" providerId="ADAL" clId="{4B6F9D77-E7B4-42B1-BB20-01C7FCB2106F}" dt="2023-02-26T17:57:28.421" v="181" actId="20577"/>
-        <pc:sldMkLst>
-          <pc:docMk/>
-          <pc:sldMk cId="3274533963" sldId="258"/>
-        </pc:sldMkLst>
-      </pc:sldChg>
-      <pc:sldChg chg="modSp mod">
-        <pc:chgData name="JHEYSON FABIAN VILLAVISAN BUITRAGO" userId="e5ced5c2-d787-455d-b115-4f08a699b8c8" providerId="ADAL" clId="{4B6F9D77-E7B4-42B1-BB20-01C7FCB2106F}" dt="2023-02-26T17:57:35.769" v="182" actId="20577"/>
-        <pc:sldMkLst>
-          <pc:docMk/>
-          <pc:sldMk cId="1457783989" sldId="259"/>
-        </pc:sldMkLst>
-      </pc:sldChg>
-      <pc:sldChg chg="modSp mod">
-        <pc:chgData name="JHEYSON FABIAN VILLAVISAN BUITRAGO" userId="e5ced5c2-d787-455d-b115-4f08a699b8c8" providerId="ADAL" clId="{4B6F9D77-E7B4-42B1-BB20-01C7FCB2106F}" dt="2023-02-26T17:57:25.149" v="179" actId="20577"/>
-        <pc:sldMkLst>
-          <pc:docMk/>
-          <pc:sldMk cId="270398225" sldId="260"/>
-        </pc:sldMkLst>
-      </pc:sldChg>
-      <pc:sldChg chg="modSp mod">
-        <pc:chgData name="JHEYSON FABIAN VILLAVISAN BUITRAGO" userId="e5ced5c2-d787-455d-b115-4f08a699b8c8" providerId="ADAL" clId="{4B6F9D77-E7B4-42B1-BB20-01C7FCB2106F}" dt="2023-02-26T17:57:39.249" v="184" actId="20577"/>
-        <pc:sldMkLst>
-          <pc:docMk/>
-          <pc:sldMk cId="2446874551" sldId="261"/>
-        </pc:sldMkLst>
-      </pc:sldChg>
-      <pc:sldChg chg="addSp delSp modSp mod">
-        <pc:chgData name="JHEYSON FABIAN VILLAVISAN BUITRAGO" userId="e5ced5c2-d787-455d-b115-4f08a699b8c8" providerId="ADAL" clId="{4B6F9D77-E7B4-42B1-BB20-01C7FCB2106F}" dt="2023-02-26T17:57:47.092" v="187" actId="20577"/>
-        <pc:sldMkLst>
-          <pc:docMk/>
-          <pc:sldMk cId="3201851065" sldId="262"/>
-        </pc:sldMkLst>
-      </pc:sldChg>
-      <pc:sldChg chg="modSp mod">
-        <pc:chgData name="JHEYSON FABIAN VILLAVISAN BUITRAGO" userId="e5ced5c2-d787-455d-b115-4f08a699b8c8" providerId="ADAL" clId="{4B6F9D77-E7B4-42B1-BB20-01C7FCB2106F}" dt="2023-02-26T17:57:42.885" v="186" actId="20577"/>
-        <pc:sldMkLst>
-          <pc:docMk/>
-          <pc:sldMk cId="1638959537" sldId="264"/>
-        </pc:sldMkLst>
-      </pc:sldChg>
-      <pc:sldChg chg="modSp add mod">
-        <pc:chgData name="JHEYSON FABIAN VILLAVISAN BUITRAGO" userId="e5ced5c2-d787-455d-b115-4f08a699b8c8" providerId="ADAL" clId="{4B6F9D77-E7B4-42B1-BB20-01C7FCB2106F}" dt="2023-02-26T17:57:50.664" v="188" actId="20577"/>
-        <pc:sldMkLst>
-          <pc:docMk/>
-          <pc:sldMk cId="423957145" sldId="265"/>
-        </pc:sldMkLst>
-      </pc:sldChg>
-      <pc:sldChg chg="modSp add mod">
-        <pc:chgData name="JHEYSON FABIAN VILLAVISAN BUITRAGO" userId="e5ced5c2-d787-455d-b115-4f08a699b8c8" providerId="ADAL" clId="{4B6F9D77-E7B4-42B1-BB20-01C7FCB2106F}" dt="2023-02-26T18:07:21.668" v="446" actId="20577"/>
-        <pc:sldMkLst>
-          <pc:docMk/>
-          <pc:sldMk cId="4156492543" sldId="266"/>
-        </pc:sldMkLst>
-      </pc:sldChg>
-    </pc:docChg>
-  </pc:docChgLst>
-  <pc:docChgLst>
-    <pc:chgData name="JHEYSON FABIAN VILLAVISAN BUITRAGO" userId="S::jfvillavisanb@itc.edu.co::e5ced5c2-d787-455d-b115-4f08a699b8c8" providerId="AD" clId="Web-{CA60EAE0-12AE-E64F-79E7-D5E95890D956}"/>
-    <pc:docChg chg="modSld">
-      <pc:chgData name="JHEYSON FABIAN VILLAVISAN BUITRAGO" userId="S::jfvillavisanb@itc.edu.co::e5ced5c2-d787-455d-b115-4f08a699b8c8" providerId="AD" clId="Web-{CA60EAE0-12AE-E64F-79E7-D5E95890D956}" dt="2023-08-12T01:58:45.764" v="3"/>
-      <pc:docMkLst>
-        <pc:docMk/>
-      </pc:docMkLst>
-      <pc:sldChg chg="modSp">
-        <pc:chgData name="JHEYSON FABIAN VILLAVISAN BUITRAGO" userId="S::jfvillavisanb@itc.edu.co::e5ced5c2-d787-455d-b115-4f08a699b8c8" providerId="AD" clId="Web-{CA60EAE0-12AE-E64F-79E7-D5E95890D956}" dt="2023-08-12T01:58:45.764" v="3"/>
-        <pc:sldMkLst>
-          <pc:docMk/>
-          <pc:sldMk cId="3440673900" sldId="257"/>
-        </pc:sldMkLst>
-      </pc:sldChg>
-    </pc:docChg>
-  </pc:docChgLst>
-  <pc:docChgLst>
-    <pc:chgData name="Jheyson Fabian Villavisan Buitrago" userId="b9abc243-2adc-4788-8ef1-b07bec73deff" providerId="ADAL" clId="{3215327A-3D14-4436-848D-437BA9825477}"/>
-    <pc:docChg chg="undo custSel addSld delSld modSld sldOrd modSection">
-      <pc:chgData name="Jheyson Fabian Villavisan Buitrago" userId="b9abc243-2adc-4788-8ef1-b07bec73deff" providerId="ADAL" clId="{3215327A-3D14-4436-848D-437BA9825477}" dt="2023-02-21T02:31:50.819" v="1105" actId="47"/>
-      <pc:docMkLst>
-        <pc:docMk/>
-      </pc:docMkLst>
-      <pc:sldChg chg="addSp delSp modSp mod">
-        <pc:chgData name="Jheyson Fabian Villavisan Buitrago" userId="b9abc243-2adc-4788-8ef1-b07bec73deff" providerId="ADAL" clId="{3215327A-3D14-4436-848D-437BA9825477}" dt="2023-02-21T01:47:34.076" v="538" actId="20577"/>
-        <pc:sldMkLst>
-          <pc:docMk/>
-          <pc:sldMk cId="0" sldId="256"/>
-        </pc:sldMkLst>
-      </pc:sldChg>
-      <pc:sldChg chg="addSp delSp modSp mod modNotesTx">
-        <pc:chgData name="Jheyson Fabian Villavisan Buitrago" userId="b9abc243-2adc-4788-8ef1-b07bec73deff" providerId="ADAL" clId="{3215327A-3D14-4436-848D-437BA9825477}" dt="2023-02-21T01:48:51.206" v="635" actId="20577"/>
-        <pc:sldMkLst>
-          <pc:docMk/>
-          <pc:sldMk cId="3440673900" sldId="257"/>
-        </pc:sldMkLst>
-      </pc:sldChg>
-      <pc:sldChg chg="addSp modSp add mod">
-        <pc:chgData name="Jheyson Fabian Villavisan Buitrago" userId="b9abc243-2adc-4788-8ef1-b07bec73deff" providerId="ADAL" clId="{3215327A-3D14-4436-848D-437BA9825477}" dt="2023-02-21T02:11:11.852" v="862" actId="20577"/>
-        <pc:sldMkLst>
-          <pc:docMk/>
-          <pc:sldMk cId="3274533963" sldId="258"/>
-        </pc:sldMkLst>
-      </pc:sldChg>
-      <pc:sldChg chg="del">
-        <pc:chgData name="Jheyson Fabian Villavisan Buitrago" userId="b9abc243-2adc-4788-8ef1-b07bec73deff" providerId="ADAL" clId="{3215327A-3D14-4436-848D-437BA9825477}" dt="2023-02-21T01:23:11.402" v="37" actId="47"/>
-        <pc:sldMkLst>
-          <pc:docMk/>
-          <pc:sldMk cId="4125752270" sldId="258"/>
-        </pc:sldMkLst>
-      </pc:sldChg>
-      <pc:sldChg chg="del">
-        <pc:chgData name="Jheyson Fabian Villavisan Buitrago" userId="b9abc243-2adc-4788-8ef1-b07bec73deff" providerId="ADAL" clId="{3215327A-3D14-4436-848D-437BA9825477}" dt="2023-02-21T01:23:11.402" v="37" actId="47"/>
-        <pc:sldMkLst>
-          <pc:docMk/>
-          <pc:sldMk cId="956773145" sldId="259"/>
-        </pc:sldMkLst>
-      </pc:sldChg>
-      <pc:sldChg chg="addSp delSp modSp add mod ord">
-        <pc:chgData name="Jheyson Fabian Villavisan Buitrago" userId="b9abc243-2adc-4788-8ef1-b07bec73deff" providerId="ADAL" clId="{3215327A-3D14-4436-848D-437BA9825477}" dt="2023-02-21T02:09:32.513" v="828" actId="20577"/>
-        <pc:sldMkLst>
-          <pc:docMk/>
-          <pc:sldMk cId="1457783989" sldId="259"/>
-        </pc:sldMkLst>
-      </pc:sldChg>
-      <pc:sldChg chg="modSp add mod ord">
-        <pc:chgData name="Jheyson Fabian Villavisan Buitrago" userId="b9abc243-2adc-4788-8ef1-b07bec73deff" providerId="ADAL" clId="{3215327A-3D14-4436-848D-437BA9825477}" dt="2023-02-21T02:06:35.217" v="816" actId="20577"/>
-        <pc:sldMkLst>
-          <pc:docMk/>
-          <pc:sldMk cId="270398225" sldId="260"/>
-        </pc:sldMkLst>
-      </pc:sldChg>
-      <pc:sldChg chg="modSp add mod">
-        <pc:chgData name="Jheyson Fabian Villavisan Buitrago" userId="b9abc243-2adc-4788-8ef1-b07bec73deff" providerId="ADAL" clId="{3215327A-3D14-4436-848D-437BA9825477}" dt="2023-02-21T02:24:48.908" v="1089" actId="20577"/>
-        <pc:sldMkLst>
-          <pc:docMk/>
-          <pc:sldMk cId="2446874551" sldId="261"/>
-        </pc:sldMkLst>
-      </pc:sldChg>
-      <pc:sldChg chg="modSp add mod">
-        <pc:chgData name="Jheyson Fabian Villavisan Buitrago" userId="b9abc243-2adc-4788-8ef1-b07bec73deff" providerId="ADAL" clId="{3215327A-3D14-4436-848D-437BA9825477}" dt="2023-02-21T02:22:44.928" v="1034" actId="20577"/>
-        <pc:sldMkLst>
-          <pc:docMk/>
-          <pc:sldMk cId="3201851065" sldId="262"/>
-        </pc:sldMkLst>
-      </pc:sldChg>
-      <pc:sldChg chg="add del">
-        <pc:chgData name="Jheyson Fabian Villavisan Buitrago" userId="b9abc243-2adc-4788-8ef1-b07bec73deff" providerId="ADAL" clId="{3215327A-3D14-4436-848D-437BA9825477}" dt="2023-02-21T02:25:46.318" v="1104" actId="47"/>
-        <pc:sldMkLst>
-          <pc:docMk/>
-          <pc:sldMk cId="3710127576" sldId="263"/>
-        </pc:sldMkLst>
-      </pc:sldChg>
-      <pc:sldChg chg="modSp add mod ord">
-        <pc:chgData name="Jheyson Fabian Villavisan Buitrago" userId="b9abc243-2adc-4788-8ef1-b07bec73deff" providerId="ADAL" clId="{3215327A-3D14-4436-848D-437BA9825477}" dt="2023-02-21T02:20:22.028" v="998" actId="1076"/>
-        <pc:sldMkLst>
-          <pc:docMk/>
-          <pc:sldMk cId="1638959537" sldId="264"/>
-        </pc:sldMkLst>
-      </pc:sldChg>
-      <pc:sldChg chg="modSp add del mod">
-        <pc:chgData name="Jheyson Fabian Villavisan Buitrago" userId="b9abc243-2adc-4788-8ef1-b07bec73deff" providerId="ADAL" clId="{3215327A-3D14-4436-848D-437BA9825477}" dt="2023-02-21T02:31:50.819" v="1105" actId="47"/>
-        <pc:sldMkLst>
-          <pc:docMk/>
-          <pc:sldMk cId="2427464278" sldId="265"/>
         </pc:sldMkLst>
       </pc:sldChg>
     </pc:docChg>
@@ -1189,7 +1238,7 @@
               <a:pPr>
                 <a:defRPr/>
               </a:pPr>
-              <a:t>20/01/2025</a:t>
+              <a:t>4/02/2025</a:t>
             </a:fld>
             <a:endParaRPr lang="es-CO"/>
           </a:p>
@@ -1432,7 +1481,7 @@
               <a:pPr>
                 <a:defRPr/>
               </a:pPr>
-              <a:t>20/01/2025</a:t>
+              <a:t>4/02/2025</a:t>
             </a:fld>
             <a:endParaRPr lang="es-CO"/>
           </a:p>
@@ -2758,10 +2807,7 @@
                 <a:spcPct val="0"/>
               </a:spcBef>
             </a:pPr>
-            <a:r>
-              <a:rPr lang="es-CO" altLang="es-CO" dirty="0"/>
-              <a:t>Resultado =34 </a:t>
-            </a:r>
+            <a:endParaRPr lang="es-CO" altLang="es-CO" dirty="0"/>
           </a:p>
         </p:txBody>
       </p:sp>
@@ -2940,7 +2986,7 @@
     </p:spTree>
     <p:extLst>
       <p:ext uri="{BB962C8B-B14F-4D97-AF65-F5344CB8AC3E}">
-        <p14:creationId xmlns:p14="http://schemas.microsoft.com/office/powerpoint/2010/main" val="2005630133"/>
+        <p14:creationId xmlns:p14="http://schemas.microsoft.com/office/powerpoint/2010/main" val="1638897587"/>
       </p:ext>
     </p:extLst>
   </p:cSld>
@@ -3234,7 +3280,7 @@
     </p:spTree>
     <p:extLst>
       <p:ext uri="{BB962C8B-B14F-4D97-AF65-F5344CB8AC3E}">
-        <p14:creationId xmlns:p14="http://schemas.microsoft.com/office/powerpoint/2010/main" val="1638897587"/>
+        <p14:creationId xmlns:p14="http://schemas.microsoft.com/office/powerpoint/2010/main" val="3529060502"/>
       </p:ext>
     </p:extLst>
   </p:cSld>
@@ -3349,25 +3395,7 @@
                 <a:spcPct val="0"/>
               </a:spcBef>
             </a:pPr>
-            <a:r>
-              <a:rPr lang="es-CO" altLang="es-CO" dirty="0">
-                <a:cs typeface="Calibri"/>
-              </a:rPr>
-              <a:t>A=25</a:t>
-            </a:r>
-          </a:p>
-          <a:p>
-            <a:pPr>
-              <a:spcBef>
-                <a:spcPct val="0"/>
-              </a:spcBef>
-            </a:pPr>
-            <a:r>
-              <a:rPr lang="es-CO" altLang="es-CO" dirty="0">
-                <a:cs typeface="Calibri"/>
-              </a:rPr>
-              <a:t>B=5</a:t>
-            </a:r>
+            <a:endParaRPr lang="es-CO" altLang="es-CO" dirty="0"/>
           </a:p>
         </p:txBody>
       </p:sp>
@@ -3546,895 +3574,7 @@
     </p:spTree>
     <p:extLst>
       <p:ext uri="{BB962C8B-B14F-4D97-AF65-F5344CB8AC3E}">
-        <p14:creationId xmlns:p14="http://schemas.microsoft.com/office/powerpoint/2010/main" val="1606214623"/>
-      </p:ext>
-    </p:extLst>
-  </p:cSld>
-  <p:clrMapOvr>
-    <a:masterClrMapping/>
-  </p:clrMapOvr>
-</p:notes>
-</file>
-
-<file path=ppt/notesSlides/notesSlide7.xml><?xml version="1.0" encoding="utf-8"?>
-<p:notes xmlns:a="http://schemas.openxmlformats.org/drawingml/2006/main" xmlns:r="http://schemas.openxmlformats.org/officeDocument/2006/relationships" xmlns:p="http://schemas.openxmlformats.org/presentationml/2006/main">
-  <p:cSld>
-    <p:spTree>
-      <p:nvGrpSpPr>
-        <p:cNvPr id="1" name=""/>
-        <p:cNvGrpSpPr/>
-        <p:nvPr/>
-      </p:nvGrpSpPr>
-      <p:grpSpPr>
-        <a:xfrm>
-          <a:off x="0" y="0"/>
-          <a:ext cx="0" cy="0"/>
-          <a:chOff x="0" y="0"/>
-          <a:chExt cx="0" cy="0"/>
-        </a:xfrm>
-      </p:grpSpPr>
-      <p:sp>
-        <p:nvSpPr>
-          <p:cNvPr id="6146" name="1 Marcador de imagen de diapositiva">
-            <a:extLst>
-              <a:ext uri="{FF2B5EF4-FFF2-40B4-BE49-F238E27FC236}">
-                <a16:creationId xmlns:a16="http://schemas.microsoft.com/office/drawing/2014/main" id="{78D3C7C4-FFB3-42B6-A4B0-ED4A84AF8C2A}"/>
-              </a:ext>
-            </a:extLst>
-          </p:cNvPr>
-          <p:cNvSpPr>
-            <a:spLocks noGrp="1" noRot="1" noChangeAspect="1" noTextEdit="1"/>
-          </p:cNvSpPr>
-          <p:nvPr>
-            <p:ph type="sldImg"/>
-          </p:nvPr>
-        </p:nvSpPr>
-        <p:spPr bwMode="auto">
-          <a:noFill/>
-          <a:ln>
-            <a:solidFill>
-              <a:srgbClr val="000000"/>
-            </a:solidFill>
-            <a:miter lim="800000"/>
-            <a:headEnd/>
-            <a:tailEnd/>
-          </a:ln>
-          <a:extLst>
-            <a:ext uri="{909E8E84-426E-40DD-AFC4-6F175D3DCCD1}">
-              <a14:hiddenFill xmlns:a14="http://schemas.microsoft.com/office/drawing/2010/main">
-                <a:solidFill>
-                  <a:srgbClr val="FFFFFF"/>
-                </a:solidFill>
-              </a14:hiddenFill>
-            </a:ext>
-          </a:extLst>
-        </p:spPr>
-      </p:sp>
-      <p:sp>
-        <p:nvSpPr>
-          <p:cNvPr id="6147" name="2 Marcador de notas">
-            <a:extLst>
-              <a:ext uri="{FF2B5EF4-FFF2-40B4-BE49-F238E27FC236}">
-                <a16:creationId xmlns:a16="http://schemas.microsoft.com/office/drawing/2014/main" id="{E86488B3-6D5E-452F-A655-0C78399B0DF9}"/>
-              </a:ext>
-            </a:extLst>
-          </p:cNvPr>
-          <p:cNvSpPr>
-            <a:spLocks noGrp="1"/>
-          </p:cNvSpPr>
-          <p:nvPr>
-            <p:ph type="body" idx="1"/>
-          </p:nvPr>
-        </p:nvSpPr>
-        <p:spPr bwMode="auto">
-          <a:noFill/>
-          <a:extLst>
-            <a:ext uri="{909E8E84-426E-40DD-AFC4-6F175D3DCCD1}">
-              <a14:hiddenFill xmlns:a14="http://schemas.microsoft.com/office/drawing/2010/main">
-                <a:solidFill>
-                  <a:srgbClr val="FFFFFF"/>
-                </a:solidFill>
-              </a14:hiddenFill>
-            </a:ext>
-            <a:ext uri="{91240B29-F687-4F45-9708-019B960494DF}">
-              <a14:hiddenLine xmlns:a14="http://schemas.microsoft.com/office/drawing/2010/main" w="9525">
-                <a:solidFill>
-                  <a:srgbClr val="000000"/>
-                </a:solidFill>
-                <a:miter lim="800000"/>
-                <a:headEnd/>
-                <a:tailEnd/>
-              </a14:hiddenLine>
-            </a:ext>
-          </a:extLst>
-        </p:spPr>
-        <p:txBody>
-          <a:bodyPr wrap="square" numCol="1" anchor="t" anchorCtr="0" compatLnSpc="1">
-            <a:prstTxWarp prst="textNoShape">
-              <a:avLst/>
-            </a:prstTxWarp>
-          </a:bodyPr>
-          <a:lstStyle/>
-          <a:p>
-            <a:pPr eaLnBrk="1" hangingPunct="1">
-              <a:spcBef>
-                <a:spcPct val="0"/>
-              </a:spcBef>
-            </a:pPr>
-            <a:endParaRPr lang="es-CO" altLang="es-CO" dirty="0"/>
-          </a:p>
-        </p:txBody>
-      </p:sp>
-      <p:sp>
-        <p:nvSpPr>
-          <p:cNvPr id="6148" name="3 Marcador de número de diapositiva">
-            <a:extLst>
-              <a:ext uri="{FF2B5EF4-FFF2-40B4-BE49-F238E27FC236}">
-                <a16:creationId xmlns:a16="http://schemas.microsoft.com/office/drawing/2014/main" id="{7A241DB1-0FDE-44DC-B1DD-D836F28027BA}"/>
-              </a:ext>
-            </a:extLst>
-          </p:cNvPr>
-          <p:cNvSpPr>
-            <a:spLocks noGrp="1" noChangeArrowheads="1"/>
-          </p:cNvSpPr>
-          <p:nvPr>
-            <p:ph type="sldNum" sz="quarter" idx="5"/>
-          </p:nvPr>
-        </p:nvSpPr>
-        <p:spPr bwMode="auto">
-          <a:noFill/>
-          <a:extLst>
-            <a:ext uri="{909E8E84-426E-40DD-AFC4-6F175D3DCCD1}">
-              <a14:hiddenFill xmlns:a14="http://schemas.microsoft.com/office/drawing/2010/main">
-                <a:solidFill>
-                  <a:srgbClr val="FFFFFF"/>
-                </a:solidFill>
-              </a14:hiddenFill>
-            </a:ext>
-            <a:ext uri="{91240B29-F687-4F45-9708-019B960494DF}">
-              <a14:hiddenLine xmlns:a14="http://schemas.microsoft.com/office/drawing/2010/main" w="9525">
-                <a:solidFill>
-                  <a:srgbClr val="000000"/>
-                </a:solidFill>
-                <a:miter lim="800000"/>
-                <a:headEnd/>
-                <a:tailEnd/>
-              </a14:hiddenLine>
-            </a:ext>
-          </a:extLst>
-        </p:spPr>
-        <p:txBody>
-          <a:bodyPr/>
-          <a:lstStyle>
-            <a:lvl1pPr>
-              <a:spcBef>
-                <a:spcPct val="30000"/>
-              </a:spcBef>
-              <a:defRPr sz="1200">
-                <a:solidFill>
-                  <a:schemeClr val="tx1"/>
-                </a:solidFill>
-                <a:latin typeface="Calibri" panose="020F0502020204030204" pitchFamily="34" charset="0"/>
-              </a:defRPr>
-            </a:lvl1pPr>
-            <a:lvl2pPr marL="742950" indent="-285750">
-              <a:spcBef>
-                <a:spcPct val="30000"/>
-              </a:spcBef>
-              <a:defRPr sz="1200">
-                <a:solidFill>
-                  <a:schemeClr val="tx1"/>
-                </a:solidFill>
-                <a:latin typeface="Calibri" panose="020F0502020204030204" pitchFamily="34" charset="0"/>
-              </a:defRPr>
-            </a:lvl2pPr>
-            <a:lvl3pPr marL="1143000" indent="-228600">
-              <a:spcBef>
-                <a:spcPct val="30000"/>
-              </a:spcBef>
-              <a:defRPr sz="1200">
-                <a:solidFill>
-                  <a:schemeClr val="tx1"/>
-                </a:solidFill>
-                <a:latin typeface="Calibri" panose="020F0502020204030204" pitchFamily="34" charset="0"/>
-              </a:defRPr>
-            </a:lvl3pPr>
-            <a:lvl4pPr marL="1600200" indent="-228600">
-              <a:spcBef>
-                <a:spcPct val="30000"/>
-              </a:spcBef>
-              <a:defRPr sz="1200">
-                <a:solidFill>
-                  <a:schemeClr val="tx1"/>
-                </a:solidFill>
-                <a:latin typeface="Calibri" panose="020F0502020204030204" pitchFamily="34" charset="0"/>
-              </a:defRPr>
-            </a:lvl4pPr>
-            <a:lvl5pPr marL="2057400" indent="-228600">
-              <a:spcBef>
-                <a:spcPct val="30000"/>
-              </a:spcBef>
-              <a:defRPr sz="1200">
-                <a:solidFill>
-                  <a:schemeClr val="tx1"/>
-                </a:solidFill>
-                <a:latin typeface="Calibri" panose="020F0502020204030204" pitchFamily="34" charset="0"/>
-              </a:defRPr>
-            </a:lvl5pPr>
-            <a:lvl6pPr marL="2514600" indent="-228600" eaLnBrk="0" fontAlgn="base" hangingPunct="0">
-              <a:spcBef>
-                <a:spcPct val="30000"/>
-              </a:spcBef>
-              <a:spcAft>
-                <a:spcPct val="0"/>
-              </a:spcAft>
-              <a:defRPr sz="1200">
-                <a:solidFill>
-                  <a:schemeClr val="tx1"/>
-                </a:solidFill>
-                <a:latin typeface="Calibri" panose="020F0502020204030204" pitchFamily="34" charset="0"/>
-              </a:defRPr>
-            </a:lvl6pPr>
-            <a:lvl7pPr marL="2971800" indent="-228600" eaLnBrk="0" fontAlgn="base" hangingPunct="0">
-              <a:spcBef>
-                <a:spcPct val="30000"/>
-              </a:spcBef>
-              <a:spcAft>
-                <a:spcPct val="0"/>
-              </a:spcAft>
-              <a:defRPr sz="1200">
-                <a:solidFill>
-                  <a:schemeClr val="tx1"/>
-                </a:solidFill>
-                <a:latin typeface="Calibri" panose="020F0502020204030204" pitchFamily="34" charset="0"/>
-              </a:defRPr>
-            </a:lvl7pPr>
-            <a:lvl8pPr marL="3429000" indent="-228600" eaLnBrk="0" fontAlgn="base" hangingPunct="0">
-              <a:spcBef>
-                <a:spcPct val="30000"/>
-              </a:spcBef>
-              <a:spcAft>
-                <a:spcPct val="0"/>
-              </a:spcAft>
-              <a:defRPr sz="1200">
-                <a:solidFill>
-                  <a:schemeClr val="tx1"/>
-                </a:solidFill>
-                <a:latin typeface="Calibri" panose="020F0502020204030204" pitchFamily="34" charset="0"/>
-              </a:defRPr>
-            </a:lvl8pPr>
-            <a:lvl9pPr marL="3886200" indent="-228600" eaLnBrk="0" fontAlgn="base" hangingPunct="0">
-              <a:spcBef>
-                <a:spcPct val="30000"/>
-              </a:spcBef>
-              <a:spcAft>
-                <a:spcPct val="0"/>
-              </a:spcAft>
-              <a:defRPr sz="1200">
-                <a:solidFill>
-                  <a:schemeClr val="tx1"/>
-                </a:solidFill>
-                <a:latin typeface="Calibri" panose="020F0502020204030204" pitchFamily="34" charset="0"/>
-              </a:defRPr>
-            </a:lvl9pPr>
-          </a:lstStyle>
-          <a:p>
-            <a:pPr>
-              <a:spcBef>
-                <a:spcPct val="0"/>
-              </a:spcBef>
-            </a:pPr>
-            <a:fld id="{28E7ECF6-8A67-4CA6-BDA2-9506B8AC7939}" type="slidenum">
-              <a:rPr lang="es-CO" altLang="es-CO" smtClean="0"/>
-              <a:pPr>
-                <a:spcBef>
-                  <a:spcPct val="0"/>
-                </a:spcBef>
-              </a:pPr>
-              <a:t>7</a:t>
-            </a:fld>
-            <a:endParaRPr lang="es-CO" altLang="es-CO"/>
-          </a:p>
-        </p:txBody>
-      </p:sp>
-    </p:spTree>
-    <p:extLst>
-      <p:ext uri="{BB962C8B-B14F-4D97-AF65-F5344CB8AC3E}">
-        <p14:creationId xmlns:p14="http://schemas.microsoft.com/office/powerpoint/2010/main" val="3529060502"/>
-      </p:ext>
-    </p:extLst>
-  </p:cSld>
-  <p:clrMapOvr>
-    <a:masterClrMapping/>
-  </p:clrMapOvr>
-</p:notes>
-</file>
-
-<file path=ppt/notesSlides/notesSlide8.xml><?xml version="1.0" encoding="utf-8"?>
-<p:notes xmlns:a="http://schemas.openxmlformats.org/drawingml/2006/main" xmlns:r="http://schemas.openxmlformats.org/officeDocument/2006/relationships" xmlns:p="http://schemas.openxmlformats.org/presentationml/2006/main">
-  <p:cSld>
-    <p:spTree>
-      <p:nvGrpSpPr>
-        <p:cNvPr id="1" name=""/>
-        <p:cNvGrpSpPr/>
-        <p:nvPr/>
-      </p:nvGrpSpPr>
-      <p:grpSpPr>
-        <a:xfrm>
-          <a:off x="0" y="0"/>
-          <a:ext cx="0" cy="0"/>
-          <a:chOff x="0" y="0"/>
-          <a:chExt cx="0" cy="0"/>
-        </a:xfrm>
-      </p:grpSpPr>
-      <p:sp>
-        <p:nvSpPr>
-          <p:cNvPr id="6146" name="1 Marcador de imagen de diapositiva">
-            <a:extLst>
-              <a:ext uri="{FF2B5EF4-FFF2-40B4-BE49-F238E27FC236}">
-                <a16:creationId xmlns:a16="http://schemas.microsoft.com/office/drawing/2014/main" id="{78D3C7C4-FFB3-42B6-A4B0-ED4A84AF8C2A}"/>
-              </a:ext>
-            </a:extLst>
-          </p:cNvPr>
-          <p:cNvSpPr>
-            <a:spLocks noGrp="1" noRot="1" noChangeAspect="1" noTextEdit="1"/>
-          </p:cNvSpPr>
-          <p:nvPr>
-            <p:ph type="sldImg"/>
-          </p:nvPr>
-        </p:nvSpPr>
-        <p:spPr bwMode="auto">
-          <a:noFill/>
-          <a:ln>
-            <a:solidFill>
-              <a:srgbClr val="000000"/>
-            </a:solidFill>
-            <a:miter lim="800000"/>
-            <a:headEnd/>
-            <a:tailEnd/>
-          </a:ln>
-          <a:extLst>
-            <a:ext uri="{909E8E84-426E-40DD-AFC4-6F175D3DCCD1}">
-              <a14:hiddenFill xmlns:a14="http://schemas.microsoft.com/office/drawing/2010/main">
-                <a:solidFill>
-                  <a:srgbClr val="FFFFFF"/>
-                </a:solidFill>
-              </a14:hiddenFill>
-            </a:ext>
-          </a:extLst>
-        </p:spPr>
-      </p:sp>
-      <p:sp>
-        <p:nvSpPr>
-          <p:cNvPr id="6147" name="2 Marcador de notas">
-            <a:extLst>
-              <a:ext uri="{FF2B5EF4-FFF2-40B4-BE49-F238E27FC236}">
-                <a16:creationId xmlns:a16="http://schemas.microsoft.com/office/drawing/2014/main" id="{E86488B3-6D5E-452F-A655-0C78399B0DF9}"/>
-              </a:ext>
-            </a:extLst>
-          </p:cNvPr>
-          <p:cNvSpPr>
-            <a:spLocks noGrp="1"/>
-          </p:cNvSpPr>
-          <p:nvPr>
-            <p:ph type="body" idx="1"/>
-          </p:nvPr>
-        </p:nvSpPr>
-        <p:spPr bwMode="auto">
-          <a:noFill/>
-          <a:extLst>
-            <a:ext uri="{909E8E84-426E-40DD-AFC4-6F175D3DCCD1}">
-              <a14:hiddenFill xmlns:a14="http://schemas.microsoft.com/office/drawing/2010/main">
-                <a:solidFill>
-                  <a:srgbClr val="FFFFFF"/>
-                </a:solidFill>
-              </a14:hiddenFill>
-            </a:ext>
-            <a:ext uri="{91240B29-F687-4F45-9708-019B960494DF}">
-              <a14:hiddenLine xmlns:a14="http://schemas.microsoft.com/office/drawing/2010/main" w="9525">
-                <a:solidFill>
-                  <a:srgbClr val="000000"/>
-                </a:solidFill>
-                <a:miter lim="800000"/>
-                <a:headEnd/>
-                <a:tailEnd/>
-              </a14:hiddenLine>
-            </a:ext>
-          </a:extLst>
-        </p:spPr>
-        <p:txBody>
-          <a:bodyPr wrap="square" numCol="1" anchor="t" anchorCtr="0" compatLnSpc="1">
-            <a:prstTxWarp prst="textNoShape">
-              <a:avLst/>
-            </a:prstTxWarp>
-          </a:bodyPr>
-          <a:lstStyle/>
-          <a:p>
-            <a:pPr eaLnBrk="1" hangingPunct="1">
-              <a:spcBef>
-                <a:spcPct val="0"/>
-              </a:spcBef>
-            </a:pPr>
-            <a:endParaRPr lang="es-CO" altLang="es-CO" dirty="0"/>
-          </a:p>
-        </p:txBody>
-      </p:sp>
-      <p:sp>
-        <p:nvSpPr>
-          <p:cNvPr id="6148" name="3 Marcador de número de diapositiva">
-            <a:extLst>
-              <a:ext uri="{FF2B5EF4-FFF2-40B4-BE49-F238E27FC236}">
-                <a16:creationId xmlns:a16="http://schemas.microsoft.com/office/drawing/2014/main" id="{7A241DB1-0FDE-44DC-B1DD-D836F28027BA}"/>
-              </a:ext>
-            </a:extLst>
-          </p:cNvPr>
-          <p:cNvSpPr>
-            <a:spLocks noGrp="1" noChangeArrowheads="1"/>
-          </p:cNvSpPr>
-          <p:nvPr>
-            <p:ph type="sldNum" sz="quarter" idx="5"/>
-          </p:nvPr>
-        </p:nvSpPr>
-        <p:spPr bwMode="auto">
-          <a:noFill/>
-          <a:extLst>
-            <a:ext uri="{909E8E84-426E-40DD-AFC4-6F175D3DCCD1}">
-              <a14:hiddenFill xmlns:a14="http://schemas.microsoft.com/office/drawing/2010/main">
-                <a:solidFill>
-                  <a:srgbClr val="FFFFFF"/>
-                </a:solidFill>
-              </a14:hiddenFill>
-            </a:ext>
-            <a:ext uri="{91240B29-F687-4F45-9708-019B960494DF}">
-              <a14:hiddenLine xmlns:a14="http://schemas.microsoft.com/office/drawing/2010/main" w="9525">
-                <a:solidFill>
-                  <a:srgbClr val="000000"/>
-                </a:solidFill>
-                <a:miter lim="800000"/>
-                <a:headEnd/>
-                <a:tailEnd/>
-              </a14:hiddenLine>
-            </a:ext>
-          </a:extLst>
-        </p:spPr>
-        <p:txBody>
-          <a:bodyPr/>
-          <a:lstStyle>
-            <a:lvl1pPr>
-              <a:spcBef>
-                <a:spcPct val="30000"/>
-              </a:spcBef>
-              <a:defRPr sz="1200">
-                <a:solidFill>
-                  <a:schemeClr val="tx1"/>
-                </a:solidFill>
-                <a:latin typeface="Calibri" panose="020F0502020204030204" pitchFamily="34" charset="0"/>
-              </a:defRPr>
-            </a:lvl1pPr>
-            <a:lvl2pPr marL="742950" indent="-285750">
-              <a:spcBef>
-                <a:spcPct val="30000"/>
-              </a:spcBef>
-              <a:defRPr sz="1200">
-                <a:solidFill>
-                  <a:schemeClr val="tx1"/>
-                </a:solidFill>
-                <a:latin typeface="Calibri" panose="020F0502020204030204" pitchFamily="34" charset="0"/>
-              </a:defRPr>
-            </a:lvl2pPr>
-            <a:lvl3pPr marL="1143000" indent="-228600">
-              <a:spcBef>
-                <a:spcPct val="30000"/>
-              </a:spcBef>
-              <a:defRPr sz="1200">
-                <a:solidFill>
-                  <a:schemeClr val="tx1"/>
-                </a:solidFill>
-                <a:latin typeface="Calibri" panose="020F0502020204030204" pitchFamily="34" charset="0"/>
-              </a:defRPr>
-            </a:lvl3pPr>
-            <a:lvl4pPr marL="1600200" indent="-228600">
-              <a:spcBef>
-                <a:spcPct val="30000"/>
-              </a:spcBef>
-              <a:defRPr sz="1200">
-                <a:solidFill>
-                  <a:schemeClr val="tx1"/>
-                </a:solidFill>
-                <a:latin typeface="Calibri" panose="020F0502020204030204" pitchFamily="34" charset="0"/>
-              </a:defRPr>
-            </a:lvl4pPr>
-            <a:lvl5pPr marL="2057400" indent="-228600">
-              <a:spcBef>
-                <a:spcPct val="30000"/>
-              </a:spcBef>
-              <a:defRPr sz="1200">
-                <a:solidFill>
-                  <a:schemeClr val="tx1"/>
-                </a:solidFill>
-                <a:latin typeface="Calibri" panose="020F0502020204030204" pitchFamily="34" charset="0"/>
-              </a:defRPr>
-            </a:lvl5pPr>
-            <a:lvl6pPr marL="2514600" indent="-228600" eaLnBrk="0" fontAlgn="base" hangingPunct="0">
-              <a:spcBef>
-                <a:spcPct val="30000"/>
-              </a:spcBef>
-              <a:spcAft>
-                <a:spcPct val="0"/>
-              </a:spcAft>
-              <a:defRPr sz="1200">
-                <a:solidFill>
-                  <a:schemeClr val="tx1"/>
-                </a:solidFill>
-                <a:latin typeface="Calibri" panose="020F0502020204030204" pitchFamily="34" charset="0"/>
-              </a:defRPr>
-            </a:lvl6pPr>
-            <a:lvl7pPr marL="2971800" indent="-228600" eaLnBrk="0" fontAlgn="base" hangingPunct="0">
-              <a:spcBef>
-                <a:spcPct val="30000"/>
-              </a:spcBef>
-              <a:spcAft>
-                <a:spcPct val="0"/>
-              </a:spcAft>
-              <a:defRPr sz="1200">
-                <a:solidFill>
-                  <a:schemeClr val="tx1"/>
-                </a:solidFill>
-                <a:latin typeface="Calibri" panose="020F0502020204030204" pitchFamily="34" charset="0"/>
-              </a:defRPr>
-            </a:lvl7pPr>
-            <a:lvl8pPr marL="3429000" indent="-228600" eaLnBrk="0" fontAlgn="base" hangingPunct="0">
-              <a:spcBef>
-                <a:spcPct val="30000"/>
-              </a:spcBef>
-              <a:spcAft>
-                <a:spcPct val="0"/>
-              </a:spcAft>
-              <a:defRPr sz="1200">
-                <a:solidFill>
-                  <a:schemeClr val="tx1"/>
-                </a:solidFill>
-                <a:latin typeface="Calibri" panose="020F0502020204030204" pitchFamily="34" charset="0"/>
-              </a:defRPr>
-            </a:lvl8pPr>
-            <a:lvl9pPr marL="3886200" indent="-228600" eaLnBrk="0" fontAlgn="base" hangingPunct="0">
-              <a:spcBef>
-                <a:spcPct val="30000"/>
-              </a:spcBef>
-              <a:spcAft>
-                <a:spcPct val="0"/>
-              </a:spcAft>
-              <a:defRPr sz="1200">
-                <a:solidFill>
-                  <a:schemeClr val="tx1"/>
-                </a:solidFill>
-                <a:latin typeface="Calibri" panose="020F0502020204030204" pitchFamily="34" charset="0"/>
-              </a:defRPr>
-            </a:lvl9pPr>
-          </a:lstStyle>
-          <a:p>
-            <a:pPr>
-              <a:spcBef>
-                <a:spcPct val="0"/>
-              </a:spcBef>
-            </a:pPr>
-            <a:fld id="{28E7ECF6-8A67-4CA6-BDA2-9506B8AC7939}" type="slidenum">
-              <a:rPr lang="es-CO" altLang="es-CO" smtClean="0"/>
-              <a:pPr>
-                <a:spcBef>
-                  <a:spcPct val="0"/>
-                </a:spcBef>
-              </a:pPr>
-              <a:t>8</a:t>
-            </a:fld>
-            <a:endParaRPr lang="es-CO" altLang="es-CO"/>
-          </a:p>
-        </p:txBody>
-      </p:sp>
-    </p:spTree>
-    <p:extLst>
-      <p:ext uri="{BB962C8B-B14F-4D97-AF65-F5344CB8AC3E}">
         <p14:creationId xmlns:p14="http://schemas.microsoft.com/office/powerpoint/2010/main" val="3335871486"/>
-      </p:ext>
-    </p:extLst>
-  </p:cSld>
-  <p:clrMapOvr>
-    <a:masterClrMapping/>
-  </p:clrMapOvr>
-</p:notes>
-</file>
-
-<file path=ppt/notesSlides/notesSlide9.xml><?xml version="1.0" encoding="utf-8"?>
-<p:notes xmlns:a="http://schemas.openxmlformats.org/drawingml/2006/main" xmlns:r="http://schemas.openxmlformats.org/officeDocument/2006/relationships" xmlns:p="http://schemas.openxmlformats.org/presentationml/2006/main">
-  <p:cSld>
-    <p:spTree>
-      <p:nvGrpSpPr>
-        <p:cNvPr id="1" name="">
-          <a:extLst>
-            <a:ext uri="{FF2B5EF4-FFF2-40B4-BE49-F238E27FC236}">
-              <a16:creationId xmlns:a16="http://schemas.microsoft.com/office/drawing/2014/main" id="{1ABC4731-4231-4251-BF21-1C8DF9A0FD6C}"/>
-            </a:ext>
-          </a:extLst>
-        </p:cNvPr>
-        <p:cNvGrpSpPr/>
-        <p:nvPr/>
-      </p:nvGrpSpPr>
-      <p:grpSpPr>
-        <a:xfrm>
-          <a:off x="0" y="0"/>
-          <a:ext cx="0" cy="0"/>
-          <a:chOff x="0" y="0"/>
-          <a:chExt cx="0" cy="0"/>
-        </a:xfrm>
-      </p:grpSpPr>
-      <p:sp>
-        <p:nvSpPr>
-          <p:cNvPr id="6146" name="1 Marcador de imagen de diapositiva">
-            <a:extLst>
-              <a:ext uri="{FF2B5EF4-FFF2-40B4-BE49-F238E27FC236}">
-                <a16:creationId xmlns:a16="http://schemas.microsoft.com/office/drawing/2014/main" id="{CA5FB512-B8CA-C40B-2DE2-43366E68D3EA}"/>
-              </a:ext>
-            </a:extLst>
-          </p:cNvPr>
-          <p:cNvSpPr>
-            <a:spLocks noGrp="1" noRot="1" noChangeAspect="1" noTextEdit="1"/>
-          </p:cNvSpPr>
-          <p:nvPr>
-            <p:ph type="sldImg"/>
-          </p:nvPr>
-        </p:nvSpPr>
-        <p:spPr bwMode="auto">
-          <a:noFill/>
-          <a:ln>
-            <a:solidFill>
-              <a:srgbClr val="000000"/>
-            </a:solidFill>
-            <a:miter lim="800000"/>
-            <a:headEnd/>
-            <a:tailEnd/>
-          </a:ln>
-          <a:extLst>
-            <a:ext uri="{909E8E84-426E-40DD-AFC4-6F175D3DCCD1}">
-              <a14:hiddenFill xmlns:a14="http://schemas.microsoft.com/office/drawing/2010/main">
-                <a:solidFill>
-                  <a:srgbClr val="FFFFFF"/>
-                </a:solidFill>
-              </a14:hiddenFill>
-            </a:ext>
-          </a:extLst>
-        </p:spPr>
-      </p:sp>
-      <p:sp>
-        <p:nvSpPr>
-          <p:cNvPr id="6147" name="2 Marcador de notas">
-            <a:extLst>
-              <a:ext uri="{FF2B5EF4-FFF2-40B4-BE49-F238E27FC236}">
-                <a16:creationId xmlns:a16="http://schemas.microsoft.com/office/drawing/2014/main" id="{05B76B5B-2EF3-8D21-2386-209EEF5564A8}"/>
-              </a:ext>
-            </a:extLst>
-          </p:cNvPr>
-          <p:cNvSpPr>
-            <a:spLocks noGrp="1"/>
-          </p:cNvSpPr>
-          <p:nvPr>
-            <p:ph type="body" idx="1"/>
-          </p:nvPr>
-        </p:nvSpPr>
-        <p:spPr bwMode="auto">
-          <a:noFill/>
-          <a:extLst>
-            <a:ext uri="{909E8E84-426E-40DD-AFC4-6F175D3DCCD1}">
-              <a14:hiddenFill xmlns:a14="http://schemas.microsoft.com/office/drawing/2010/main">
-                <a:solidFill>
-                  <a:srgbClr val="FFFFFF"/>
-                </a:solidFill>
-              </a14:hiddenFill>
-            </a:ext>
-            <a:ext uri="{91240B29-F687-4F45-9708-019B960494DF}">
-              <a14:hiddenLine xmlns:a14="http://schemas.microsoft.com/office/drawing/2010/main" w="9525">
-                <a:solidFill>
-                  <a:srgbClr val="000000"/>
-                </a:solidFill>
-                <a:miter lim="800000"/>
-                <a:headEnd/>
-                <a:tailEnd/>
-              </a14:hiddenLine>
-            </a:ext>
-          </a:extLst>
-        </p:spPr>
-        <p:txBody>
-          <a:bodyPr wrap="square" numCol="1" anchor="t" anchorCtr="0" compatLnSpc="1">
-            <a:prstTxWarp prst="textNoShape">
-              <a:avLst/>
-            </a:prstTxWarp>
-          </a:bodyPr>
-          <a:lstStyle/>
-          <a:p>
-            <a:pPr eaLnBrk="1" hangingPunct="1">
-              <a:spcBef>
-                <a:spcPct val="0"/>
-              </a:spcBef>
-            </a:pPr>
-            <a:endParaRPr lang="es-CO" altLang="es-CO" dirty="0"/>
-          </a:p>
-        </p:txBody>
-      </p:sp>
-      <p:sp>
-        <p:nvSpPr>
-          <p:cNvPr id="6148" name="3 Marcador de número de diapositiva">
-            <a:extLst>
-              <a:ext uri="{FF2B5EF4-FFF2-40B4-BE49-F238E27FC236}">
-                <a16:creationId xmlns:a16="http://schemas.microsoft.com/office/drawing/2014/main" id="{5A45091A-C111-4683-8435-D8BF10AE9B62}"/>
-              </a:ext>
-            </a:extLst>
-          </p:cNvPr>
-          <p:cNvSpPr>
-            <a:spLocks noGrp="1" noChangeArrowheads="1"/>
-          </p:cNvSpPr>
-          <p:nvPr>
-            <p:ph type="sldNum" sz="quarter" idx="5"/>
-          </p:nvPr>
-        </p:nvSpPr>
-        <p:spPr bwMode="auto">
-          <a:noFill/>
-          <a:extLst>
-            <a:ext uri="{909E8E84-426E-40DD-AFC4-6F175D3DCCD1}">
-              <a14:hiddenFill xmlns:a14="http://schemas.microsoft.com/office/drawing/2010/main">
-                <a:solidFill>
-                  <a:srgbClr val="FFFFFF"/>
-                </a:solidFill>
-              </a14:hiddenFill>
-            </a:ext>
-            <a:ext uri="{91240B29-F687-4F45-9708-019B960494DF}">
-              <a14:hiddenLine xmlns:a14="http://schemas.microsoft.com/office/drawing/2010/main" w="9525">
-                <a:solidFill>
-                  <a:srgbClr val="000000"/>
-                </a:solidFill>
-                <a:miter lim="800000"/>
-                <a:headEnd/>
-                <a:tailEnd/>
-              </a14:hiddenLine>
-            </a:ext>
-          </a:extLst>
-        </p:spPr>
-        <p:txBody>
-          <a:bodyPr/>
-          <a:lstStyle>
-            <a:lvl1pPr>
-              <a:spcBef>
-                <a:spcPct val="30000"/>
-              </a:spcBef>
-              <a:defRPr sz="1200">
-                <a:solidFill>
-                  <a:schemeClr val="tx1"/>
-                </a:solidFill>
-                <a:latin typeface="Calibri" panose="020F0502020204030204" pitchFamily="34" charset="0"/>
-              </a:defRPr>
-            </a:lvl1pPr>
-            <a:lvl2pPr marL="742950" indent="-285750">
-              <a:spcBef>
-                <a:spcPct val="30000"/>
-              </a:spcBef>
-              <a:defRPr sz="1200">
-                <a:solidFill>
-                  <a:schemeClr val="tx1"/>
-                </a:solidFill>
-                <a:latin typeface="Calibri" panose="020F0502020204030204" pitchFamily="34" charset="0"/>
-              </a:defRPr>
-            </a:lvl2pPr>
-            <a:lvl3pPr marL="1143000" indent="-228600">
-              <a:spcBef>
-                <a:spcPct val="30000"/>
-              </a:spcBef>
-              <a:defRPr sz="1200">
-                <a:solidFill>
-                  <a:schemeClr val="tx1"/>
-                </a:solidFill>
-                <a:latin typeface="Calibri" panose="020F0502020204030204" pitchFamily="34" charset="0"/>
-              </a:defRPr>
-            </a:lvl3pPr>
-            <a:lvl4pPr marL="1600200" indent="-228600">
-              <a:spcBef>
-                <a:spcPct val="30000"/>
-              </a:spcBef>
-              <a:defRPr sz="1200">
-                <a:solidFill>
-                  <a:schemeClr val="tx1"/>
-                </a:solidFill>
-                <a:latin typeface="Calibri" panose="020F0502020204030204" pitchFamily="34" charset="0"/>
-              </a:defRPr>
-            </a:lvl4pPr>
-            <a:lvl5pPr marL="2057400" indent="-228600">
-              <a:spcBef>
-                <a:spcPct val="30000"/>
-              </a:spcBef>
-              <a:defRPr sz="1200">
-                <a:solidFill>
-                  <a:schemeClr val="tx1"/>
-                </a:solidFill>
-                <a:latin typeface="Calibri" panose="020F0502020204030204" pitchFamily="34" charset="0"/>
-              </a:defRPr>
-            </a:lvl5pPr>
-            <a:lvl6pPr marL="2514600" indent="-228600" eaLnBrk="0" fontAlgn="base" hangingPunct="0">
-              <a:spcBef>
-                <a:spcPct val="30000"/>
-              </a:spcBef>
-              <a:spcAft>
-                <a:spcPct val="0"/>
-              </a:spcAft>
-              <a:defRPr sz="1200">
-                <a:solidFill>
-                  <a:schemeClr val="tx1"/>
-                </a:solidFill>
-                <a:latin typeface="Calibri" panose="020F0502020204030204" pitchFamily="34" charset="0"/>
-              </a:defRPr>
-            </a:lvl6pPr>
-            <a:lvl7pPr marL="2971800" indent="-228600" eaLnBrk="0" fontAlgn="base" hangingPunct="0">
-              <a:spcBef>
-                <a:spcPct val="30000"/>
-              </a:spcBef>
-              <a:spcAft>
-                <a:spcPct val="0"/>
-              </a:spcAft>
-              <a:defRPr sz="1200">
-                <a:solidFill>
-                  <a:schemeClr val="tx1"/>
-                </a:solidFill>
-                <a:latin typeface="Calibri" panose="020F0502020204030204" pitchFamily="34" charset="0"/>
-              </a:defRPr>
-            </a:lvl7pPr>
-            <a:lvl8pPr marL="3429000" indent="-228600" eaLnBrk="0" fontAlgn="base" hangingPunct="0">
-              <a:spcBef>
-                <a:spcPct val="30000"/>
-              </a:spcBef>
-              <a:spcAft>
-                <a:spcPct val="0"/>
-              </a:spcAft>
-              <a:defRPr sz="1200">
-                <a:solidFill>
-                  <a:schemeClr val="tx1"/>
-                </a:solidFill>
-                <a:latin typeface="Calibri" panose="020F0502020204030204" pitchFamily="34" charset="0"/>
-              </a:defRPr>
-            </a:lvl8pPr>
-            <a:lvl9pPr marL="3886200" indent="-228600" eaLnBrk="0" fontAlgn="base" hangingPunct="0">
-              <a:spcBef>
-                <a:spcPct val="30000"/>
-              </a:spcBef>
-              <a:spcAft>
-                <a:spcPct val="0"/>
-              </a:spcAft>
-              <a:defRPr sz="1200">
-                <a:solidFill>
-                  <a:schemeClr val="tx1"/>
-                </a:solidFill>
-                <a:latin typeface="Calibri" panose="020F0502020204030204" pitchFamily="34" charset="0"/>
-              </a:defRPr>
-            </a:lvl9pPr>
-          </a:lstStyle>
-          <a:p>
-            <a:pPr>
-              <a:spcBef>
-                <a:spcPct val="0"/>
-              </a:spcBef>
-            </a:pPr>
-            <a:fld id="{28E7ECF6-8A67-4CA6-BDA2-9506B8AC7939}" type="slidenum">
-              <a:rPr lang="es-CO" altLang="es-CO" smtClean="0"/>
-              <a:pPr>
-                <a:spcBef>
-                  <a:spcPct val="0"/>
-                </a:spcBef>
-              </a:pPr>
-              <a:t>9</a:t>
-            </a:fld>
-            <a:endParaRPr lang="es-CO" altLang="es-CO"/>
-          </a:p>
-        </p:txBody>
-      </p:sp>
-    </p:spTree>
-    <p:extLst>
-      <p:ext uri="{BB962C8B-B14F-4D97-AF65-F5344CB8AC3E}">
-        <p14:creationId xmlns:p14="http://schemas.microsoft.com/office/powerpoint/2010/main" val="3390849792"/>
       </p:ext>
     </p:extLst>
   </p:cSld>
@@ -4593,7 +3733,7 @@
           <a:p>
             <a:fld id="{9CF7635E-2D71-42E7-9E6C-FBB85A15A85F}" type="datetimeFigureOut">
               <a:rPr lang="es-CO" smtClean="0"/>
-              <a:t>20/01/2025</a:t>
+              <a:t>4/02/2025</a:t>
             </a:fld>
             <a:endParaRPr lang="es-CO"/>
           </a:p>
@@ -4859,7 +3999,7 @@
           <a:p>
             <a:fld id="{9CF7635E-2D71-42E7-9E6C-FBB85A15A85F}" type="datetimeFigureOut">
               <a:rPr lang="es-CO" smtClean="0"/>
-              <a:t>20/01/2025</a:t>
+              <a:t>4/02/2025</a:t>
             </a:fld>
             <a:endParaRPr lang="es-CO"/>
           </a:p>
@@ -5075,7 +4215,7 @@
           <a:p>
             <a:fld id="{9CF7635E-2D71-42E7-9E6C-FBB85A15A85F}" type="datetimeFigureOut">
               <a:rPr lang="es-CO" smtClean="0"/>
-              <a:t>20/01/2025</a:t>
+              <a:t>4/02/2025</a:t>
             </a:fld>
             <a:endParaRPr lang="es-CO"/>
           </a:p>
@@ -6704,7 +5844,7 @@
           <a:p>
             <a:fld id="{9CF7635E-2D71-42E7-9E6C-FBB85A15A85F}" type="datetimeFigureOut">
               <a:rPr lang="es-CO" smtClean="0"/>
-              <a:t>20/01/2025</a:t>
+              <a:t>4/02/2025</a:t>
             </a:fld>
             <a:endParaRPr lang="es-CO"/>
           </a:p>
@@ -7151,7 +6291,7 @@
           <a:p>
             <a:fld id="{9CF7635E-2D71-42E7-9E6C-FBB85A15A85F}" type="datetimeFigureOut">
               <a:rPr lang="es-CO" smtClean="0"/>
-              <a:t>20/01/2025</a:t>
+              <a:t>4/02/2025</a:t>
             </a:fld>
             <a:endParaRPr lang="es-CO"/>
           </a:p>
@@ -7425,7 +6565,7 @@
           <a:p>
             <a:fld id="{9CF7635E-2D71-42E7-9E6C-FBB85A15A85F}" type="datetimeFigureOut">
               <a:rPr lang="es-CO" smtClean="0"/>
-              <a:t>20/01/2025</a:t>
+              <a:t>4/02/2025</a:t>
             </a:fld>
             <a:endParaRPr lang="es-CO"/>
           </a:p>
@@ -7846,7 +6986,7 @@
           <a:p>
             <a:fld id="{9CF7635E-2D71-42E7-9E6C-FBB85A15A85F}" type="datetimeFigureOut">
               <a:rPr lang="es-CO" smtClean="0"/>
-              <a:t>20/01/2025</a:t>
+              <a:t>4/02/2025</a:t>
             </a:fld>
             <a:endParaRPr lang="es-CO"/>
           </a:p>
@@ -7994,7 +7134,7 @@
           <a:p>
             <a:fld id="{9CF7635E-2D71-42E7-9E6C-FBB85A15A85F}" type="datetimeFigureOut">
               <a:rPr lang="es-CO" smtClean="0"/>
-              <a:t>20/01/2025</a:t>
+              <a:t>4/02/2025</a:t>
             </a:fld>
             <a:endParaRPr lang="es-CO"/>
           </a:p>
@@ -8113,7 +7253,7 @@
           <a:p>
             <a:fld id="{9CF7635E-2D71-42E7-9E6C-FBB85A15A85F}" type="datetimeFigureOut">
               <a:rPr lang="es-CO" smtClean="0"/>
-              <a:t>20/01/2025</a:t>
+              <a:t>4/02/2025</a:t>
             </a:fld>
             <a:endParaRPr lang="es-CO"/>
           </a:p>
@@ -8432,7 +7572,7 @@
           <a:p>
             <a:fld id="{9CF7635E-2D71-42E7-9E6C-FBB85A15A85F}" type="datetimeFigureOut">
               <a:rPr lang="es-CO" smtClean="0"/>
-              <a:t>20/01/2025</a:t>
+              <a:t>4/02/2025</a:t>
             </a:fld>
             <a:endParaRPr lang="es-CO"/>
           </a:p>
@@ -8727,7 +7867,7 @@
           <a:p>
             <a:fld id="{9CF7635E-2D71-42E7-9E6C-FBB85A15A85F}" type="datetimeFigureOut">
               <a:rPr lang="es-CO" smtClean="0"/>
-              <a:t>20/01/2025</a:t>
+              <a:t>4/02/2025</a:t>
             </a:fld>
             <a:endParaRPr lang="es-CO"/>
           </a:p>
@@ -8976,7 +8116,7 @@
           <a:p>
             <a:fld id="{9CF7635E-2D71-42E7-9E6C-FBB85A15A85F}" type="datetimeFigureOut">
               <a:rPr lang="es-CO" smtClean="0"/>
-              <a:t>20/01/2025</a:t>
+              <a:t>4/02/2025</a:t>
             </a:fld>
             <a:endParaRPr lang="es-CO"/>
           </a:p>
@@ -9496,7 +8636,7 @@
           <a:p>
             <a:pPr algn="ctr" eaLnBrk="1" hangingPunct="1"/>
             <a:r>
-              <a:rPr lang="es-CO" altLang="es-CO" sz="3600"/>
+              <a:rPr lang="es-CO" altLang="es-CO" sz="3600" dirty="0"/>
               <a:t>1</a:t>
             </a:r>
           </a:p>
@@ -9738,7 +8878,7 @@
         </p:nvSpPr>
         <p:spPr bwMode="auto">
           <a:xfrm>
-            <a:off x="2743200" y="192087"/>
+            <a:off x="2195736" y="3178968"/>
             <a:ext cx="6400800" cy="500063"/>
           </a:xfrm>
           <a:prstGeom prst="rect">
@@ -9944,7 +9084,7 @@
                   </a:schemeClr>
                 </a:solidFill>
               </a:rPr>
-              <a:t>INTRODUCCIÓN PROGRAMACIÓN</a:t>
+              <a:t> 6025 MICROCONTROLADORES</a:t>
             </a:r>
           </a:p>
         </p:txBody>
@@ -9994,307 +9134,6 @@
               </a14:hiddenFill>
             </a:ext>
           </a:extLst>
-        </p:spPr>
-      </p:pic>
-      <p:sp>
-        <p:nvSpPr>
-          <p:cNvPr id="7" name="2 Subtítulo">
-            <a:extLst>
-              <a:ext uri="{FF2B5EF4-FFF2-40B4-BE49-F238E27FC236}">
-                <a16:creationId xmlns:a16="http://schemas.microsoft.com/office/drawing/2014/main" id="{D7893B5F-DA97-4045-739E-535799F409B9}"/>
-              </a:ext>
-            </a:extLst>
-          </p:cNvPr>
-          <p:cNvSpPr txBox="1">
-            <a:spLocks/>
-          </p:cNvSpPr>
-          <p:nvPr/>
-        </p:nvSpPr>
-        <p:spPr bwMode="auto">
-          <a:xfrm>
-            <a:off x="-588788" y="5160887"/>
-            <a:ext cx="9137302" cy="500063"/>
-          </a:xfrm>
-          <a:prstGeom prst="rect">
-            <a:avLst/>
-          </a:prstGeom>
-          <a:noFill/>
-          <a:ln>
-            <a:noFill/>
-          </a:ln>
-          <a:extLst>
-            <a:ext uri="{909E8E84-426E-40DD-AFC4-6F175D3DCCD1}">
-              <a14:hiddenFill xmlns:a14="http://schemas.microsoft.com/office/drawing/2010/main">
-                <a:solidFill>
-                  <a:srgbClr val="FFFFFF"/>
-                </a:solidFill>
-              </a14:hiddenFill>
-            </a:ext>
-            <a:ext uri="{91240B29-F687-4F45-9708-019B960494DF}">
-              <a14:hiddenLine xmlns:a14="http://schemas.microsoft.com/office/drawing/2010/main" w="9525">
-                <a:solidFill>
-                  <a:srgbClr val="000000"/>
-                </a:solidFill>
-                <a:miter lim="800000"/>
-                <a:headEnd/>
-                <a:tailEnd/>
-              </a14:hiddenLine>
-            </a:ext>
-          </a:extLst>
-        </p:spPr>
-        <p:txBody>
-          <a:bodyPr vert="horz" wrap="square" lIns="91440" tIns="45720" rIns="91440" bIns="45720" numCol="1" rtlCol="0" anchor="t" anchorCtr="0" compatLnSpc="1">
-            <a:prstTxWarp prst="textNoShape">
-              <a:avLst/>
-            </a:prstTxWarp>
-            <a:noAutofit/>
-          </a:bodyPr>
-          <a:lstStyle>
-            <a:lvl1pPr marL="342900" indent="-342900" algn="l" rtl="0" eaLnBrk="0" fontAlgn="base" hangingPunct="0">
-              <a:spcBef>
-                <a:spcPct val="20000"/>
-              </a:spcBef>
-              <a:spcAft>
-                <a:spcPct val="0"/>
-              </a:spcAft>
-              <a:buFont typeface="Arial" panose="020B0604020202020204" pitchFamily="34" charset="0"/>
-              <a:buChar char="•"/>
-              <a:defRPr sz="3200" kern="1200">
-                <a:solidFill>
-                  <a:schemeClr val="tx1"/>
-                </a:solidFill>
-                <a:latin typeface="Arial" pitchFamily="34" charset="0"/>
-                <a:ea typeface="+mn-ea"/>
-                <a:cs typeface="Arial" pitchFamily="34" charset="0"/>
-              </a:defRPr>
-            </a:lvl1pPr>
-            <a:lvl2pPr marL="742950" indent="-285750" algn="l" rtl="0" eaLnBrk="0" fontAlgn="base" hangingPunct="0">
-              <a:spcBef>
-                <a:spcPct val="20000"/>
-              </a:spcBef>
-              <a:spcAft>
-                <a:spcPct val="0"/>
-              </a:spcAft>
-              <a:buFont typeface="Arial" panose="020B0604020202020204" pitchFamily="34" charset="0"/>
-              <a:buChar char="–"/>
-              <a:defRPr sz="2800" kern="1200">
-                <a:solidFill>
-                  <a:schemeClr val="tx1"/>
-                </a:solidFill>
-                <a:latin typeface="Arial" pitchFamily="34" charset="0"/>
-                <a:ea typeface="+mn-ea"/>
-                <a:cs typeface="Arial" pitchFamily="34" charset="0"/>
-              </a:defRPr>
-            </a:lvl2pPr>
-            <a:lvl3pPr marL="1143000" indent="-228600" algn="l" rtl="0" eaLnBrk="0" fontAlgn="base" hangingPunct="0">
-              <a:spcBef>
-                <a:spcPct val="20000"/>
-              </a:spcBef>
-              <a:spcAft>
-                <a:spcPct val="0"/>
-              </a:spcAft>
-              <a:buFont typeface="Arial" panose="020B0604020202020204" pitchFamily="34" charset="0"/>
-              <a:buChar char="•"/>
-              <a:defRPr sz="2400" kern="1200">
-                <a:solidFill>
-                  <a:schemeClr val="tx1"/>
-                </a:solidFill>
-                <a:latin typeface="Arial" pitchFamily="34" charset="0"/>
-                <a:ea typeface="+mn-ea"/>
-                <a:cs typeface="Arial" pitchFamily="34" charset="0"/>
-              </a:defRPr>
-            </a:lvl3pPr>
-            <a:lvl4pPr marL="1600200" indent="-228600" algn="l" rtl="0" eaLnBrk="0" fontAlgn="base" hangingPunct="0">
-              <a:spcBef>
-                <a:spcPct val="20000"/>
-              </a:spcBef>
-              <a:spcAft>
-                <a:spcPct val="0"/>
-              </a:spcAft>
-              <a:buFont typeface="Arial" panose="020B0604020202020204" pitchFamily="34" charset="0"/>
-              <a:buChar char="–"/>
-              <a:defRPr sz="2000" kern="1200">
-                <a:solidFill>
-                  <a:schemeClr val="tx1"/>
-                </a:solidFill>
-                <a:latin typeface="Arial" pitchFamily="34" charset="0"/>
-                <a:ea typeface="+mn-ea"/>
-                <a:cs typeface="Arial" pitchFamily="34" charset="0"/>
-              </a:defRPr>
-            </a:lvl4pPr>
-            <a:lvl5pPr marL="2057400" indent="-228600" algn="l" rtl="0" eaLnBrk="0" fontAlgn="base" hangingPunct="0">
-              <a:spcBef>
-                <a:spcPct val="20000"/>
-              </a:spcBef>
-              <a:spcAft>
-                <a:spcPct val="0"/>
-              </a:spcAft>
-              <a:buFont typeface="Arial" panose="020B0604020202020204" pitchFamily="34" charset="0"/>
-              <a:buChar char="»"/>
-              <a:defRPr sz="2000" kern="1200">
-                <a:solidFill>
-                  <a:schemeClr val="tx1"/>
-                </a:solidFill>
-                <a:latin typeface="Arial" pitchFamily="34" charset="0"/>
-                <a:ea typeface="+mn-ea"/>
-                <a:cs typeface="Arial" pitchFamily="34" charset="0"/>
-              </a:defRPr>
-            </a:lvl5pPr>
-            <a:lvl6pPr marL="2514600" indent="-228600" algn="l" defTabSz="914400" rtl="0" eaLnBrk="1" latinLnBrk="0" hangingPunct="1">
-              <a:spcBef>
-                <a:spcPct val="20000"/>
-              </a:spcBef>
-              <a:buFont typeface="Arial" pitchFamily="34" charset="0"/>
-              <a:buChar char="•"/>
-              <a:defRPr sz="2000" kern="1200">
-                <a:solidFill>
-                  <a:schemeClr val="tx1"/>
-                </a:solidFill>
-                <a:latin typeface="+mn-lt"/>
-                <a:ea typeface="+mn-ea"/>
-                <a:cs typeface="+mn-cs"/>
-              </a:defRPr>
-            </a:lvl6pPr>
-            <a:lvl7pPr marL="2971800" indent="-228600" algn="l" defTabSz="914400" rtl="0" eaLnBrk="1" latinLnBrk="0" hangingPunct="1">
-              <a:spcBef>
-                <a:spcPct val="20000"/>
-              </a:spcBef>
-              <a:buFont typeface="Arial" pitchFamily="34" charset="0"/>
-              <a:buChar char="•"/>
-              <a:defRPr sz="2000" kern="1200">
-                <a:solidFill>
-                  <a:schemeClr val="tx1"/>
-                </a:solidFill>
-                <a:latin typeface="+mn-lt"/>
-                <a:ea typeface="+mn-ea"/>
-                <a:cs typeface="+mn-cs"/>
-              </a:defRPr>
-            </a:lvl7pPr>
-            <a:lvl8pPr marL="3429000" indent="-228600" algn="l" defTabSz="914400" rtl="0" eaLnBrk="1" latinLnBrk="0" hangingPunct="1">
-              <a:spcBef>
-                <a:spcPct val="20000"/>
-              </a:spcBef>
-              <a:buFont typeface="Arial" pitchFamily="34" charset="0"/>
-              <a:buChar char="•"/>
-              <a:defRPr sz="2000" kern="1200">
-                <a:solidFill>
-                  <a:schemeClr val="tx1"/>
-                </a:solidFill>
-                <a:latin typeface="+mn-lt"/>
-                <a:ea typeface="+mn-ea"/>
-                <a:cs typeface="+mn-cs"/>
-              </a:defRPr>
-            </a:lvl8pPr>
-            <a:lvl9pPr marL="3886200" indent="-228600" algn="l" defTabSz="914400" rtl="0" eaLnBrk="1" latinLnBrk="0" hangingPunct="1">
-              <a:spcBef>
-                <a:spcPct val="20000"/>
-              </a:spcBef>
-              <a:buFont typeface="Arial" pitchFamily="34" charset="0"/>
-              <a:buChar char="•"/>
-              <a:defRPr sz="2000" kern="1200">
-                <a:solidFill>
-                  <a:schemeClr val="tx1"/>
-                </a:solidFill>
-                <a:latin typeface="+mn-lt"/>
-                <a:ea typeface="+mn-ea"/>
-                <a:cs typeface="+mn-cs"/>
-              </a:defRPr>
-            </a:lvl9pPr>
-          </a:lstStyle>
-          <a:p>
-            <a:pPr marL="0" indent="0" algn="r" eaLnBrk="1" fontAlgn="auto" hangingPunct="1">
-              <a:spcAft>
-                <a:spcPts val="0"/>
-              </a:spcAft>
-              <a:buNone/>
-              <a:defRPr/>
-            </a:pPr>
-            <a:r>
-              <a:rPr lang="es-CO" sz="2000" b="1" dirty="0">
-                <a:solidFill>
-                  <a:schemeClr val="tx1">
-                    <a:lumMod val="75000"/>
-                    <a:lumOff val="25000"/>
-                  </a:schemeClr>
-                </a:solidFill>
-              </a:rPr>
-              <a:t>TIPOS DE DATOS Y OPERADORES</a:t>
-            </a:r>
-          </a:p>
-        </p:txBody>
-      </p:sp>
-      <p:sp>
-        <p:nvSpPr>
-          <p:cNvPr id="2" name="CuadroTexto 1">
-            <a:extLst>
-              <a:ext uri="{FF2B5EF4-FFF2-40B4-BE49-F238E27FC236}">
-                <a16:creationId xmlns:a16="http://schemas.microsoft.com/office/drawing/2014/main" id="{CD18F590-EE47-2020-A55D-D7EEE2DEE0C1}"/>
-              </a:ext>
-            </a:extLst>
-          </p:cNvPr>
-          <p:cNvSpPr txBox="1"/>
-          <p:nvPr/>
-        </p:nvSpPr>
-        <p:spPr>
-          <a:xfrm>
-            <a:off x="4211960" y="1916832"/>
-            <a:ext cx="2608263" cy="1323439"/>
-          </a:xfrm>
-          <a:prstGeom prst="rect">
-            <a:avLst/>
-          </a:prstGeom>
-          <a:noFill/>
-        </p:spPr>
-        <p:txBody>
-          <a:bodyPr wrap="square" rtlCol="0">
-            <a:spAutoFit/>
-          </a:bodyPr>
-          <a:lstStyle/>
-          <a:p>
-            <a:r>
-              <a:rPr lang="es-CO" sz="8000" dirty="0"/>
-              <a:t>@</a:t>
-            </a:r>
-          </a:p>
-        </p:txBody>
-      </p:sp>
-      <p:pic>
-        <p:nvPicPr>
-          <p:cNvPr id="5" name="Gráfico 4" descr="Cmd (terminal) con relleno sólido">
-            <a:extLst>
-              <a:ext uri="{FF2B5EF4-FFF2-40B4-BE49-F238E27FC236}">
-                <a16:creationId xmlns:a16="http://schemas.microsoft.com/office/drawing/2014/main" id="{30AAF1E8-CD59-F2D5-AB39-8812203DA2BD}"/>
-              </a:ext>
-            </a:extLst>
-          </p:cNvPr>
-          <p:cNvPicPr>
-            <a:picLocks noChangeAspect="1"/>
-          </p:cNvPicPr>
-          <p:nvPr/>
-        </p:nvPicPr>
-        <p:blipFill>
-          <a:blip r:embed="rId4">
-            <a:extLst>
-              <a:ext uri="{28A0092B-C50C-407E-A947-70E740481C1C}">
-                <a14:useLocalDpi xmlns:a14="http://schemas.microsoft.com/office/drawing/2010/main" val="0"/>
-              </a:ext>
-              <a:ext uri="{96DAC541-7B7A-43D3-8B79-37D633B846F1}">
-                <asvg:svgBlip xmlns:asvg="http://schemas.microsoft.com/office/drawing/2016/SVG/main" r:embed="rId5"/>
-              </a:ext>
-            </a:extLst>
-          </a:blip>
-          <a:stretch>
-            <a:fillRect/>
-          </a:stretch>
-        </p:blipFill>
-        <p:spPr>
-          <a:xfrm>
-            <a:off x="3419872" y="472511"/>
-            <a:ext cx="4249737" cy="4249737"/>
-          </a:xfrm>
-          <a:prstGeom prst="rect">
-            <a:avLst/>
-          </a:prstGeom>
         </p:spPr>
       </p:pic>
     </p:spTree>
@@ -10425,7 +9264,7 @@
         <p:spPr bwMode="auto">
           <a:xfrm>
             <a:off x="795338" y="44758"/>
-            <a:ext cx="2483768" cy="794720"/>
+            <a:ext cx="2048470" cy="655440"/>
           </a:xfrm>
           <a:prstGeom prst="rect">
             <a:avLst/>
@@ -10458,8 +9297,8 @@
         </p:nvSpPr>
         <p:spPr bwMode="auto">
           <a:xfrm>
-            <a:off x="4355976" y="6353571"/>
-            <a:ext cx="4010025" cy="369332"/>
+            <a:off x="4540642" y="6188199"/>
+            <a:ext cx="4010025" cy="523220"/>
           </a:xfrm>
           <a:prstGeom prst="rect">
             <a:avLst/>
@@ -10641,8 +9480,25 @@
               <a:buNone/>
             </a:pPr>
             <a:r>
-              <a:rPr lang="es-CO" altLang="es-CO" sz="1800" dirty="0"/>
-              <a:t> Viernes:       20:05 - 21:30</a:t>
+              <a:rPr lang="es-CO" altLang="es-CO" sz="1200" dirty="0"/>
+              <a:t> </a:t>
+            </a:r>
+            <a:r>
+              <a:rPr lang="es-CO" altLang="es-CO" sz="1400" dirty="0"/>
+              <a:t>Jueves:     18:00 - 20:00</a:t>
+            </a:r>
+          </a:p>
+          <a:p>
+            <a:pPr algn="ctr">
+              <a:spcBef>
+                <a:spcPct val="0"/>
+              </a:spcBef>
+              <a:buFontTx/>
+              <a:buNone/>
+            </a:pPr>
+            <a:r>
+              <a:rPr lang="es-CO" altLang="es-CO" sz="1400" dirty="0"/>
+              <a:t>  Jueves:      20:15 – 21:15</a:t>
             </a:r>
           </a:p>
         </p:txBody>
@@ -10663,7 +9519,7 @@
         </p:nvSpPr>
         <p:spPr bwMode="auto">
           <a:xfrm>
-            <a:off x="2483768" y="280127"/>
+            <a:off x="2267744" y="259824"/>
             <a:ext cx="6400800" cy="500063"/>
           </a:xfrm>
           <a:prstGeom prst="rect">
@@ -10869,34 +9725,28 @@
                   </a:schemeClr>
                 </a:solidFill>
               </a:rPr>
-              <a:t>6020 INTRODUCCIÓN A LA PROGRAMACIÓN</a:t>
+              <a:t> 6025 MICROCONTROLADORES</a:t>
             </a:r>
           </a:p>
         </p:txBody>
       </p:sp>
       <p:graphicFrame>
         <p:nvGraphicFramePr>
-          <p:cNvPr id="2" name="Tabla 3">
+          <p:cNvPr id="6" name="Tabla 3">
             <a:extLst>
               <a:ext uri="{FF2B5EF4-FFF2-40B4-BE49-F238E27FC236}">
-                <a16:creationId xmlns:a16="http://schemas.microsoft.com/office/drawing/2014/main" id="{AD95D6F6-B57E-72C6-C4A1-D87E90D71724}"/>
+                <a16:creationId xmlns:a16="http://schemas.microsoft.com/office/drawing/2014/main" id="{D45444DB-DE93-829B-F32A-C3FB962F868B}"/>
               </a:ext>
             </a:extLst>
           </p:cNvPr>
           <p:cNvGraphicFramePr>
             <a:graphicFrameLocks noGrp="1"/>
           </p:cNvGraphicFramePr>
-          <p:nvPr>
-            <p:extLst>
-              <p:ext uri="{D42A27DB-BD31-4B8C-83A1-F6EECF244321}">
-                <p14:modId xmlns:p14="http://schemas.microsoft.com/office/powerpoint/2010/main" val="3476988131"/>
-              </p:ext>
-            </p:extLst>
-          </p:nvPr>
+          <p:nvPr/>
         </p:nvGraphicFramePr>
         <p:xfrm>
-          <a:off x="863588" y="692631"/>
-          <a:ext cx="7416824" cy="5600668"/>
+          <a:off x="863588" y="620688"/>
+          <a:ext cx="7416824" cy="5356828"/>
         </p:xfrm>
         <a:graphic>
           <a:graphicData uri="http://schemas.openxmlformats.org/drawingml/2006/table">
@@ -11133,7 +9983,7 @@
                       </a:pPr>
                       <a:r>
                         <a:rPr lang="es-CO" sz="1000" dirty="0"/>
-                        <a:t>Introducción – Generalidades</a:t>
+                        <a:t>Introducción</a:t>
                       </a:r>
                     </a:p>
                     <a:p>
@@ -11155,26 +10005,9 @@
                         <a:defRPr/>
                       </a:pPr>
                       <a:r>
-                        <a:rPr lang="es-CO" sz="1000" dirty="0" err="1"/>
-                        <a:t>Definiciónes</a:t>
+                        <a:rPr lang="es-CO" sz="1000" dirty="0"/>
+                        <a:t>Introducción a C (Tipos de Datos, Operadores, Variables y Arreglos)</a:t>
                       </a:r>
-                      <a:r>
-                        <a:rPr lang="es-CO" sz="1000" dirty="0"/>
-                        <a:t> – </a:t>
-                      </a:r>
-                      <a:r>
-                        <a:rPr lang="es-CO" sz="1000" dirty="0" err="1"/>
-                        <a:t>Intro</a:t>
-                      </a:r>
-                      <a:r>
-                        <a:rPr lang="es-CO" sz="1000" dirty="0"/>
-                        <a:t> Python Google </a:t>
-                      </a:r>
-                      <a:r>
-                        <a:rPr lang="es-CO" sz="1000" dirty="0" err="1"/>
-                        <a:t>Colab</a:t>
-                      </a:r>
-                      <a:endParaRPr lang="es-CO" sz="1000" dirty="0"/>
                     </a:p>
                   </a:txBody>
                   <a:tcPr>
@@ -11334,10 +10167,34 @@
                     <a:bodyPr/>
                     <a:lstStyle/>
                     <a:p>
-                      <a:pPr algn="ctr"/>
+                      <a:pPr marL="0" marR="0" lvl="0" indent="0" algn="ctr" defTabSz="685800" rtl="0" eaLnBrk="1" fontAlgn="auto" latinLnBrk="0" hangingPunct="1">
+                        <a:lnSpc>
+                          <a:spcPct val="100000"/>
+                        </a:lnSpc>
+                        <a:spcBef>
+                          <a:spcPts val="0"/>
+                        </a:spcBef>
+                        <a:spcAft>
+                          <a:spcPts val="0"/>
+                        </a:spcAft>
+                        <a:buClrTx/>
+                        <a:buSzTx/>
+                        <a:buFontTx/>
+                        <a:buNone/>
+                        <a:tabLst/>
+                        <a:defRPr/>
+                      </a:pPr>
                       <a:r>
                         <a:rPr lang="es-CO" sz="1000" dirty="0"/>
-                        <a:t>Tipos de datos - Operadores</a:t>
+                        <a:t>Introducción a C (Sentencias, Ciclos, Funciones, </a:t>
+                      </a:r>
+                      <a:r>
+                        <a:rPr lang="es-CO" sz="1000" dirty="0" err="1"/>
+                        <a:t>Libreria</a:t>
+                      </a:r>
+                      <a:r>
+                        <a:rPr lang="es-CO" sz="1000" dirty="0"/>
+                        <a:t>)</a:t>
                       </a:r>
                     </a:p>
                   </a:txBody>
@@ -11394,10 +10251,9 @@
                     <a:p>
                       <a:pPr algn="ctr"/>
                       <a:r>
-                        <a:rPr lang="es-CO" sz="1000"/>
+                        <a:rPr lang="es-CO" sz="1000" dirty="0"/>
                         <a:t>3</a:t>
                       </a:r>
-                      <a:endParaRPr lang="es-CO" sz="1000" dirty="0"/>
                     </a:p>
                   </a:txBody>
                   <a:tcPr>
@@ -11501,9 +10357,18 @@
                     <a:p>
                       <a:pPr algn="ctr"/>
                       <a:r>
+                        <a:rPr lang="es-CO" sz="1000" dirty="0" err="1"/>
+                        <a:t>PSoC</a:t>
+                      </a:r>
+                      <a:r>
                         <a:rPr lang="es-CO" sz="1000" dirty="0"/>
-                        <a:t>Tipos de datos - Operadores</a:t>
+                        <a:t> </a:t>
                       </a:r>
+                      <a:r>
+                        <a:rPr lang="es-CO" sz="1000"/>
+                        <a:t>Creator</a:t>
+                      </a:r>
+                      <a:endParaRPr lang="es-CO" sz="1000" dirty="0"/>
                     </a:p>
                   </a:txBody>
                   <a:tcPr>
@@ -11614,6 +10479,9 @@
                           <a:solidFill>
                             <a:schemeClr val="tx1"/>
                           </a:solidFill>
+                          <a:highlight>
+                            <a:srgbClr val="00FFFF"/>
+                          </a:highlight>
                         </a:rPr>
                         <a:t>24 febrero – 28 febrero</a:t>
                       </a:r>
@@ -11665,8 +10533,12 @@
                     <a:p>
                       <a:pPr algn="ctr"/>
                       <a:r>
-                        <a:rPr lang="es-CO" sz="1000" dirty="0"/>
-                        <a:t>Condicionales IF – ELSE IF</a:t>
+                        <a:rPr lang="es-CO" sz="1000" dirty="0">
+                          <a:highlight>
+                            <a:srgbClr val="00FFFF"/>
+                          </a:highlight>
+                        </a:rPr>
+                        <a:t>GPIO y sistemas Lógico - combinacionales</a:t>
                       </a:r>
                     </a:p>
                   </a:txBody>
@@ -11826,14 +10698,7 @@
                       <a:pPr algn="ctr"/>
                       <a:r>
                         <a:rPr lang="es-CO" sz="1000" dirty="0"/>
-                        <a:t>Condicionales Anidados </a:t>
-                      </a:r>
-                    </a:p>
-                    <a:p>
-                      <a:pPr algn="ctr"/>
-                      <a:r>
-                        <a:rPr lang="es-CO" sz="1000" dirty="0"/>
-                        <a:t>Condicionales En cascada</a:t>
+                        <a:t>Laboratorio</a:t>
                       </a:r>
                     </a:p>
                   </a:txBody>
@@ -12001,7 +10866,7 @@
                             <a:srgbClr val="C00000"/>
                           </a:solidFill>
                         </a:rPr>
-                        <a:t>Examen Parcial 1</a:t>
+                        <a:t>Entrega Proyecto I</a:t>
                       </a:r>
                     </a:p>
                   </a:txBody>
@@ -12161,13 +11026,8 @@
                       <a:pPr algn="ctr"/>
                       <a:r>
                         <a:rPr lang="es-ES" sz="1000" dirty="0"/>
-                        <a:t>Ciclo </a:t>
+                        <a:t>Interrupciones Internas y Externas</a:t>
                       </a:r>
-                      <a:r>
-                        <a:rPr lang="es-ES" sz="1000" dirty="0" err="1"/>
-                        <a:t>For</a:t>
-                      </a:r>
-                      <a:endParaRPr lang="es-ES" sz="1000" dirty="0"/>
                     </a:p>
                   </a:txBody>
                   <a:tcPr>
@@ -12283,6 +11143,347 @@
                           </a:highlight>
                         </a:rPr>
                         <a:t>24 marzo – 28 marzo</a:t>
+                      </a:r>
+                    </a:p>
+                  </a:txBody>
+                  <a:tcPr>
+                    <a:lnL w="12700" cap="flat" cmpd="sng" algn="ctr">
+                      <a:solidFill>
+                        <a:schemeClr val="tx1"/>
+                      </a:solidFill>
+                      <a:prstDash val="solid"/>
+                      <a:round/>
+                      <a:headEnd type="none" w="med" len="med"/>
+                      <a:tailEnd type="none" w="med" len="med"/>
+                    </a:lnL>
+                    <a:lnR w="12700" cap="flat" cmpd="sng" algn="ctr">
+                      <a:solidFill>
+                        <a:schemeClr val="tx1"/>
+                      </a:solidFill>
+                      <a:prstDash val="solid"/>
+                      <a:round/>
+                      <a:headEnd type="none" w="med" len="med"/>
+                      <a:tailEnd type="none" w="med" len="med"/>
+                    </a:lnR>
+                    <a:lnT w="12700" cap="flat" cmpd="sng" algn="ctr">
+                      <a:solidFill>
+                        <a:schemeClr val="tx1"/>
+                      </a:solidFill>
+                      <a:prstDash val="solid"/>
+                      <a:round/>
+                      <a:headEnd type="none" w="med" len="med"/>
+                      <a:tailEnd type="none" w="med" len="med"/>
+                    </a:lnT>
+                    <a:lnB w="12700" cap="flat" cmpd="sng" algn="ctr">
+                      <a:solidFill>
+                        <a:schemeClr val="tx1"/>
+                      </a:solidFill>
+                      <a:prstDash val="solid"/>
+                      <a:round/>
+                      <a:headEnd type="none" w="med" len="med"/>
+                      <a:tailEnd type="none" w="med" len="med"/>
+                    </a:lnB>
+                  </a:tcPr>
+                </a:tc>
+                <a:tc>
+                  <a:txBody>
+                    <a:bodyPr/>
+                    <a:lstStyle/>
+                    <a:p>
+                      <a:pPr marL="0" marR="0" lvl="0" indent="0" algn="ctr" defTabSz="685800" rtl="0" eaLnBrk="1" fontAlgn="auto" latinLnBrk="0" hangingPunct="1">
+                        <a:lnSpc>
+                          <a:spcPct val="100000"/>
+                        </a:lnSpc>
+                        <a:spcBef>
+                          <a:spcPts val="0"/>
+                        </a:spcBef>
+                        <a:spcAft>
+                          <a:spcPts val="0"/>
+                        </a:spcAft>
+                        <a:buClrTx/>
+                        <a:buSzTx/>
+                        <a:buFontTx/>
+                        <a:buNone/>
+                        <a:tabLst/>
+                        <a:defRPr/>
+                      </a:pPr>
+                      <a:r>
+                        <a:rPr lang="es-CO" sz="1000" dirty="0"/>
+                        <a:t>Temporizadores y Contadores</a:t>
+                      </a:r>
+                    </a:p>
+                  </a:txBody>
+                  <a:tcPr>
+                    <a:lnL w="12700" cap="flat" cmpd="sng" algn="ctr">
+                      <a:solidFill>
+                        <a:schemeClr val="tx1"/>
+                      </a:solidFill>
+                      <a:prstDash val="solid"/>
+                      <a:round/>
+                      <a:headEnd type="none" w="med" len="med"/>
+                      <a:tailEnd type="none" w="med" len="med"/>
+                    </a:lnL>
+                    <a:lnR w="12700" cap="flat" cmpd="sng" algn="ctr">
+                      <a:solidFill>
+                        <a:schemeClr val="tx1"/>
+                      </a:solidFill>
+                      <a:prstDash val="solid"/>
+                      <a:round/>
+                      <a:headEnd type="none" w="med" len="med"/>
+                      <a:tailEnd type="none" w="med" len="med"/>
+                    </a:lnR>
+                    <a:lnT w="12700" cap="flat" cmpd="sng" algn="ctr">
+                      <a:solidFill>
+                        <a:schemeClr val="tx1"/>
+                      </a:solidFill>
+                      <a:prstDash val="solid"/>
+                      <a:round/>
+                      <a:headEnd type="none" w="med" len="med"/>
+                      <a:tailEnd type="none" w="med" len="med"/>
+                    </a:lnT>
+                    <a:lnB w="12700" cap="flat" cmpd="sng" algn="ctr">
+                      <a:solidFill>
+                        <a:schemeClr val="tx1"/>
+                      </a:solidFill>
+                      <a:prstDash val="solid"/>
+                      <a:round/>
+                      <a:headEnd type="none" w="med" len="med"/>
+                      <a:tailEnd type="none" w="med" len="med"/>
+                    </a:lnB>
+                  </a:tcPr>
+                </a:tc>
+                <a:extLst>
+                  <a:ext uri="{0D108BD9-81ED-4DB2-BD59-A6C34878D82A}">
+                    <a16:rowId xmlns:a16="http://schemas.microsoft.com/office/drawing/2014/main" val="4003450833"/>
+                  </a:ext>
+                </a:extLst>
+              </a:tr>
+              <a:tr h="269131">
+                <a:tc>
+                  <a:txBody>
+                    <a:bodyPr/>
+                    <a:lstStyle/>
+                    <a:p>
+                      <a:pPr algn="ctr"/>
+                      <a:r>
+                        <a:rPr lang="es-CO" sz="1000" dirty="0"/>
+                        <a:t>9</a:t>
+                      </a:r>
+                    </a:p>
+                  </a:txBody>
+                  <a:tcPr>
+                    <a:lnL w="12700" cap="flat" cmpd="sng" algn="ctr">
+                      <a:solidFill>
+                        <a:schemeClr val="tx1"/>
+                      </a:solidFill>
+                      <a:prstDash val="solid"/>
+                      <a:round/>
+                      <a:headEnd type="none" w="med" len="med"/>
+                      <a:tailEnd type="none" w="med" len="med"/>
+                    </a:lnL>
+                    <a:lnR w="12700" cap="flat" cmpd="sng" algn="ctr">
+                      <a:solidFill>
+                        <a:schemeClr val="tx1"/>
+                      </a:solidFill>
+                      <a:prstDash val="solid"/>
+                      <a:round/>
+                      <a:headEnd type="none" w="med" len="med"/>
+                      <a:tailEnd type="none" w="med" len="med"/>
+                    </a:lnR>
+                    <a:lnT w="12700" cap="flat" cmpd="sng" algn="ctr">
+                      <a:solidFill>
+                        <a:schemeClr val="tx1"/>
+                      </a:solidFill>
+                      <a:prstDash val="solid"/>
+                      <a:round/>
+                      <a:headEnd type="none" w="med" len="med"/>
+                      <a:tailEnd type="none" w="med" len="med"/>
+                    </a:lnT>
+                    <a:lnB w="12700" cap="flat" cmpd="sng" algn="ctr">
+                      <a:solidFill>
+                        <a:schemeClr val="tx1"/>
+                      </a:solidFill>
+                      <a:prstDash val="solid"/>
+                      <a:round/>
+                      <a:headEnd type="none" w="med" len="med"/>
+                      <a:tailEnd type="none" w="med" len="med"/>
+                    </a:lnB>
+                  </a:tcPr>
+                </a:tc>
+                <a:tc>
+                  <a:txBody>
+                    <a:bodyPr/>
+                    <a:lstStyle/>
+                    <a:p>
+                      <a:pPr algn="ctr"/>
+                      <a:r>
+                        <a:rPr lang="es-CO" sz="1000" dirty="0">
+                          <a:solidFill>
+                            <a:schemeClr val="tx1"/>
+                          </a:solidFill>
+                        </a:rPr>
+                        <a:t>31 marzo – 4 abril</a:t>
+                      </a:r>
+                    </a:p>
+                  </a:txBody>
+                  <a:tcPr>
+                    <a:lnL w="12700" cap="flat" cmpd="sng" algn="ctr">
+                      <a:solidFill>
+                        <a:schemeClr val="tx1"/>
+                      </a:solidFill>
+                      <a:prstDash val="solid"/>
+                      <a:round/>
+                      <a:headEnd type="none" w="med" len="med"/>
+                      <a:tailEnd type="none" w="med" len="med"/>
+                    </a:lnL>
+                    <a:lnR w="12700" cap="flat" cmpd="sng" algn="ctr">
+                      <a:solidFill>
+                        <a:schemeClr val="tx1"/>
+                      </a:solidFill>
+                      <a:prstDash val="solid"/>
+                      <a:round/>
+                      <a:headEnd type="none" w="med" len="med"/>
+                      <a:tailEnd type="none" w="med" len="med"/>
+                    </a:lnR>
+                    <a:lnT w="12700" cap="flat" cmpd="sng" algn="ctr">
+                      <a:solidFill>
+                        <a:schemeClr val="tx1"/>
+                      </a:solidFill>
+                      <a:prstDash val="solid"/>
+                      <a:round/>
+                      <a:headEnd type="none" w="med" len="med"/>
+                      <a:tailEnd type="none" w="med" len="med"/>
+                    </a:lnT>
+                    <a:lnB w="12700" cap="flat" cmpd="sng" algn="ctr">
+                      <a:solidFill>
+                        <a:schemeClr val="tx1"/>
+                      </a:solidFill>
+                      <a:prstDash val="solid"/>
+                      <a:round/>
+                      <a:headEnd type="none" w="med" len="med"/>
+                      <a:tailEnd type="none" w="med" len="med"/>
+                    </a:lnB>
+                  </a:tcPr>
+                </a:tc>
+                <a:tc>
+                  <a:txBody>
+                    <a:bodyPr/>
+                    <a:lstStyle/>
+                    <a:p>
+                      <a:pPr algn="ctr"/>
+                      <a:r>
+                        <a:rPr lang="es-ES" sz="1000" dirty="0"/>
+                        <a:t>PWM</a:t>
+                      </a:r>
+                    </a:p>
+                  </a:txBody>
+                  <a:tcPr>
+                    <a:lnL w="12700" cap="flat" cmpd="sng" algn="ctr">
+                      <a:solidFill>
+                        <a:schemeClr val="tx1"/>
+                      </a:solidFill>
+                      <a:prstDash val="solid"/>
+                      <a:round/>
+                      <a:headEnd type="none" w="med" len="med"/>
+                      <a:tailEnd type="none" w="med" len="med"/>
+                    </a:lnL>
+                    <a:lnR w="12700" cap="flat" cmpd="sng" algn="ctr">
+                      <a:solidFill>
+                        <a:schemeClr val="tx1"/>
+                      </a:solidFill>
+                      <a:prstDash val="solid"/>
+                      <a:round/>
+                      <a:headEnd type="none" w="med" len="med"/>
+                      <a:tailEnd type="none" w="med" len="med"/>
+                    </a:lnR>
+                    <a:lnT w="12700" cap="flat" cmpd="sng" algn="ctr">
+                      <a:solidFill>
+                        <a:schemeClr val="tx1"/>
+                      </a:solidFill>
+                      <a:prstDash val="solid"/>
+                      <a:round/>
+                      <a:headEnd type="none" w="med" len="med"/>
+                      <a:tailEnd type="none" w="med" len="med"/>
+                    </a:lnT>
+                    <a:lnB w="12700" cap="flat" cmpd="sng" algn="ctr">
+                      <a:solidFill>
+                        <a:schemeClr val="tx1"/>
+                      </a:solidFill>
+                      <a:prstDash val="solid"/>
+                      <a:round/>
+                      <a:headEnd type="none" w="med" len="med"/>
+                      <a:tailEnd type="none" w="med" len="med"/>
+                    </a:lnB>
+                  </a:tcPr>
+                </a:tc>
+                <a:extLst>
+                  <a:ext uri="{0D108BD9-81ED-4DB2-BD59-A6C34878D82A}">
+                    <a16:rowId xmlns:a16="http://schemas.microsoft.com/office/drawing/2014/main" val="3557391392"/>
+                  </a:ext>
+                </a:extLst>
+              </a:tr>
+              <a:tr h="283543">
+                <a:tc>
+                  <a:txBody>
+                    <a:bodyPr/>
+                    <a:lstStyle/>
+                    <a:p>
+                      <a:pPr algn="ctr"/>
+                      <a:r>
+                        <a:rPr lang="es-ES" sz="1000" dirty="0"/>
+                        <a:t>10</a:t>
+                      </a:r>
+                      <a:endParaRPr lang="es-CO" sz="1000" dirty="0"/>
+                    </a:p>
+                  </a:txBody>
+                  <a:tcPr>
+                    <a:lnL w="12700" cap="flat" cmpd="sng" algn="ctr">
+                      <a:solidFill>
+                        <a:schemeClr val="tx1"/>
+                      </a:solidFill>
+                      <a:prstDash val="solid"/>
+                      <a:round/>
+                      <a:headEnd type="none" w="med" len="med"/>
+                      <a:tailEnd type="none" w="med" len="med"/>
+                    </a:lnL>
+                    <a:lnR w="12700" cap="flat" cmpd="sng" algn="ctr">
+                      <a:solidFill>
+                        <a:schemeClr val="tx1"/>
+                      </a:solidFill>
+                      <a:prstDash val="solid"/>
+                      <a:round/>
+                      <a:headEnd type="none" w="med" len="med"/>
+                      <a:tailEnd type="none" w="med" len="med"/>
+                    </a:lnR>
+                    <a:lnT w="12700" cap="flat" cmpd="sng" algn="ctr">
+                      <a:solidFill>
+                        <a:schemeClr val="tx1"/>
+                      </a:solidFill>
+                      <a:prstDash val="solid"/>
+                      <a:round/>
+                      <a:headEnd type="none" w="med" len="med"/>
+                      <a:tailEnd type="none" w="med" len="med"/>
+                    </a:lnT>
+                    <a:lnB w="12700" cap="flat" cmpd="sng" algn="ctr">
+                      <a:solidFill>
+                        <a:schemeClr val="tx1"/>
+                      </a:solidFill>
+                      <a:prstDash val="solid"/>
+                      <a:round/>
+                      <a:headEnd type="none" w="med" len="med"/>
+                      <a:tailEnd type="none" w="med" len="med"/>
+                    </a:lnB>
+                  </a:tcPr>
+                </a:tc>
+                <a:tc>
+                  <a:txBody>
+                    <a:bodyPr/>
+                    <a:lstStyle/>
+                    <a:p>
+                      <a:pPr algn="ctr"/>
+                      <a:r>
+                        <a:rPr lang="es-CO" sz="1000" dirty="0"/>
+                        <a:t>7 abril – 11 abril</a:t>
                       </a:r>
                     </a:p>
                   </a:txBody>
@@ -12349,376 +11550,8 @@
                       </a:pPr>
                       <a:r>
                         <a:rPr lang="es-ES" sz="1000" dirty="0"/>
-                        <a:t>Ciclo </a:t>
+                        <a:t>Conversores ADC y DAC</a:t>
                       </a:r>
-                      <a:r>
-                        <a:rPr lang="es-ES" sz="1000" dirty="0" err="1"/>
-                        <a:t>For</a:t>
-                      </a:r>
-                      <a:r>
-                        <a:rPr lang="es-ES" sz="1000" dirty="0"/>
-                        <a:t> Anidado</a:t>
-                      </a:r>
-                      <a:endParaRPr lang="es-CO" sz="1000" dirty="0"/>
-                    </a:p>
-                  </a:txBody>
-                  <a:tcPr>
-                    <a:lnL w="12700" cap="flat" cmpd="sng" algn="ctr">
-                      <a:solidFill>
-                        <a:schemeClr val="tx1"/>
-                      </a:solidFill>
-                      <a:prstDash val="solid"/>
-                      <a:round/>
-                      <a:headEnd type="none" w="med" len="med"/>
-                      <a:tailEnd type="none" w="med" len="med"/>
-                    </a:lnL>
-                    <a:lnR w="12700" cap="flat" cmpd="sng" algn="ctr">
-                      <a:solidFill>
-                        <a:schemeClr val="tx1"/>
-                      </a:solidFill>
-                      <a:prstDash val="solid"/>
-                      <a:round/>
-                      <a:headEnd type="none" w="med" len="med"/>
-                      <a:tailEnd type="none" w="med" len="med"/>
-                    </a:lnR>
-                    <a:lnT w="12700" cap="flat" cmpd="sng" algn="ctr">
-                      <a:solidFill>
-                        <a:schemeClr val="tx1"/>
-                      </a:solidFill>
-                      <a:prstDash val="solid"/>
-                      <a:round/>
-                      <a:headEnd type="none" w="med" len="med"/>
-                      <a:tailEnd type="none" w="med" len="med"/>
-                    </a:lnT>
-                    <a:lnB w="12700" cap="flat" cmpd="sng" algn="ctr">
-                      <a:solidFill>
-                        <a:schemeClr val="tx1"/>
-                      </a:solidFill>
-                      <a:prstDash val="solid"/>
-                      <a:round/>
-                      <a:headEnd type="none" w="med" len="med"/>
-                      <a:tailEnd type="none" w="med" len="med"/>
-                    </a:lnB>
-                  </a:tcPr>
-                </a:tc>
-                <a:extLst>
-                  <a:ext uri="{0D108BD9-81ED-4DB2-BD59-A6C34878D82A}">
-                    <a16:rowId xmlns:a16="http://schemas.microsoft.com/office/drawing/2014/main" val="4003450833"/>
-                  </a:ext>
-                </a:extLst>
-              </a:tr>
-              <a:tr h="269131">
-                <a:tc>
-                  <a:txBody>
-                    <a:bodyPr/>
-                    <a:lstStyle/>
-                    <a:p>
-                      <a:pPr algn="ctr"/>
-                      <a:r>
-                        <a:rPr lang="es-CO" sz="1000" dirty="0"/>
-                        <a:t>9</a:t>
-                      </a:r>
-                    </a:p>
-                  </a:txBody>
-                  <a:tcPr>
-                    <a:lnL w="12700" cap="flat" cmpd="sng" algn="ctr">
-                      <a:solidFill>
-                        <a:schemeClr val="tx1"/>
-                      </a:solidFill>
-                      <a:prstDash val="solid"/>
-                      <a:round/>
-                      <a:headEnd type="none" w="med" len="med"/>
-                      <a:tailEnd type="none" w="med" len="med"/>
-                    </a:lnL>
-                    <a:lnR w="12700" cap="flat" cmpd="sng" algn="ctr">
-                      <a:solidFill>
-                        <a:schemeClr val="tx1"/>
-                      </a:solidFill>
-                      <a:prstDash val="solid"/>
-                      <a:round/>
-                      <a:headEnd type="none" w="med" len="med"/>
-                      <a:tailEnd type="none" w="med" len="med"/>
-                    </a:lnR>
-                    <a:lnT w="12700" cap="flat" cmpd="sng" algn="ctr">
-                      <a:solidFill>
-                        <a:schemeClr val="tx1"/>
-                      </a:solidFill>
-                      <a:prstDash val="solid"/>
-                      <a:round/>
-                      <a:headEnd type="none" w="med" len="med"/>
-                      <a:tailEnd type="none" w="med" len="med"/>
-                    </a:lnT>
-                    <a:lnB w="12700" cap="flat" cmpd="sng" algn="ctr">
-                      <a:solidFill>
-                        <a:schemeClr val="tx1"/>
-                      </a:solidFill>
-                      <a:prstDash val="solid"/>
-                      <a:round/>
-                      <a:headEnd type="none" w="med" len="med"/>
-                      <a:tailEnd type="none" w="med" len="med"/>
-                    </a:lnB>
-                  </a:tcPr>
-                </a:tc>
-                <a:tc>
-                  <a:txBody>
-                    <a:bodyPr/>
-                    <a:lstStyle/>
-                    <a:p>
-                      <a:pPr algn="ctr"/>
-                      <a:r>
-                        <a:rPr lang="es-CO" sz="1000" dirty="0">
-                          <a:solidFill>
-                            <a:schemeClr val="tx1"/>
-                          </a:solidFill>
-                        </a:rPr>
-                        <a:t>31 marzo – 4 abril</a:t>
-                      </a:r>
-                    </a:p>
-                  </a:txBody>
-                  <a:tcPr>
-                    <a:lnL w="12700" cap="flat" cmpd="sng" algn="ctr">
-                      <a:solidFill>
-                        <a:schemeClr val="tx1"/>
-                      </a:solidFill>
-                      <a:prstDash val="solid"/>
-                      <a:round/>
-                      <a:headEnd type="none" w="med" len="med"/>
-                      <a:tailEnd type="none" w="med" len="med"/>
-                    </a:lnL>
-                    <a:lnR w="12700" cap="flat" cmpd="sng" algn="ctr">
-                      <a:solidFill>
-                        <a:schemeClr val="tx1"/>
-                      </a:solidFill>
-                      <a:prstDash val="solid"/>
-                      <a:round/>
-                      <a:headEnd type="none" w="med" len="med"/>
-                      <a:tailEnd type="none" w="med" len="med"/>
-                    </a:lnR>
-                    <a:lnT w="12700" cap="flat" cmpd="sng" algn="ctr">
-                      <a:solidFill>
-                        <a:schemeClr val="tx1"/>
-                      </a:solidFill>
-                      <a:prstDash val="solid"/>
-                      <a:round/>
-                      <a:headEnd type="none" w="med" len="med"/>
-                      <a:tailEnd type="none" w="med" len="med"/>
-                    </a:lnT>
-                    <a:lnB w="12700" cap="flat" cmpd="sng" algn="ctr">
-                      <a:solidFill>
-                        <a:schemeClr val="tx1"/>
-                      </a:solidFill>
-                      <a:prstDash val="solid"/>
-                      <a:round/>
-                      <a:headEnd type="none" w="med" len="med"/>
-                      <a:tailEnd type="none" w="med" len="med"/>
-                    </a:lnB>
-                  </a:tcPr>
-                </a:tc>
-                <a:tc>
-                  <a:txBody>
-                    <a:bodyPr/>
-                    <a:lstStyle/>
-                    <a:p>
-                      <a:pPr algn="ctr"/>
-                      <a:r>
-                        <a:rPr lang="es-ES" sz="1000" dirty="0"/>
-                        <a:t>Ciclo </a:t>
-                      </a:r>
-                      <a:r>
-                        <a:rPr lang="es-ES" sz="1000" dirty="0" err="1"/>
-                        <a:t>For</a:t>
-                      </a:r>
-                      <a:r>
-                        <a:rPr lang="es-ES" sz="1000" dirty="0"/>
-                        <a:t> en Cascada</a:t>
-                      </a:r>
-                      <a:endParaRPr lang="es-ES" sz="1000" dirty="0">
-                        <a:highlight>
-                          <a:srgbClr val="FFFF00"/>
-                        </a:highlight>
-                      </a:endParaRPr>
-                    </a:p>
-                  </a:txBody>
-                  <a:tcPr>
-                    <a:lnL w="12700" cap="flat" cmpd="sng" algn="ctr">
-                      <a:solidFill>
-                        <a:schemeClr val="tx1"/>
-                      </a:solidFill>
-                      <a:prstDash val="solid"/>
-                      <a:round/>
-                      <a:headEnd type="none" w="med" len="med"/>
-                      <a:tailEnd type="none" w="med" len="med"/>
-                    </a:lnL>
-                    <a:lnR w="12700" cap="flat" cmpd="sng" algn="ctr">
-                      <a:solidFill>
-                        <a:schemeClr val="tx1"/>
-                      </a:solidFill>
-                      <a:prstDash val="solid"/>
-                      <a:round/>
-                      <a:headEnd type="none" w="med" len="med"/>
-                      <a:tailEnd type="none" w="med" len="med"/>
-                    </a:lnR>
-                    <a:lnT w="12700" cap="flat" cmpd="sng" algn="ctr">
-                      <a:solidFill>
-                        <a:schemeClr val="tx1"/>
-                      </a:solidFill>
-                      <a:prstDash val="solid"/>
-                      <a:round/>
-                      <a:headEnd type="none" w="med" len="med"/>
-                      <a:tailEnd type="none" w="med" len="med"/>
-                    </a:lnT>
-                    <a:lnB w="12700" cap="flat" cmpd="sng" algn="ctr">
-                      <a:solidFill>
-                        <a:schemeClr val="tx1"/>
-                      </a:solidFill>
-                      <a:prstDash val="solid"/>
-                      <a:round/>
-                      <a:headEnd type="none" w="med" len="med"/>
-                      <a:tailEnd type="none" w="med" len="med"/>
-                    </a:lnB>
-                  </a:tcPr>
-                </a:tc>
-                <a:extLst>
-                  <a:ext uri="{0D108BD9-81ED-4DB2-BD59-A6C34878D82A}">
-                    <a16:rowId xmlns:a16="http://schemas.microsoft.com/office/drawing/2014/main" val="3557391392"/>
-                  </a:ext>
-                </a:extLst>
-              </a:tr>
-              <a:tr h="283543">
-                <a:tc>
-                  <a:txBody>
-                    <a:bodyPr/>
-                    <a:lstStyle/>
-                    <a:p>
-                      <a:pPr algn="ctr"/>
-                      <a:r>
-                        <a:rPr lang="es-ES" sz="1000" dirty="0"/>
-                        <a:t>10</a:t>
-                      </a:r>
-                      <a:endParaRPr lang="es-CO" sz="1000" dirty="0"/>
-                    </a:p>
-                  </a:txBody>
-                  <a:tcPr>
-                    <a:lnL w="12700" cap="flat" cmpd="sng" algn="ctr">
-                      <a:solidFill>
-                        <a:schemeClr val="tx1"/>
-                      </a:solidFill>
-                      <a:prstDash val="solid"/>
-                      <a:round/>
-                      <a:headEnd type="none" w="med" len="med"/>
-                      <a:tailEnd type="none" w="med" len="med"/>
-                    </a:lnL>
-                    <a:lnR w="12700" cap="flat" cmpd="sng" algn="ctr">
-                      <a:solidFill>
-                        <a:schemeClr val="tx1"/>
-                      </a:solidFill>
-                      <a:prstDash val="solid"/>
-                      <a:round/>
-                      <a:headEnd type="none" w="med" len="med"/>
-                      <a:tailEnd type="none" w="med" len="med"/>
-                    </a:lnR>
-                    <a:lnT w="12700" cap="flat" cmpd="sng" algn="ctr">
-                      <a:solidFill>
-                        <a:schemeClr val="tx1"/>
-                      </a:solidFill>
-                      <a:prstDash val="solid"/>
-                      <a:round/>
-                      <a:headEnd type="none" w="med" len="med"/>
-                      <a:tailEnd type="none" w="med" len="med"/>
-                    </a:lnT>
-                    <a:lnB w="12700" cap="flat" cmpd="sng" algn="ctr">
-                      <a:solidFill>
-                        <a:schemeClr val="tx1"/>
-                      </a:solidFill>
-                      <a:prstDash val="solid"/>
-                      <a:round/>
-                      <a:headEnd type="none" w="med" len="med"/>
-                      <a:tailEnd type="none" w="med" len="med"/>
-                    </a:lnB>
-                  </a:tcPr>
-                </a:tc>
-                <a:tc>
-                  <a:txBody>
-                    <a:bodyPr/>
-                    <a:lstStyle/>
-                    <a:p>
-                      <a:pPr algn="ctr"/>
-                      <a:r>
-                        <a:rPr lang="es-CO" sz="1000" dirty="0"/>
-                        <a:t>7 abril – 11 abril</a:t>
-                      </a:r>
-                    </a:p>
-                  </a:txBody>
-                  <a:tcPr>
-                    <a:lnL w="12700" cap="flat" cmpd="sng" algn="ctr">
-                      <a:solidFill>
-                        <a:schemeClr val="tx1"/>
-                      </a:solidFill>
-                      <a:prstDash val="solid"/>
-                      <a:round/>
-                      <a:headEnd type="none" w="med" len="med"/>
-                      <a:tailEnd type="none" w="med" len="med"/>
-                    </a:lnL>
-                    <a:lnR w="12700" cap="flat" cmpd="sng" algn="ctr">
-                      <a:solidFill>
-                        <a:schemeClr val="tx1"/>
-                      </a:solidFill>
-                      <a:prstDash val="solid"/>
-                      <a:round/>
-                      <a:headEnd type="none" w="med" len="med"/>
-                      <a:tailEnd type="none" w="med" len="med"/>
-                    </a:lnR>
-                    <a:lnT w="12700" cap="flat" cmpd="sng" algn="ctr">
-                      <a:solidFill>
-                        <a:schemeClr val="tx1"/>
-                      </a:solidFill>
-                      <a:prstDash val="solid"/>
-                      <a:round/>
-                      <a:headEnd type="none" w="med" len="med"/>
-                      <a:tailEnd type="none" w="med" len="med"/>
-                    </a:lnT>
-                    <a:lnB w="12700" cap="flat" cmpd="sng" algn="ctr">
-                      <a:solidFill>
-                        <a:schemeClr val="tx1"/>
-                      </a:solidFill>
-                      <a:prstDash val="solid"/>
-                      <a:round/>
-                      <a:headEnd type="none" w="med" len="med"/>
-                      <a:tailEnd type="none" w="med" len="med"/>
-                    </a:lnB>
-                  </a:tcPr>
-                </a:tc>
-                <a:tc>
-                  <a:txBody>
-                    <a:bodyPr/>
-                    <a:lstStyle/>
-                    <a:p>
-                      <a:pPr marL="0" marR="0" lvl="0" indent="0" algn="ctr" defTabSz="685800" rtl="0" eaLnBrk="1" fontAlgn="auto" latinLnBrk="0" hangingPunct="1">
-                        <a:lnSpc>
-                          <a:spcPct val="100000"/>
-                        </a:lnSpc>
-                        <a:spcBef>
-                          <a:spcPts val="0"/>
-                        </a:spcBef>
-                        <a:spcAft>
-                          <a:spcPts val="0"/>
-                        </a:spcAft>
-                        <a:buClrTx/>
-                        <a:buSzTx/>
-                        <a:buFontTx/>
-                        <a:buNone/>
-                        <a:tabLst/>
-                        <a:defRPr/>
-                      </a:pPr>
-                      <a:r>
-                        <a:rPr lang="es-ES" sz="1000" dirty="0"/>
-                        <a:t>Ciclo </a:t>
-                      </a:r>
-                      <a:r>
-                        <a:rPr lang="es-ES" sz="1000" dirty="0" err="1"/>
-                        <a:t>While</a:t>
-                      </a:r>
-                      <a:endParaRPr lang="es-ES" sz="1000" dirty="0"/>
                     </a:p>
                   </a:txBody>
                   <a:tcPr>
@@ -12900,15 +11733,7 @@
                       </a:pPr>
                       <a:r>
                         <a:rPr lang="es-CO" sz="1000" dirty="0"/>
-                        <a:t>Ciclo </a:t>
-                      </a:r>
-                      <a:r>
-                        <a:rPr lang="es-CO" sz="1000" dirty="0" err="1"/>
-                        <a:t>While</a:t>
-                      </a:r>
-                      <a:r>
-                        <a:rPr lang="es-CO" sz="1000" dirty="0"/>
-                        <a:t> Anidado</a:t>
+                        <a:t>Laboratorio</a:t>
                       </a:r>
                     </a:p>
                   </a:txBody>
@@ -13087,16 +11912,12 @@
                         <a:defRPr/>
                       </a:pPr>
                       <a:r>
-                        <a:rPr lang="es-CO" sz="1000" dirty="0"/>
-                        <a:t>Ciclo </a:t>
-                      </a:r>
-                      <a:r>
-                        <a:rPr lang="es-CO" sz="1000" dirty="0" err="1"/>
-                        <a:t>While</a:t>
-                      </a:r>
-                      <a:r>
-                        <a:rPr lang="es-CO" sz="1000" dirty="0"/>
-                        <a:t> en cascada</a:t>
+                        <a:rPr lang="es-CO" sz="1000" b="1" u="sng" dirty="0">
+                          <a:solidFill>
+                            <a:srgbClr val="C00000"/>
+                          </a:solidFill>
+                        </a:rPr>
+                        <a:t>Entrega Proyecto II</a:t>
                       </a:r>
                     </a:p>
                   </a:txBody>
@@ -13287,12 +12108,8 @@
                         <a:defRPr/>
                       </a:pPr>
                       <a:r>
-                        <a:rPr lang="es-CO" sz="1000" b="1" u="sng" dirty="0">
-                          <a:solidFill>
-                            <a:srgbClr val="C00000"/>
-                          </a:solidFill>
-                        </a:rPr>
-                        <a:t>Examen Parcial 2</a:t>
+                        <a:rPr lang="es-CO" sz="1000" dirty="0"/>
+                        <a:t>Comunicaciones RS232</a:t>
                       </a:r>
                     </a:p>
                   </a:txBody>
@@ -13488,7 +12305,7 @@
                       </a:pPr>
                       <a:r>
                         <a:rPr lang="es-CO" sz="1000" dirty="0"/>
-                        <a:t>Objetos</a:t>
+                        <a:t>Comunicaciones I2C </a:t>
                       </a:r>
                     </a:p>
                   </a:txBody>
@@ -13666,10 +12483,26 @@
                     <a:bodyPr/>
                     <a:lstStyle/>
                     <a:p>
-                      <a:pPr algn="ctr"/>
+                      <a:pPr marL="0" marR="0" lvl="0" indent="0" algn="ctr" defTabSz="685800" rtl="0" eaLnBrk="1" fontAlgn="auto" latinLnBrk="0" hangingPunct="1">
+                        <a:lnSpc>
+                          <a:spcPct val="100000"/>
+                        </a:lnSpc>
+                        <a:spcBef>
+                          <a:spcPts val="0"/>
+                        </a:spcBef>
+                        <a:spcAft>
+                          <a:spcPts val="0"/>
+                        </a:spcAft>
+                        <a:buClrTx/>
+                        <a:buSzTx/>
+                        <a:buFontTx/>
+                        <a:buNone/>
+                        <a:tabLst/>
+                        <a:defRPr/>
+                      </a:pPr>
                       <a:r>
                         <a:rPr lang="es-CO" sz="1000" dirty="0"/>
-                        <a:t>Constructor</a:t>
+                        <a:t>Comunicaciones I2S</a:t>
                       </a:r>
                     </a:p>
                   </a:txBody>
@@ -13782,6 +12615,9 @@
                           <a:solidFill>
                             <a:schemeClr val="tx1"/>
                           </a:solidFill>
+                          <a:highlight>
+                            <a:srgbClr val="FF00FF"/>
+                          </a:highlight>
                         </a:rPr>
                         <a:t>19 mayo – 23 mayo</a:t>
                       </a:r>
@@ -13849,12 +12685,15 @@
                         <a:defRPr/>
                       </a:pPr>
                       <a:r>
-                        <a:rPr lang="es-CO" sz="1000" b="0" u="none" dirty="0">
+                        <a:rPr lang="es-CO" sz="1000" b="0" i="0" u="none" dirty="0">
                           <a:solidFill>
                             <a:schemeClr val="tx1"/>
                           </a:solidFill>
+                          <a:highlight>
+                            <a:srgbClr val="FF00FF"/>
+                          </a:highlight>
                         </a:rPr>
-                        <a:t>Destructor</a:t>
+                        <a:t>Arduino + AI </a:t>
                       </a:r>
                     </a:p>
                   </a:txBody>
@@ -14018,12 +12857,12 @@
                     <a:p>
                       <a:pPr algn="ctr"/>
                       <a:r>
-                        <a:rPr lang="es-CO" sz="1000" b="0" u="none" dirty="0">
+                        <a:rPr lang="es-CO" sz="1000" b="0" i="0" u="none" dirty="0">
                           <a:solidFill>
                             <a:schemeClr val="tx1"/>
                           </a:solidFill>
                         </a:rPr>
-                        <a:t>Métodos</a:t>
+                        <a:t>Laboratorio</a:t>
                       </a:r>
                     </a:p>
                   </a:txBody>
@@ -14141,187 +12980,6 @@
                         </a:rPr>
                         <a:t>2 junio – 6 junio </a:t>
                       </a:r>
-                    </a:p>
-                  </a:txBody>
-                  <a:tcPr>
-                    <a:lnL w="12700" cap="flat" cmpd="sng" algn="ctr">
-                      <a:solidFill>
-                        <a:schemeClr val="tx1"/>
-                      </a:solidFill>
-                      <a:prstDash val="solid"/>
-                      <a:round/>
-                      <a:headEnd type="none" w="med" len="med"/>
-                      <a:tailEnd type="none" w="med" len="med"/>
-                    </a:lnL>
-                    <a:lnR w="12700" cap="flat" cmpd="sng" algn="ctr">
-                      <a:solidFill>
-                        <a:schemeClr val="tx1"/>
-                      </a:solidFill>
-                      <a:prstDash val="solid"/>
-                      <a:round/>
-                      <a:headEnd type="none" w="med" len="med"/>
-                      <a:tailEnd type="none" w="med" len="med"/>
-                    </a:lnR>
-                    <a:lnT w="12700" cap="flat" cmpd="sng" algn="ctr">
-                      <a:solidFill>
-                        <a:schemeClr val="tx1"/>
-                      </a:solidFill>
-                      <a:prstDash val="solid"/>
-                      <a:round/>
-                      <a:headEnd type="none" w="med" len="med"/>
-                      <a:tailEnd type="none" w="med" len="med"/>
-                    </a:lnT>
-                    <a:lnB w="12700" cap="flat" cmpd="sng" algn="ctr">
-                      <a:solidFill>
-                        <a:schemeClr val="tx1"/>
-                      </a:solidFill>
-                      <a:prstDash val="solid"/>
-                      <a:round/>
-                      <a:headEnd type="none" w="med" len="med"/>
-                      <a:tailEnd type="none" w="med" len="med"/>
-                    </a:lnB>
-                  </a:tcPr>
-                </a:tc>
-                <a:tc>
-                  <a:txBody>
-                    <a:bodyPr/>
-                    <a:lstStyle/>
-                    <a:p>
-                      <a:pPr marL="0" marR="0" lvl="0" indent="0" algn="ctr" defTabSz="685800" rtl="0" eaLnBrk="1" fontAlgn="auto" latinLnBrk="0" hangingPunct="1">
-                        <a:lnSpc>
-                          <a:spcPct val="100000"/>
-                        </a:lnSpc>
-                        <a:spcBef>
-                          <a:spcPts val="0"/>
-                        </a:spcBef>
-                        <a:spcAft>
-                          <a:spcPts val="0"/>
-                        </a:spcAft>
-                        <a:buClrTx/>
-                        <a:buSzTx/>
-                        <a:buFontTx/>
-                        <a:buNone/>
-                        <a:tabLst/>
-                        <a:defRPr/>
-                      </a:pPr>
-                      <a:r>
-                        <a:rPr lang="es-CO" sz="1000" b="0" u="none" dirty="0">
-                          <a:solidFill>
-                            <a:schemeClr val="tx1"/>
-                          </a:solidFill>
-                        </a:rPr>
-                        <a:t>Clases</a:t>
-                      </a:r>
-                    </a:p>
-                  </a:txBody>
-                  <a:tcPr>
-                    <a:lnL w="12700" cap="flat" cmpd="sng" algn="ctr">
-                      <a:solidFill>
-                        <a:schemeClr val="tx1"/>
-                      </a:solidFill>
-                      <a:prstDash val="solid"/>
-                      <a:round/>
-                      <a:headEnd type="none" w="med" len="med"/>
-                      <a:tailEnd type="none" w="med" len="med"/>
-                    </a:lnL>
-                    <a:lnR w="12700" cap="flat" cmpd="sng" algn="ctr">
-                      <a:solidFill>
-                        <a:schemeClr val="tx1"/>
-                      </a:solidFill>
-                      <a:prstDash val="solid"/>
-                      <a:round/>
-                      <a:headEnd type="none" w="med" len="med"/>
-                      <a:tailEnd type="none" w="med" len="med"/>
-                    </a:lnR>
-                    <a:lnT w="12700" cap="flat" cmpd="sng" algn="ctr">
-                      <a:solidFill>
-                        <a:schemeClr val="tx1"/>
-                      </a:solidFill>
-                      <a:prstDash val="solid"/>
-                      <a:round/>
-                      <a:headEnd type="none" w="med" len="med"/>
-                      <a:tailEnd type="none" w="med" len="med"/>
-                    </a:lnT>
-                    <a:lnB w="12700" cap="flat" cmpd="sng" algn="ctr">
-                      <a:solidFill>
-                        <a:schemeClr val="tx1"/>
-                      </a:solidFill>
-                      <a:prstDash val="solid"/>
-                      <a:round/>
-                      <a:headEnd type="none" w="med" len="med"/>
-                      <a:tailEnd type="none" w="med" len="med"/>
-                    </a:lnB>
-                  </a:tcPr>
-                </a:tc>
-                <a:extLst>
-                  <a:ext uri="{0D108BD9-81ED-4DB2-BD59-A6C34878D82A}">
-                    <a16:rowId xmlns:a16="http://schemas.microsoft.com/office/drawing/2014/main" val="747768826"/>
-                  </a:ext>
-                </a:extLst>
-              </a:tr>
-              <a:tr h="269131">
-                <a:tc>
-                  <a:txBody>
-                    <a:bodyPr/>
-                    <a:lstStyle/>
-                    <a:p>
-                      <a:pPr algn="ctr"/>
-                      <a:r>
-                        <a:rPr lang="es-CO" sz="1000" dirty="0"/>
-                        <a:t>19</a:t>
-                      </a:r>
-                    </a:p>
-                  </a:txBody>
-                  <a:tcPr>
-                    <a:lnL w="12700" cap="flat" cmpd="sng" algn="ctr">
-                      <a:solidFill>
-                        <a:schemeClr val="tx1"/>
-                      </a:solidFill>
-                      <a:prstDash val="solid"/>
-                      <a:round/>
-                      <a:headEnd type="none" w="med" len="med"/>
-                      <a:tailEnd type="none" w="med" len="med"/>
-                    </a:lnL>
-                    <a:lnR w="12700" cap="flat" cmpd="sng" algn="ctr">
-                      <a:solidFill>
-                        <a:schemeClr val="tx1"/>
-                      </a:solidFill>
-                      <a:prstDash val="solid"/>
-                      <a:round/>
-                      <a:headEnd type="none" w="med" len="med"/>
-                      <a:tailEnd type="none" w="med" len="med"/>
-                    </a:lnR>
-                    <a:lnT w="12700" cap="flat" cmpd="sng" algn="ctr">
-                      <a:solidFill>
-                        <a:schemeClr val="tx1"/>
-                      </a:solidFill>
-                      <a:prstDash val="solid"/>
-                      <a:round/>
-                      <a:headEnd type="none" w="med" len="med"/>
-                      <a:tailEnd type="none" w="med" len="med"/>
-                    </a:lnT>
-                    <a:lnB w="12700" cap="flat" cmpd="sng" algn="ctr">
-                      <a:solidFill>
-                        <a:schemeClr val="tx1"/>
-                      </a:solidFill>
-                      <a:prstDash val="solid"/>
-                      <a:round/>
-                      <a:headEnd type="none" w="med" len="med"/>
-                      <a:tailEnd type="none" w="med" len="med"/>
-                    </a:lnB>
-                  </a:tcPr>
-                </a:tc>
-                <a:tc>
-                  <a:txBody>
-                    <a:bodyPr/>
-                    <a:lstStyle/>
-                    <a:p>
-                      <a:pPr algn="ctr"/>
-                      <a:endParaRPr lang="es-CO" sz="1000" dirty="0">
-                        <a:solidFill>
-                          <a:schemeClr val="tx1"/>
-                        </a:solidFill>
-                      </a:endParaRPr>
                     </a:p>
                   </a:txBody>
                   <a:tcPr>
@@ -14391,7 +13049,7 @@
                             <a:srgbClr val="C00000"/>
                           </a:solidFill>
                         </a:rPr>
-                        <a:t>Examen Final</a:t>
+                        <a:t>Entrega Proyecto Final</a:t>
                       </a:r>
                     </a:p>
                   </a:txBody>
@@ -14436,7 +13094,7 @@
                 </a:tc>
                 <a:extLst>
                   <a:ext uri="{0D108BD9-81ED-4DB2-BD59-A6C34878D82A}">
-                    <a16:rowId xmlns:a16="http://schemas.microsoft.com/office/drawing/2014/main" val="4128284738"/>
+                    <a16:rowId xmlns:a16="http://schemas.microsoft.com/office/drawing/2014/main" val="747768826"/>
                   </a:ext>
                 </a:extLst>
               </a:tr>
@@ -14444,6 +13102,197 @@
           </a:graphicData>
         </a:graphic>
       </p:graphicFrame>
+      <p:sp>
+        <p:nvSpPr>
+          <p:cNvPr id="2" name="CuadroTexto 1">
+            <a:extLst>
+              <a:ext uri="{FF2B5EF4-FFF2-40B4-BE49-F238E27FC236}">
+                <a16:creationId xmlns:a16="http://schemas.microsoft.com/office/drawing/2014/main" id="{DC12FCB8-0305-E041-1893-DDFE85DEBAFF}"/>
+              </a:ext>
+            </a:extLst>
+          </p:cNvPr>
+          <p:cNvSpPr txBox="1"/>
+          <p:nvPr/>
+        </p:nvSpPr>
+        <p:spPr>
+          <a:xfrm>
+            <a:off x="611560" y="5926708"/>
+            <a:ext cx="8064896" cy="523220"/>
+          </a:xfrm>
+          <a:prstGeom prst="rect">
+            <a:avLst/>
+          </a:prstGeom>
+          <a:noFill/>
+        </p:spPr>
+        <p:txBody>
+          <a:bodyPr wrap="square" rtlCol="0">
+            <a:spAutoFit/>
+          </a:bodyPr>
+          <a:lstStyle>
+            <a:defPPr>
+              <a:defRPr lang="es-CO"/>
+            </a:defPPr>
+            <a:lvl1pPr marL="0" algn="l" defTabSz="914400" rtl="0" eaLnBrk="1" latinLnBrk="0" hangingPunct="1">
+              <a:defRPr sz="1800" kern="1200">
+                <a:solidFill>
+                  <a:schemeClr val="tx1"/>
+                </a:solidFill>
+                <a:latin typeface="+mn-lt"/>
+                <a:ea typeface="+mn-ea"/>
+                <a:cs typeface="+mn-cs"/>
+              </a:defRPr>
+            </a:lvl1pPr>
+            <a:lvl2pPr marL="457200" algn="l" defTabSz="914400" rtl="0" eaLnBrk="1" latinLnBrk="0" hangingPunct="1">
+              <a:defRPr sz="1800" kern="1200">
+                <a:solidFill>
+                  <a:schemeClr val="tx1"/>
+                </a:solidFill>
+                <a:latin typeface="+mn-lt"/>
+                <a:ea typeface="+mn-ea"/>
+                <a:cs typeface="+mn-cs"/>
+              </a:defRPr>
+            </a:lvl2pPr>
+            <a:lvl3pPr marL="914400" algn="l" defTabSz="914400" rtl="0" eaLnBrk="1" latinLnBrk="0" hangingPunct="1">
+              <a:defRPr sz="1800" kern="1200">
+                <a:solidFill>
+                  <a:schemeClr val="tx1"/>
+                </a:solidFill>
+                <a:latin typeface="+mn-lt"/>
+                <a:ea typeface="+mn-ea"/>
+                <a:cs typeface="+mn-cs"/>
+              </a:defRPr>
+            </a:lvl3pPr>
+            <a:lvl4pPr marL="1371600" algn="l" defTabSz="914400" rtl="0" eaLnBrk="1" latinLnBrk="0" hangingPunct="1">
+              <a:defRPr sz="1800" kern="1200">
+                <a:solidFill>
+                  <a:schemeClr val="tx1"/>
+                </a:solidFill>
+                <a:latin typeface="+mn-lt"/>
+                <a:ea typeface="+mn-ea"/>
+                <a:cs typeface="+mn-cs"/>
+              </a:defRPr>
+            </a:lvl4pPr>
+            <a:lvl5pPr marL="1828800" algn="l" defTabSz="914400" rtl="0" eaLnBrk="1" latinLnBrk="0" hangingPunct="1">
+              <a:defRPr sz="1800" kern="1200">
+                <a:solidFill>
+                  <a:schemeClr val="tx1"/>
+                </a:solidFill>
+                <a:latin typeface="+mn-lt"/>
+                <a:ea typeface="+mn-ea"/>
+                <a:cs typeface="+mn-cs"/>
+              </a:defRPr>
+            </a:lvl5pPr>
+            <a:lvl6pPr marL="2286000" algn="l" defTabSz="914400" rtl="0" eaLnBrk="1" latinLnBrk="0" hangingPunct="1">
+              <a:defRPr sz="1800" kern="1200">
+                <a:solidFill>
+                  <a:schemeClr val="tx1"/>
+                </a:solidFill>
+                <a:latin typeface="+mn-lt"/>
+                <a:ea typeface="+mn-ea"/>
+                <a:cs typeface="+mn-cs"/>
+              </a:defRPr>
+            </a:lvl6pPr>
+            <a:lvl7pPr marL="2743200" algn="l" defTabSz="914400" rtl="0" eaLnBrk="1" latinLnBrk="0" hangingPunct="1">
+              <a:defRPr sz="1800" kern="1200">
+                <a:solidFill>
+                  <a:schemeClr val="tx1"/>
+                </a:solidFill>
+                <a:latin typeface="+mn-lt"/>
+                <a:ea typeface="+mn-ea"/>
+                <a:cs typeface="+mn-cs"/>
+              </a:defRPr>
+            </a:lvl7pPr>
+            <a:lvl8pPr marL="3200400" algn="l" defTabSz="914400" rtl="0" eaLnBrk="1" latinLnBrk="0" hangingPunct="1">
+              <a:defRPr sz="1800" kern="1200">
+                <a:solidFill>
+                  <a:schemeClr val="tx1"/>
+                </a:solidFill>
+                <a:latin typeface="+mn-lt"/>
+                <a:ea typeface="+mn-ea"/>
+                <a:cs typeface="+mn-cs"/>
+              </a:defRPr>
+            </a:lvl8pPr>
+            <a:lvl9pPr marL="3657600" algn="l" defTabSz="914400" rtl="0" eaLnBrk="1" latinLnBrk="0" hangingPunct="1">
+              <a:defRPr sz="1800" kern="1200">
+                <a:solidFill>
+                  <a:schemeClr val="tx1"/>
+                </a:solidFill>
+                <a:latin typeface="+mn-lt"/>
+                <a:ea typeface="+mn-ea"/>
+                <a:cs typeface="+mn-cs"/>
+              </a:defRPr>
+            </a:lvl9pPr>
+          </a:lstStyle>
+          <a:p>
+            <a:r>
+              <a:rPr lang="es-CO" sz="1400" dirty="0">
+                <a:highlight>
+                  <a:srgbClr val="00FFFF"/>
+                </a:highlight>
+              </a:rPr>
+              <a:t>Tarjeta de Desarrollo </a:t>
+            </a:r>
+            <a:r>
+              <a:rPr lang="es-CO" sz="1400" dirty="0" err="1">
+                <a:highlight>
+                  <a:srgbClr val="00FFFF"/>
+                </a:highlight>
+              </a:rPr>
+              <a:t>PSoc</a:t>
+            </a:r>
+            <a:r>
+              <a:rPr lang="es-CO" sz="1400" dirty="0">
+                <a:highlight>
+                  <a:srgbClr val="00FFFF"/>
+                </a:highlight>
+              </a:rPr>
+              <a:t> 5LP</a:t>
+            </a:r>
+          </a:p>
+          <a:p>
+            <a:r>
+              <a:rPr lang="es-CO" sz="1400" dirty="0">
+                <a:highlight>
+                  <a:srgbClr val="FF00FF"/>
+                </a:highlight>
+              </a:rPr>
+              <a:t>Tarjeta de Desarrollo Arduino Nano BLE </a:t>
+            </a:r>
+            <a:r>
+              <a:rPr lang="es-CO" sz="1400" dirty="0" err="1">
+                <a:highlight>
+                  <a:srgbClr val="FF00FF"/>
+                </a:highlight>
+              </a:rPr>
+              <a:t>sense</a:t>
+            </a:r>
+            <a:r>
+              <a:rPr lang="es-CO" sz="1400" dirty="0">
+                <a:highlight>
+                  <a:srgbClr val="FF00FF"/>
+                </a:highlight>
+              </a:rPr>
+              <a:t> </a:t>
+            </a:r>
+            <a:r>
+              <a:rPr lang="es-CO" sz="1400" dirty="0" err="1">
+                <a:highlight>
+                  <a:srgbClr val="FF00FF"/>
+                </a:highlight>
+              </a:rPr>
+              <a:t>Rev</a:t>
+            </a:r>
+            <a:r>
+              <a:rPr lang="es-CO" sz="1400" dirty="0">
+                <a:highlight>
+                  <a:srgbClr val="FF00FF"/>
+                </a:highlight>
+              </a:rPr>
+              <a:t> 2</a:t>
+            </a:r>
+          </a:p>
+        </p:txBody>
+      </p:sp>
     </p:spTree>
     <p:extLst>
       <p:ext uri="{BB962C8B-B14F-4D97-AF65-F5344CB8AC3E}">
@@ -14730,7 +13579,7 @@
                   </a:schemeClr>
                 </a:solidFill>
               </a:rPr>
-              <a:t>PROGRAMACIÓN</a:t>
+              <a:t> 6025 MICROCONTROLADORES</a:t>
             </a:r>
           </a:p>
         </p:txBody>
@@ -14797,14 +13646,14 @@
           <p:nvPr>
             <p:extLst>
               <p:ext uri="{D42A27DB-BD31-4B8C-83A1-F6EECF244321}">
-                <p14:modId xmlns:p14="http://schemas.microsoft.com/office/powerpoint/2010/main" val="1405892077"/>
+                <p14:modId xmlns:p14="http://schemas.microsoft.com/office/powerpoint/2010/main" val="956353531"/>
               </p:ext>
             </p:extLst>
           </p:nvPr>
         </p:nvGraphicFramePr>
         <p:xfrm>
           <a:off x="1524000" y="1916832"/>
-          <a:ext cx="6096000" cy="2966720"/>
+          <a:ext cx="6096000" cy="2727960"/>
         </p:xfrm>
         <a:graphic>
           <a:graphicData uri="http://schemas.openxmlformats.org/drawingml/2006/table">
@@ -15147,69 +13996,6 @@
                     <a:p>
                       <a:r>
                         <a:rPr lang="es-CO" dirty="0"/>
-                        <a:t>//</a:t>
-                      </a:r>
-                    </a:p>
-                  </a:txBody>
-                  <a:tcPr/>
-                </a:tc>
-                <a:tc>
-                  <a:txBody>
-                    <a:bodyPr/>
-                    <a:lstStyle/>
-                    <a:p>
-                      <a:r>
-                        <a:rPr lang="es-CO" dirty="0" err="1"/>
-                        <a:t>Div</a:t>
-                      </a:r>
-                      <a:r>
-                        <a:rPr lang="es-CO" dirty="0"/>
-                        <a:t> entera</a:t>
-                      </a:r>
-                    </a:p>
-                  </a:txBody>
-                  <a:tcPr/>
-                </a:tc>
-                <a:tc>
-                  <a:txBody>
-                    <a:bodyPr/>
-                    <a:lstStyle/>
-                    <a:p>
-                      <a:r>
-                        <a:rPr lang="es-CO" dirty="0"/>
-                        <a:t>5//2</a:t>
-                      </a:r>
-                    </a:p>
-                  </a:txBody>
-                  <a:tcPr/>
-                </a:tc>
-                <a:tc>
-                  <a:txBody>
-                    <a:bodyPr/>
-                    <a:lstStyle/>
-                    <a:p>
-                      <a:r>
-                        <a:rPr lang="es-CO" dirty="0"/>
-                        <a:t>2</a:t>
-                      </a:r>
-                    </a:p>
-                  </a:txBody>
-                  <a:tcPr/>
-                </a:tc>
-                <a:extLst>
-                  <a:ext uri="{0D108BD9-81ED-4DB2-BD59-A6C34878D82A}">
-                    <a16:rowId xmlns:a16="http://schemas.microsoft.com/office/drawing/2014/main" val="2072606227"/>
-                  </a:ext>
-                </a:extLst>
-              </a:tr>
-              <a:tr h="370840">
-                <a:tc>
-                  <a:txBody>
-                    <a:bodyPr/>
-                    <a:lstStyle/>
-                    <a:p>
-                      <a:r>
-                        <a:rPr lang="es-CO" dirty="0"/>
                         <a:t>%</a:t>
                       </a:r>
                     </a:p>
@@ -15273,7 +14059,13 @@
                     <a:p>
                       <a:r>
                         <a:rPr lang="es-CO" dirty="0"/>
-                        <a:t>**</a:t>
+                        <a:t>++</a:t>
+                      </a:r>
+                    </a:p>
+                    <a:p>
+                      <a:r>
+                        <a:rPr lang="es-CO" dirty="0"/>
+                        <a:t>--</a:t>
                       </a:r>
                     </a:p>
                   </a:txBody>
@@ -15286,7 +14078,13 @@
                     <a:p>
                       <a:r>
                         <a:rPr lang="es-CO" dirty="0"/>
-                        <a:t>Potencia</a:t>
+                        <a:t>Incremento</a:t>
+                      </a:r>
+                    </a:p>
+                    <a:p>
+                      <a:r>
+                        <a:rPr lang="es-CO" dirty="0"/>
+                        <a:t>decremento</a:t>
                       </a:r>
                     </a:p>
                   </a:txBody>
@@ -15299,7 +14097,13 @@
                     <a:p>
                       <a:r>
                         <a:rPr lang="es-CO" dirty="0"/>
-                        <a:t>5**2</a:t>
+                        <a:t>i=0</a:t>
+                      </a:r>
+                    </a:p>
+                    <a:p>
+                      <a:r>
+                        <a:rPr lang="es-CO" dirty="0"/>
+                        <a:t>i++</a:t>
                       </a:r>
                     </a:p>
                   </a:txBody>
@@ -15312,7 +14116,7 @@
                     <a:p>
                       <a:r>
                         <a:rPr lang="es-CO" dirty="0"/>
-                        <a:t>25</a:t>
+                        <a:t>2</a:t>
                       </a:r>
                     </a:p>
                   </a:txBody>
@@ -15841,8 +14645,25 @@
                   </a:schemeClr>
                 </a:solidFill>
               </a:rPr>
-              <a:t>PROGRAMACIÓN</a:t>
+              <a:t> 6025 MICROCONTROLADORES</a:t>
             </a:r>
+          </a:p>
+          <a:p>
+            <a:pPr marL="0" indent="0" algn="r" eaLnBrk="1" fontAlgn="auto" hangingPunct="1">
+              <a:spcAft>
+                <a:spcPts val="0"/>
+              </a:spcAft>
+              <a:buNone/>
+              <a:defRPr/>
+            </a:pPr>
+            <a:endParaRPr lang="es-CO" sz="2000" b="1" dirty="0">
+              <a:solidFill>
+                <a:schemeClr val="tx1">
+                  <a:lumMod val="75000"/>
+                  <a:lumOff val="25000"/>
+                </a:schemeClr>
+              </a:solidFill>
+            </a:endParaRPr>
           </a:p>
         </p:txBody>
       </p:sp>
@@ -15893,629 +14714,6 @@
           </a:extLst>
         </p:spPr>
       </p:pic>
-      <p:sp>
-        <p:nvSpPr>
-          <p:cNvPr id="4" name="2 Subtítulo">
-            <a:extLst>
-              <a:ext uri="{FF2B5EF4-FFF2-40B4-BE49-F238E27FC236}">
-                <a16:creationId xmlns:a16="http://schemas.microsoft.com/office/drawing/2014/main" id="{AB8B8B08-E850-1342-E835-3453EC0AD7C1}"/>
-              </a:ext>
-            </a:extLst>
-          </p:cNvPr>
-          <p:cNvSpPr txBox="1">
-            <a:spLocks/>
-          </p:cNvSpPr>
-          <p:nvPr/>
-        </p:nvSpPr>
-        <p:spPr bwMode="auto">
-          <a:xfrm>
-            <a:off x="-588788" y="5160887"/>
-            <a:ext cx="9137302" cy="500063"/>
-          </a:xfrm>
-          <a:prstGeom prst="rect">
-            <a:avLst/>
-          </a:prstGeom>
-          <a:noFill/>
-          <a:ln>
-            <a:noFill/>
-          </a:ln>
-          <a:extLst>
-            <a:ext uri="{909E8E84-426E-40DD-AFC4-6F175D3DCCD1}">
-              <a14:hiddenFill xmlns:a14="http://schemas.microsoft.com/office/drawing/2010/main">
-                <a:solidFill>
-                  <a:srgbClr val="FFFFFF"/>
-                </a:solidFill>
-              </a14:hiddenFill>
-            </a:ext>
-            <a:ext uri="{91240B29-F687-4F45-9708-019B960494DF}">
-              <a14:hiddenLine xmlns:a14="http://schemas.microsoft.com/office/drawing/2010/main" w="9525">
-                <a:solidFill>
-                  <a:srgbClr val="000000"/>
-                </a:solidFill>
-                <a:miter lim="800000"/>
-                <a:headEnd/>
-                <a:tailEnd/>
-              </a14:hiddenLine>
-            </a:ext>
-          </a:extLst>
-        </p:spPr>
-        <p:txBody>
-          <a:bodyPr vert="horz" wrap="square" lIns="91440" tIns="45720" rIns="91440" bIns="45720" numCol="1" rtlCol="0" anchor="t" anchorCtr="0" compatLnSpc="1">
-            <a:prstTxWarp prst="textNoShape">
-              <a:avLst/>
-            </a:prstTxWarp>
-            <a:noAutofit/>
-          </a:bodyPr>
-          <a:lstStyle>
-            <a:lvl1pPr marL="342900" indent="-342900" algn="l" rtl="0" eaLnBrk="0" fontAlgn="base" hangingPunct="0">
-              <a:spcBef>
-                <a:spcPct val="20000"/>
-              </a:spcBef>
-              <a:spcAft>
-                <a:spcPct val="0"/>
-              </a:spcAft>
-              <a:buFont typeface="Arial" panose="020B0604020202020204" pitchFamily="34" charset="0"/>
-              <a:buChar char="•"/>
-              <a:defRPr sz="3200" kern="1200">
-                <a:solidFill>
-                  <a:schemeClr val="tx1"/>
-                </a:solidFill>
-                <a:latin typeface="Arial" pitchFamily="34" charset="0"/>
-                <a:ea typeface="+mn-ea"/>
-                <a:cs typeface="Arial" pitchFamily="34" charset="0"/>
-              </a:defRPr>
-            </a:lvl1pPr>
-            <a:lvl2pPr marL="742950" indent="-285750" algn="l" rtl="0" eaLnBrk="0" fontAlgn="base" hangingPunct="0">
-              <a:spcBef>
-                <a:spcPct val="20000"/>
-              </a:spcBef>
-              <a:spcAft>
-                <a:spcPct val="0"/>
-              </a:spcAft>
-              <a:buFont typeface="Arial" panose="020B0604020202020204" pitchFamily="34" charset="0"/>
-              <a:buChar char="–"/>
-              <a:defRPr sz="2800" kern="1200">
-                <a:solidFill>
-                  <a:schemeClr val="tx1"/>
-                </a:solidFill>
-                <a:latin typeface="Arial" pitchFamily="34" charset="0"/>
-                <a:ea typeface="+mn-ea"/>
-                <a:cs typeface="Arial" pitchFamily="34" charset="0"/>
-              </a:defRPr>
-            </a:lvl2pPr>
-            <a:lvl3pPr marL="1143000" indent="-228600" algn="l" rtl="0" eaLnBrk="0" fontAlgn="base" hangingPunct="0">
-              <a:spcBef>
-                <a:spcPct val="20000"/>
-              </a:spcBef>
-              <a:spcAft>
-                <a:spcPct val="0"/>
-              </a:spcAft>
-              <a:buFont typeface="Arial" panose="020B0604020202020204" pitchFamily="34" charset="0"/>
-              <a:buChar char="•"/>
-              <a:defRPr sz="2400" kern="1200">
-                <a:solidFill>
-                  <a:schemeClr val="tx1"/>
-                </a:solidFill>
-                <a:latin typeface="Arial" pitchFamily="34" charset="0"/>
-                <a:ea typeface="+mn-ea"/>
-                <a:cs typeface="Arial" pitchFamily="34" charset="0"/>
-              </a:defRPr>
-            </a:lvl3pPr>
-            <a:lvl4pPr marL="1600200" indent="-228600" algn="l" rtl="0" eaLnBrk="0" fontAlgn="base" hangingPunct="0">
-              <a:spcBef>
-                <a:spcPct val="20000"/>
-              </a:spcBef>
-              <a:spcAft>
-                <a:spcPct val="0"/>
-              </a:spcAft>
-              <a:buFont typeface="Arial" panose="020B0604020202020204" pitchFamily="34" charset="0"/>
-              <a:buChar char="–"/>
-              <a:defRPr sz="2000" kern="1200">
-                <a:solidFill>
-                  <a:schemeClr val="tx1"/>
-                </a:solidFill>
-                <a:latin typeface="Arial" pitchFamily="34" charset="0"/>
-                <a:ea typeface="+mn-ea"/>
-                <a:cs typeface="Arial" pitchFamily="34" charset="0"/>
-              </a:defRPr>
-            </a:lvl4pPr>
-            <a:lvl5pPr marL="2057400" indent="-228600" algn="l" rtl="0" eaLnBrk="0" fontAlgn="base" hangingPunct="0">
-              <a:spcBef>
-                <a:spcPct val="20000"/>
-              </a:spcBef>
-              <a:spcAft>
-                <a:spcPct val="0"/>
-              </a:spcAft>
-              <a:buFont typeface="Arial" panose="020B0604020202020204" pitchFamily="34" charset="0"/>
-              <a:buChar char="»"/>
-              <a:defRPr sz="2000" kern="1200">
-                <a:solidFill>
-                  <a:schemeClr val="tx1"/>
-                </a:solidFill>
-                <a:latin typeface="Arial" pitchFamily="34" charset="0"/>
-                <a:ea typeface="+mn-ea"/>
-                <a:cs typeface="Arial" pitchFamily="34" charset="0"/>
-              </a:defRPr>
-            </a:lvl5pPr>
-            <a:lvl6pPr marL="2514600" indent="-228600" algn="l" defTabSz="914400" rtl="0" eaLnBrk="1" latinLnBrk="0" hangingPunct="1">
-              <a:spcBef>
-                <a:spcPct val="20000"/>
-              </a:spcBef>
-              <a:buFont typeface="Arial" pitchFamily="34" charset="0"/>
-              <a:buChar char="•"/>
-              <a:defRPr sz="2000" kern="1200">
-                <a:solidFill>
-                  <a:schemeClr val="tx1"/>
-                </a:solidFill>
-                <a:latin typeface="+mn-lt"/>
-                <a:ea typeface="+mn-ea"/>
-                <a:cs typeface="+mn-cs"/>
-              </a:defRPr>
-            </a:lvl6pPr>
-            <a:lvl7pPr marL="2971800" indent="-228600" algn="l" defTabSz="914400" rtl="0" eaLnBrk="1" latinLnBrk="0" hangingPunct="1">
-              <a:spcBef>
-                <a:spcPct val="20000"/>
-              </a:spcBef>
-              <a:buFont typeface="Arial" pitchFamily="34" charset="0"/>
-              <a:buChar char="•"/>
-              <a:defRPr sz="2000" kern="1200">
-                <a:solidFill>
-                  <a:schemeClr val="tx1"/>
-                </a:solidFill>
-                <a:latin typeface="+mn-lt"/>
-                <a:ea typeface="+mn-ea"/>
-                <a:cs typeface="+mn-cs"/>
-              </a:defRPr>
-            </a:lvl7pPr>
-            <a:lvl8pPr marL="3429000" indent="-228600" algn="l" defTabSz="914400" rtl="0" eaLnBrk="1" latinLnBrk="0" hangingPunct="1">
-              <a:spcBef>
-                <a:spcPct val="20000"/>
-              </a:spcBef>
-              <a:buFont typeface="Arial" pitchFamily="34" charset="0"/>
-              <a:buChar char="•"/>
-              <a:defRPr sz="2000" kern="1200">
-                <a:solidFill>
-                  <a:schemeClr val="tx1"/>
-                </a:solidFill>
-                <a:latin typeface="+mn-lt"/>
-                <a:ea typeface="+mn-ea"/>
-                <a:cs typeface="+mn-cs"/>
-              </a:defRPr>
-            </a:lvl8pPr>
-            <a:lvl9pPr marL="3886200" indent="-228600" algn="l" defTabSz="914400" rtl="0" eaLnBrk="1" latinLnBrk="0" hangingPunct="1">
-              <a:spcBef>
-                <a:spcPct val="20000"/>
-              </a:spcBef>
-              <a:buFont typeface="Arial" pitchFamily="34" charset="0"/>
-              <a:buChar char="•"/>
-              <a:defRPr sz="2000" kern="1200">
-                <a:solidFill>
-                  <a:schemeClr val="tx1"/>
-                </a:solidFill>
-                <a:latin typeface="+mn-lt"/>
-                <a:ea typeface="+mn-ea"/>
-                <a:cs typeface="+mn-cs"/>
-              </a:defRPr>
-            </a:lvl9pPr>
-          </a:lstStyle>
-          <a:p>
-            <a:pPr marL="0" indent="0" algn="r" eaLnBrk="1" fontAlgn="auto" hangingPunct="1">
-              <a:spcAft>
-                <a:spcPts val="0"/>
-              </a:spcAft>
-              <a:buNone/>
-              <a:defRPr/>
-            </a:pPr>
-            <a:r>
-              <a:rPr lang="es-CO" sz="2000" b="1" dirty="0">
-                <a:solidFill>
-                  <a:schemeClr val="tx1">
-                    <a:lumMod val="75000"/>
-                    <a:lumOff val="25000"/>
-                  </a:schemeClr>
-                </a:solidFill>
-              </a:rPr>
-              <a:t>OPERADORES</a:t>
-            </a:r>
-          </a:p>
-        </p:txBody>
-      </p:sp>
-      <p:sp>
-        <p:nvSpPr>
-          <p:cNvPr id="2" name="CuadroTexto 1">
-            <a:extLst>
-              <a:ext uri="{FF2B5EF4-FFF2-40B4-BE49-F238E27FC236}">
-                <a16:creationId xmlns:a16="http://schemas.microsoft.com/office/drawing/2014/main" id="{38B9E9CE-04E3-DE93-A00D-DDBB5875BE46}"/>
-              </a:ext>
-            </a:extLst>
-          </p:cNvPr>
-          <p:cNvSpPr txBox="1"/>
-          <p:nvPr/>
-        </p:nvSpPr>
-        <p:spPr>
-          <a:xfrm>
-            <a:off x="1763688" y="2780928"/>
-            <a:ext cx="5616624" cy="1754326"/>
-          </a:xfrm>
-          <a:prstGeom prst="rect">
-            <a:avLst/>
-          </a:prstGeom>
-          <a:noFill/>
-        </p:spPr>
-        <p:txBody>
-          <a:bodyPr wrap="square" rtlCol="0">
-            <a:spAutoFit/>
-          </a:bodyPr>
-          <a:lstStyle/>
-          <a:p>
-            <a:r>
-              <a:rPr lang="es-CO" dirty="0"/>
-              <a:t>EJERCICIO</a:t>
-            </a:r>
-          </a:p>
-          <a:p>
-            <a:r>
-              <a:rPr lang="es-CO" dirty="0"/>
-              <a:t>Realice la siguiente operación a mano y posteriormente en </a:t>
-            </a:r>
-            <a:r>
-              <a:rPr lang="es-CO" dirty="0" err="1"/>
-              <a:t>python</a:t>
-            </a:r>
-            <a:endParaRPr lang="es-CO" dirty="0"/>
-          </a:p>
-          <a:p>
-            <a:endParaRPr lang="es-CO" dirty="0"/>
-          </a:p>
-          <a:p>
-            <a:r>
-              <a:rPr lang="es-CO" dirty="0"/>
-              <a:t>resultado = ((4 * 5) / 2) ** 2 - ((8 + 3) * (2 + 4)) % 7</a:t>
-            </a:r>
-          </a:p>
-          <a:p>
-            <a:endParaRPr lang="es-CO" dirty="0"/>
-          </a:p>
-        </p:txBody>
-      </p:sp>
-    </p:spTree>
-    <p:extLst>
-      <p:ext uri="{BB962C8B-B14F-4D97-AF65-F5344CB8AC3E}">
-        <p14:creationId xmlns:p14="http://schemas.microsoft.com/office/powerpoint/2010/main" val="1457783989"/>
-      </p:ext>
-    </p:extLst>
-  </p:cSld>
-  <p:clrMapOvr>
-    <a:masterClrMapping/>
-  </p:clrMapOvr>
-</p:sld>
-</file>
-
-<file path=ppt/slides/slide5.xml><?xml version="1.0" encoding="utf-8"?>
-<p:sld xmlns:a="http://schemas.openxmlformats.org/drawingml/2006/main" xmlns:r="http://schemas.openxmlformats.org/officeDocument/2006/relationships" xmlns:p="http://schemas.openxmlformats.org/presentationml/2006/main">
-  <p:cSld>
-    <p:spTree>
-      <p:nvGrpSpPr>
-        <p:cNvPr id="1" name=""/>
-        <p:cNvGrpSpPr/>
-        <p:nvPr/>
-      </p:nvGrpSpPr>
-      <p:grpSpPr>
-        <a:xfrm>
-          <a:off x="0" y="0"/>
-          <a:ext cx="0" cy="0"/>
-          <a:chOff x="0" y="0"/>
-          <a:chExt cx="0" cy="0"/>
-        </a:xfrm>
-      </p:grpSpPr>
-      <p:sp>
-        <p:nvSpPr>
-          <p:cNvPr id="5122" name="1 Título">
-            <a:extLst>
-              <a:ext uri="{FF2B5EF4-FFF2-40B4-BE49-F238E27FC236}">
-                <a16:creationId xmlns:a16="http://schemas.microsoft.com/office/drawing/2014/main" id="{612B5792-076C-452D-8592-DDADCC263C58}"/>
-              </a:ext>
-            </a:extLst>
-          </p:cNvPr>
-          <p:cNvSpPr>
-            <a:spLocks noGrp="1"/>
-          </p:cNvSpPr>
-          <p:nvPr>
-            <p:ph type="ctrTitle"/>
-          </p:nvPr>
-        </p:nvSpPr>
-        <p:spPr>
-          <a:xfrm>
-            <a:off x="0" y="-28575"/>
-            <a:ext cx="779463" cy="720725"/>
-          </a:xfrm>
-        </p:spPr>
-        <p:txBody>
-          <a:bodyPr/>
-          <a:lstStyle/>
-          <a:p>
-            <a:pPr algn="ctr" eaLnBrk="1" hangingPunct="1"/>
-            <a:r>
-              <a:rPr lang="es-CO" altLang="es-CO" sz="3600" dirty="0"/>
-              <a:t>5</a:t>
-            </a:r>
-          </a:p>
-        </p:txBody>
-      </p:sp>
-      <p:sp>
-        <p:nvSpPr>
-          <p:cNvPr id="10" name="2 Subtítulo">
-            <a:extLst>
-              <a:ext uri="{FF2B5EF4-FFF2-40B4-BE49-F238E27FC236}">
-                <a16:creationId xmlns:a16="http://schemas.microsoft.com/office/drawing/2014/main" id="{0D52910C-C7FF-51AD-9B9D-1A390D5FFE1B}"/>
-              </a:ext>
-            </a:extLst>
-          </p:cNvPr>
-          <p:cNvSpPr txBox="1">
-            <a:spLocks/>
-          </p:cNvSpPr>
-          <p:nvPr/>
-        </p:nvSpPr>
-        <p:spPr bwMode="auto">
-          <a:xfrm>
-            <a:off x="2743200" y="192087"/>
-            <a:ext cx="6400800" cy="500063"/>
-          </a:xfrm>
-          <a:prstGeom prst="rect">
-            <a:avLst/>
-          </a:prstGeom>
-          <a:noFill/>
-          <a:ln>
-            <a:noFill/>
-          </a:ln>
-          <a:extLst>
-            <a:ext uri="{909E8E84-426E-40DD-AFC4-6F175D3DCCD1}">
-              <a14:hiddenFill xmlns:a14="http://schemas.microsoft.com/office/drawing/2010/main">
-                <a:solidFill>
-                  <a:srgbClr val="FFFFFF"/>
-                </a:solidFill>
-              </a14:hiddenFill>
-            </a:ext>
-            <a:ext uri="{91240B29-F687-4F45-9708-019B960494DF}">
-              <a14:hiddenLine xmlns:a14="http://schemas.microsoft.com/office/drawing/2010/main" w="9525">
-                <a:solidFill>
-                  <a:srgbClr val="000000"/>
-                </a:solidFill>
-                <a:miter lim="800000"/>
-                <a:headEnd/>
-                <a:tailEnd/>
-              </a14:hiddenLine>
-            </a:ext>
-          </a:extLst>
-        </p:spPr>
-        <p:txBody>
-          <a:bodyPr vert="horz" wrap="square" lIns="91440" tIns="45720" rIns="91440" bIns="45720" numCol="1" rtlCol="0" anchor="t" anchorCtr="0" compatLnSpc="1">
-            <a:prstTxWarp prst="textNoShape">
-              <a:avLst/>
-            </a:prstTxWarp>
-            <a:noAutofit/>
-          </a:bodyPr>
-          <a:lstStyle>
-            <a:lvl1pPr marL="342900" indent="-342900" algn="l" rtl="0" eaLnBrk="0" fontAlgn="base" hangingPunct="0">
-              <a:spcBef>
-                <a:spcPct val="20000"/>
-              </a:spcBef>
-              <a:spcAft>
-                <a:spcPct val="0"/>
-              </a:spcAft>
-              <a:buFont typeface="Arial" panose="020B0604020202020204" pitchFamily="34" charset="0"/>
-              <a:buChar char="•"/>
-              <a:defRPr sz="3200" kern="1200">
-                <a:solidFill>
-                  <a:schemeClr val="tx1"/>
-                </a:solidFill>
-                <a:latin typeface="Arial" pitchFamily="34" charset="0"/>
-                <a:ea typeface="+mn-ea"/>
-                <a:cs typeface="Arial" pitchFamily="34" charset="0"/>
-              </a:defRPr>
-            </a:lvl1pPr>
-            <a:lvl2pPr marL="742950" indent="-285750" algn="l" rtl="0" eaLnBrk="0" fontAlgn="base" hangingPunct="0">
-              <a:spcBef>
-                <a:spcPct val="20000"/>
-              </a:spcBef>
-              <a:spcAft>
-                <a:spcPct val="0"/>
-              </a:spcAft>
-              <a:buFont typeface="Arial" panose="020B0604020202020204" pitchFamily="34" charset="0"/>
-              <a:buChar char="–"/>
-              <a:defRPr sz="2800" kern="1200">
-                <a:solidFill>
-                  <a:schemeClr val="tx1"/>
-                </a:solidFill>
-                <a:latin typeface="Arial" pitchFamily="34" charset="0"/>
-                <a:ea typeface="+mn-ea"/>
-                <a:cs typeface="Arial" pitchFamily="34" charset="0"/>
-              </a:defRPr>
-            </a:lvl2pPr>
-            <a:lvl3pPr marL="1143000" indent="-228600" algn="l" rtl="0" eaLnBrk="0" fontAlgn="base" hangingPunct="0">
-              <a:spcBef>
-                <a:spcPct val="20000"/>
-              </a:spcBef>
-              <a:spcAft>
-                <a:spcPct val="0"/>
-              </a:spcAft>
-              <a:buFont typeface="Arial" panose="020B0604020202020204" pitchFamily="34" charset="0"/>
-              <a:buChar char="•"/>
-              <a:defRPr sz="2400" kern="1200">
-                <a:solidFill>
-                  <a:schemeClr val="tx1"/>
-                </a:solidFill>
-                <a:latin typeface="Arial" pitchFamily="34" charset="0"/>
-                <a:ea typeface="+mn-ea"/>
-                <a:cs typeface="Arial" pitchFamily="34" charset="0"/>
-              </a:defRPr>
-            </a:lvl3pPr>
-            <a:lvl4pPr marL="1600200" indent="-228600" algn="l" rtl="0" eaLnBrk="0" fontAlgn="base" hangingPunct="0">
-              <a:spcBef>
-                <a:spcPct val="20000"/>
-              </a:spcBef>
-              <a:spcAft>
-                <a:spcPct val="0"/>
-              </a:spcAft>
-              <a:buFont typeface="Arial" panose="020B0604020202020204" pitchFamily="34" charset="0"/>
-              <a:buChar char="–"/>
-              <a:defRPr sz="2000" kern="1200">
-                <a:solidFill>
-                  <a:schemeClr val="tx1"/>
-                </a:solidFill>
-                <a:latin typeface="Arial" pitchFamily="34" charset="0"/>
-                <a:ea typeface="+mn-ea"/>
-                <a:cs typeface="Arial" pitchFamily="34" charset="0"/>
-              </a:defRPr>
-            </a:lvl4pPr>
-            <a:lvl5pPr marL="2057400" indent="-228600" algn="l" rtl="0" eaLnBrk="0" fontAlgn="base" hangingPunct="0">
-              <a:spcBef>
-                <a:spcPct val="20000"/>
-              </a:spcBef>
-              <a:spcAft>
-                <a:spcPct val="0"/>
-              </a:spcAft>
-              <a:buFont typeface="Arial" panose="020B0604020202020204" pitchFamily="34" charset="0"/>
-              <a:buChar char="»"/>
-              <a:defRPr sz="2000" kern="1200">
-                <a:solidFill>
-                  <a:schemeClr val="tx1"/>
-                </a:solidFill>
-                <a:latin typeface="Arial" pitchFamily="34" charset="0"/>
-                <a:ea typeface="+mn-ea"/>
-                <a:cs typeface="Arial" pitchFamily="34" charset="0"/>
-              </a:defRPr>
-            </a:lvl5pPr>
-            <a:lvl6pPr marL="2514600" indent="-228600" algn="l" defTabSz="914400" rtl="0" eaLnBrk="1" latinLnBrk="0" hangingPunct="1">
-              <a:spcBef>
-                <a:spcPct val="20000"/>
-              </a:spcBef>
-              <a:buFont typeface="Arial" pitchFamily="34" charset="0"/>
-              <a:buChar char="•"/>
-              <a:defRPr sz="2000" kern="1200">
-                <a:solidFill>
-                  <a:schemeClr val="tx1"/>
-                </a:solidFill>
-                <a:latin typeface="+mn-lt"/>
-                <a:ea typeface="+mn-ea"/>
-                <a:cs typeface="+mn-cs"/>
-              </a:defRPr>
-            </a:lvl6pPr>
-            <a:lvl7pPr marL="2971800" indent="-228600" algn="l" defTabSz="914400" rtl="0" eaLnBrk="1" latinLnBrk="0" hangingPunct="1">
-              <a:spcBef>
-                <a:spcPct val="20000"/>
-              </a:spcBef>
-              <a:buFont typeface="Arial" pitchFamily="34" charset="0"/>
-              <a:buChar char="•"/>
-              <a:defRPr sz="2000" kern="1200">
-                <a:solidFill>
-                  <a:schemeClr val="tx1"/>
-                </a:solidFill>
-                <a:latin typeface="+mn-lt"/>
-                <a:ea typeface="+mn-ea"/>
-                <a:cs typeface="+mn-cs"/>
-              </a:defRPr>
-            </a:lvl7pPr>
-            <a:lvl8pPr marL="3429000" indent="-228600" algn="l" defTabSz="914400" rtl="0" eaLnBrk="1" latinLnBrk="0" hangingPunct="1">
-              <a:spcBef>
-                <a:spcPct val="20000"/>
-              </a:spcBef>
-              <a:buFont typeface="Arial" pitchFamily="34" charset="0"/>
-              <a:buChar char="•"/>
-              <a:defRPr sz="2000" kern="1200">
-                <a:solidFill>
-                  <a:schemeClr val="tx1"/>
-                </a:solidFill>
-                <a:latin typeface="+mn-lt"/>
-                <a:ea typeface="+mn-ea"/>
-                <a:cs typeface="+mn-cs"/>
-              </a:defRPr>
-            </a:lvl8pPr>
-            <a:lvl9pPr marL="3886200" indent="-228600" algn="l" defTabSz="914400" rtl="0" eaLnBrk="1" latinLnBrk="0" hangingPunct="1">
-              <a:spcBef>
-                <a:spcPct val="20000"/>
-              </a:spcBef>
-              <a:buFont typeface="Arial" pitchFamily="34" charset="0"/>
-              <a:buChar char="•"/>
-              <a:defRPr sz="2000" kern="1200">
-                <a:solidFill>
-                  <a:schemeClr val="tx1"/>
-                </a:solidFill>
-                <a:latin typeface="+mn-lt"/>
-                <a:ea typeface="+mn-ea"/>
-                <a:cs typeface="+mn-cs"/>
-              </a:defRPr>
-            </a:lvl9pPr>
-          </a:lstStyle>
-          <a:p>
-            <a:pPr marL="0" indent="0" algn="r" eaLnBrk="1" fontAlgn="auto" hangingPunct="1">
-              <a:spcAft>
-                <a:spcPts val="0"/>
-              </a:spcAft>
-              <a:buNone/>
-              <a:defRPr/>
-            </a:pPr>
-            <a:r>
-              <a:rPr lang="es-CO" sz="2000" b="1" dirty="0">
-                <a:solidFill>
-                  <a:schemeClr val="tx1">
-                    <a:lumMod val="75000"/>
-                    <a:lumOff val="25000"/>
-                  </a:schemeClr>
-                </a:solidFill>
-              </a:rPr>
-              <a:t>PROGRAMACIÓN</a:t>
-            </a:r>
-          </a:p>
-        </p:txBody>
-      </p:sp>
-      <p:pic>
-        <p:nvPicPr>
-          <p:cNvPr id="1028" name="Picture 4" descr="Programas - Intranet ETITC">
-            <a:extLst>
-              <a:ext uri="{FF2B5EF4-FFF2-40B4-BE49-F238E27FC236}">
-                <a16:creationId xmlns:a16="http://schemas.microsoft.com/office/drawing/2014/main" id="{86BA1783-B2FE-6B6A-8793-A57527FC5C00}"/>
-              </a:ext>
-            </a:extLst>
-          </p:cNvPr>
-          <p:cNvPicPr>
-            <a:picLocks noChangeAspect="1" noChangeArrowheads="1"/>
-          </p:cNvPicPr>
-          <p:nvPr/>
-        </p:nvPicPr>
-        <p:blipFill>
-          <a:blip r:embed="rId3">
-            <a:extLst>
-              <a:ext uri="{28A0092B-C50C-407E-A947-70E740481C1C}">
-                <a14:useLocalDpi xmlns:a14="http://schemas.microsoft.com/office/drawing/2010/main" val="0"/>
-              </a:ext>
-            </a:extLst>
-          </a:blip>
-          <a:srcRect/>
-          <a:stretch>
-            <a:fillRect/>
-          </a:stretch>
-        </p:blipFill>
-        <p:spPr bwMode="auto">
-          <a:xfrm>
-            <a:off x="795338" y="44758"/>
-            <a:ext cx="2483768" cy="794720"/>
-          </a:xfrm>
-          <a:prstGeom prst="rect">
-            <a:avLst/>
-          </a:prstGeom>
-          <a:noFill/>
-          <a:extLst>
-            <a:ext uri="{909E8E84-426E-40DD-AFC4-6F175D3DCCD1}">
-              <a14:hiddenFill xmlns:a14="http://schemas.microsoft.com/office/drawing/2010/main">
-                <a:solidFill>
-                  <a:srgbClr val="FFFFFF"/>
-                </a:solidFill>
-              </a14:hiddenFill>
-            </a:ext>
-          </a:extLst>
-        </p:spPr>
-      </p:pic>
       <p:graphicFrame>
         <p:nvGraphicFramePr>
           <p:cNvPr id="3" name="Tabla 3">
@@ -16531,14 +14729,14 @@
           <p:nvPr>
             <p:extLst>
               <p:ext uri="{D42A27DB-BD31-4B8C-83A1-F6EECF244321}">
-                <p14:modId xmlns:p14="http://schemas.microsoft.com/office/powerpoint/2010/main" val="3814282544"/>
+                <p14:modId xmlns:p14="http://schemas.microsoft.com/office/powerpoint/2010/main" val="2216733047"/>
               </p:ext>
             </p:extLst>
           </p:nvPr>
         </p:nvGraphicFramePr>
         <p:xfrm>
           <a:off x="1524000" y="1916832"/>
-          <a:ext cx="6096000" cy="3124200"/>
+          <a:ext cx="6096000" cy="2753360"/>
         </p:xfrm>
         <a:graphic>
           <a:graphicData uri="http://schemas.openxmlformats.org/drawingml/2006/table">
@@ -16960,65 +15158,6 @@
                   </a:ext>
                 </a:extLst>
               </a:tr>
-              <a:tr h="370840">
-                <a:tc>
-                  <a:txBody>
-                    <a:bodyPr/>
-                    <a:lstStyle/>
-                    <a:p>
-                      <a:r>
-                        <a:rPr lang="es-CO" dirty="0"/>
-                        <a:t>**=</a:t>
-                      </a:r>
-                    </a:p>
-                  </a:txBody>
-                  <a:tcPr/>
-                </a:tc>
-                <a:tc>
-                  <a:txBody>
-                    <a:bodyPr/>
-                    <a:lstStyle/>
-                    <a:p>
-                      <a:r>
-                        <a:rPr lang="es-CO" dirty="0"/>
-                        <a:t>Potencia</a:t>
-                      </a:r>
-                    </a:p>
-                  </a:txBody>
-                  <a:tcPr/>
-                </a:tc>
-                <a:tc>
-                  <a:txBody>
-                    <a:bodyPr/>
-                    <a:lstStyle/>
-                    <a:p>
-                      <a:r>
-                        <a:rPr lang="es-CO" dirty="0"/>
-                        <a:t>5**=2</a:t>
-                      </a:r>
-                    </a:p>
-                  </a:txBody>
-                  <a:tcPr/>
-                </a:tc>
-                <a:tc>
-                  <a:txBody>
-                    <a:bodyPr/>
-                    <a:lstStyle/>
-                    <a:p>
-                      <a:r>
-                        <a:rPr lang="es-CO" dirty="0"/>
-                        <a:t>25</a:t>
-                      </a:r>
-                    </a:p>
-                  </a:txBody>
-                  <a:tcPr/>
-                </a:tc>
-                <a:extLst>
-                  <a:ext uri="{0D108BD9-81ED-4DB2-BD59-A6C34878D82A}">
-                    <a16:rowId xmlns:a16="http://schemas.microsoft.com/office/drawing/2014/main" val="3366693658"/>
-                  </a:ext>
-                </a:extLst>
-              </a:tr>
             </a:tbl>
           </a:graphicData>
         </a:graphic>
@@ -17263,7 +15402,7 @@
 </p:sld>
 </file>
 
-<file path=ppt/slides/slide6.xml><?xml version="1.0" encoding="utf-8"?>
+<file path=ppt/slides/slide5.xml><?xml version="1.0" encoding="utf-8"?>
 <p:sld xmlns:a="http://schemas.openxmlformats.org/drawingml/2006/main" xmlns:r="http://schemas.openxmlformats.org/officeDocument/2006/relationships" xmlns:p="http://schemas.openxmlformats.org/presentationml/2006/main">
   <p:cSld>
     <p:spTree>
@@ -17309,680 +15448,7 @@
             <a:pPr algn="ctr" eaLnBrk="1" hangingPunct="1"/>
             <a:r>
               <a:rPr lang="es-CO" altLang="es-CO" sz="3600" dirty="0"/>
-              <a:t>6</a:t>
-            </a:r>
-          </a:p>
-        </p:txBody>
-      </p:sp>
-      <p:sp>
-        <p:nvSpPr>
-          <p:cNvPr id="10" name="2 Subtítulo">
-            <a:extLst>
-              <a:ext uri="{FF2B5EF4-FFF2-40B4-BE49-F238E27FC236}">
-                <a16:creationId xmlns:a16="http://schemas.microsoft.com/office/drawing/2014/main" id="{0D52910C-C7FF-51AD-9B9D-1A390D5FFE1B}"/>
-              </a:ext>
-            </a:extLst>
-          </p:cNvPr>
-          <p:cNvSpPr txBox="1">
-            <a:spLocks/>
-          </p:cNvSpPr>
-          <p:nvPr/>
-        </p:nvSpPr>
-        <p:spPr bwMode="auto">
-          <a:xfrm>
-            <a:off x="2743200" y="192087"/>
-            <a:ext cx="6400800" cy="500063"/>
-          </a:xfrm>
-          <a:prstGeom prst="rect">
-            <a:avLst/>
-          </a:prstGeom>
-          <a:noFill/>
-          <a:ln>
-            <a:noFill/>
-          </a:ln>
-          <a:extLst>
-            <a:ext uri="{909E8E84-426E-40DD-AFC4-6F175D3DCCD1}">
-              <a14:hiddenFill xmlns:a14="http://schemas.microsoft.com/office/drawing/2010/main">
-                <a:solidFill>
-                  <a:srgbClr val="FFFFFF"/>
-                </a:solidFill>
-              </a14:hiddenFill>
-            </a:ext>
-            <a:ext uri="{91240B29-F687-4F45-9708-019B960494DF}">
-              <a14:hiddenLine xmlns:a14="http://schemas.microsoft.com/office/drawing/2010/main" w="9525">
-                <a:solidFill>
-                  <a:srgbClr val="000000"/>
-                </a:solidFill>
-                <a:miter lim="800000"/>
-                <a:headEnd/>
-                <a:tailEnd/>
-              </a14:hiddenLine>
-            </a:ext>
-          </a:extLst>
-        </p:spPr>
-        <p:txBody>
-          <a:bodyPr vert="horz" wrap="square" lIns="91440" tIns="45720" rIns="91440" bIns="45720" numCol="1" rtlCol="0" anchor="t" anchorCtr="0" compatLnSpc="1">
-            <a:prstTxWarp prst="textNoShape">
-              <a:avLst/>
-            </a:prstTxWarp>
-            <a:noAutofit/>
-          </a:bodyPr>
-          <a:lstStyle>
-            <a:lvl1pPr marL="342900" indent="-342900" algn="l" rtl="0" eaLnBrk="0" fontAlgn="base" hangingPunct="0">
-              <a:spcBef>
-                <a:spcPct val="20000"/>
-              </a:spcBef>
-              <a:spcAft>
-                <a:spcPct val="0"/>
-              </a:spcAft>
-              <a:buFont typeface="Arial" panose="020B0604020202020204" pitchFamily="34" charset="0"/>
-              <a:buChar char="•"/>
-              <a:defRPr sz="3200" kern="1200">
-                <a:solidFill>
-                  <a:schemeClr val="tx1"/>
-                </a:solidFill>
-                <a:latin typeface="Arial" pitchFamily="34" charset="0"/>
-                <a:ea typeface="+mn-ea"/>
-                <a:cs typeface="Arial" pitchFamily="34" charset="0"/>
-              </a:defRPr>
-            </a:lvl1pPr>
-            <a:lvl2pPr marL="742950" indent="-285750" algn="l" rtl="0" eaLnBrk="0" fontAlgn="base" hangingPunct="0">
-              <a:spcBef>
-                <a:spcPct val="20000"/>
-              </a:spcBef>
-              <a:spcAft>
-                <a:spcPct val="0"/>
-              </a:spcAft>
-              <a:buFont typeface="Arial" panose="020B0604020202020204" pitchFamily="34" charset="0"/>
-              <a:buChar char="–"/>
-              <a:defRPr sz="2800" kern="1200">
-                <a:solidFill>
-                  <a:schemeClr val="tx1"/>
-                </a:solidFill>
-                <a:latin typeface="Arial" pitchFamily="34" charset="0"/>
-                <a:ea typeface="+mn-ea"/>
-                <a:cs typeface="Arial" pitchFamily="34" charset="0"/>
-              </a:defRPr>
-            </a:lvl2pPr>
-            <a:lvl3pPr marL="1143000" indent="-228600" algn="l" rtl="0" eaLnBrk="0" fontAlgn="base" hangingPunct="0">
-              <a:spcBef>
-                <a:spcPct val="20000"/>
-              </a:spcBef>
-              <a:spcAft>
-                <a:spcPct val="0"/>
-              </a:spcAft>
-              <a:buFont typeface="Arial" panose="020B0604020202020204" pitchFamily="34" charset="0"/>
-              <a:buChar char="•"/>
-              <a:defRPr sz="2400" kern="1200">
-                <a:solidFill>
-                  <a:schemeClr val="tx1"/>
-                </a:solidFill>
-                <a:latin typeface="Arial" pitchFamily="34" charset="0"/>
-                <a:ea typeface="+mn-ea"/>
-                <a:cs typeface="Arial" pitchFamily="34" charset="0"/>
-              </a:defRPr>
-            </a:lvl3pPr>
-            <a:lvl4pPr marL="1600200" indent="-228600" algn="l" rtl="0" eaLnBrk="0" fontAlgn="base" hangingPunct="0">
-              <a:spcBef>
-                <a:spcPct val="20000"/>
-              </a:spcBef>
-              <a:spcAft>
-                <a:spcPct val="0"/>
-              </a:spcAft>
-              <a:buFont typeface="Arial" panose="020B0604020202020204" pitchFamily="34" charset="0"/>
-              <a:buChar char="–"/>
-              <a:defRPr sz="2000" kern="1200">
-                <a:solidFill>
-                  <a:schemeClr val="tx1"/>
-                </a:solidFill>
-                <a:latin typeface="Arial" pitchFamily="34" charset="0"/>
-                <a:ea typeface="+mn-ea"/>
-                <a:cs typeface="Arial" pitchFamily="34" charset="0"/>
-              </a:defRPr>
-            </a:lvl4pPr>
-            <a:lvl5pPr marL="2057400" indent="-228600" algn="l" rtl="0" eaLnBrk="0" fontAlgn="base" hangingPunct="0">
-              <a:spcBef>
-                <a:spcPct val="20000"/>
-              </a:spcBef>
-              <a:spcAft>
-                <a:spcPct val="0"/>
-              </a:spcAft>
-              <a:buFont typeface="Arial" panose="020B0604020202020204" pitchFamily="34" charset="0"/>
-              <a:buChar char="»"/>
-              <a:defRPr sz="2000" kern="1200">
-                <a:solidFill>
-                  <a:schemeClr val="tx1"/>
-                </a:solidFill>
-                <a:latin typeface="Arial" pitchFamily="34" charset="0"/>
-                <a:ea typeface="+mn-ea"/>
-                <a:cs typeface="Arial" pitchFamily="34" charset="0"/>
-              </a:defRPr>
-            </a:lvl5pPr>
-            <a:lvl6pPr marL="2514600" indent="-228600" algn="l" defTabSz="914400" rtl="0" eaLnBrk="1" latinLnBrk="0" hangingPunct="1">
-              <a:spcBef>
-                <a:spcPct val="20000"/>
-              </a:spcBef>
-              <a:buFont typeface="Arial" pitchFamily="34" charset="0"/>
-              <a:buChar char="•"/>
-              <a:defRPr sz="2000" kern="1200">
-                <a:solidFill>
-                  <a:schemeClr val="tx1"/>
-                </a:solidFill>
-                <a:latin typeface="+mn-lt"/>
-                <a:ea typeface="+mn-ea"/>
-                <a:cs typeface="+mn-cs"/>
-              </a:defRPr>
-            </a:lvl6pPr>
-            <a:lvl7pPr marL="2971800" indent="-228600" algn="l" defTabSz="914400" rtl="0" eaLnBrk="1" latinLnBrk="0" hangingPunct="1">
-              <a:spcBef>
-                <a:spcPct val="20000"/>
-              </a:spcBef>
-              <a:buFont typeface="Arial" pitchFamily="34" charset="0"/>
-              <a:buChar char="•"/>
-              <a:defRPr sz="2000" kern="1200">
-                <a:solidFill>
-                  <a:schemeClr val="tx1"/>
-                </a:solidFill>
-                <a:latin typeface="+mn-lt"/>
-                <a:ea typeface="+mn-ea"/>
-                <a:cs typeface="+mn-cs"/>
-              </a:defRPr>
-            </a:lvl7pPr>
-            <a:lvl8pPr marL="3429000" indent="-228600" algn="l" defTabSz="914400" rtl="0" eaLnBrk="1" latinLnBrk="0" hangingPunct="1">
-              <a:spcBef>
-                <a:spcPct val="20000"/>
-              </a:spcBef>
-              <a:buFont typeface="Arial" pitchFamily="34" charset="0"/>
-              <a:buChar char="•"/>
-              <a:defRPr sz="2000" kern="1200">
-                <a:solidFill>
-                  <a:schemeClr val="tx1"/>
-                </a:solidFill>
-                <a:latin typeface="+mn-lt"/>
-                <a:ea typeface="+mn-ea"/>
-                <a:cs typeface="+mn-cs"/>
-              </a:defRPr>
-            </a:lvl8pPr>
-            <a:lvl9pPr marL="3886200" indent="-228600" algn="l" defTabSz="914400" rtl="0" eaLnBrk="1" latinLnBrk="0" hangingPunct="1">
-              <a:spcBef>
-                <a:spcPct val="20000"/>
-              </a:spcBef>
-              <a:buFont typeface="Arial" pitchFamily="34" charset="0"/>
-              <a:buChar char="•"/>
-              <a:defRPr sz="2000" kern="1200">
-                <a:solidFill>
-                  <a:schemeClr val="tx1"/>
-                </a:solidFill>
-                <a:latin typeface="+mn-lt"/>
-                <a:ea typeface="+mn-ea"/>
-                <a:cs typeface="+mn-cs"/>
-              </a:defRPr>
-            </a:lvl9pPr>
-          </a:lstStyle>
-          <a:p>
-            <a:pPr marL="0" indent="0" algn="r" eaLnBrk="1" fontAlgn="auto" hangingPunct="1">
-              <a:spcAft>
-                <a:spcPts val="0"/>
-              </a:spcAft>
-              <a:buNone/>
-              <a:defRPr/>
-            </a:pPr>
-            <a:r>
-              <a:rPr lang="es-CO" sz="2000" b="1" dirty="0">
-                <a:solidFill>
-                  <a:schemeClr val="tx1">
-                    <a:lumMod val="75000"/>
-                    <a:lumOff val="25000"/>
-                  </a:schemeClr>
-                </a:solidFill>
-              </a:rPr>
-              <a:t>PROGRAMACIÓN</a:t>
-            </a:r>
-          </a:p>
-        </p:txBody>
-      </p:sp>
-      <p:pic>
-        <p:nvPicPr>
-          <p:cNvPr id="1028" name="Picture 4" descr="Programas - Intranet ETITC">
-            <a:extLst>
-              <a:ext uri="{FF2B5EF4-FFF2-40B4-BE49-F238E27FC236}">
-                <a16:creationId xmlns:a16="http://schemas.microsoft.com/office/drawing/2014/main" id="{86BA1783-B2FE-6B6A-8793-A57527FC5C00}"/>
-              </a:ext>
-            </a:extLst>
-          </p:cNvPr>
-          <p:cNvPicPr>
-            <a:picLocks noChangeAspect="1" noChangeArrowheads="1"/>
-          </p:cNvPicPr>
-          <p:nvPr/>
-        </p:nvPicPr>
-        <p:blipFill>
-          <a:blip r:embed="rId3">
-            <a:extLst>
-              <a:ext uri="{28A0092B-C50C-407E-A947-70E740481C1C}">
-                <a14:useLocalDpi xmlns:a14="http://schemas.microsoft.com/office/drawing/2010/main" val="0"/>
-              </a:ext>
-            </a:extLst>
-          </a:blip>
-          <a:srcRect/>
-          <a:stretch>
-            <a:fillRect/>
-          </a:stretch>
-        </p:blipFill>
-        <p:spPr bwMode="auto">
-          <a:xfrm>
-            <a:off x="795338" y="44758"/>
-            <a:ext cx="2483768" cy="794720"/>
-          </a:xfrm>
-          <a:prstGeom prst="rect">
-            <a:avLst/>
-          </a:prstGeom>
-          <a:noFill/>
-          <a:extLst>
-            <a:ext uri="{909E8E84-426E-40DD-AFC4-6F175D3DCCD1}">
-              <a14:hiddenFill xmlns:a14="http://schemas.microsoft.com/office/drawing/2010/main">
-                <a:solidFill>
-                  <a:srgbClr val="FFFFFF"/>
-                </a:solidFill>
-              </a14:hiddenFill>
-            </a:ext>
-          </a:extLst>
-        </p:spPr>
-      </p:pic>
-      <p:sp>
-        <p:nvSpPr>
-          <p:cNvPr id="4" name="2 Subtítulo">
-            <a:extLst>
-              <a:ext uri="{FF2B5EF4-FFF2-40B4-BE49-F238E27FC236}">
-                <a16:creationId xmlns:a16="http://schemas.microsoft.com/office/drawing/2014/main" id="{AB8B8B08-E850-1342-E835-3453EC0AD7C1}"/>
-              </a:ext>
-            </a:extLst>
-          </p:cNvPr>
-          <p:cNvSpPr txBox="1">
-            <a:spLocks/>
-          </p:cNvSpPr>
-          <p:nvPr/>
-        </p:nvSpPr>
-        <p:spPr bwMode="auto">
-          <a:xfrm>
-            <a:off x="-588788" y="5160887"/>
-            <a:ext cx="9137302" cy="500063"/>
-          </a:xfrm>
-          <a:prstGeom prst="rect">
-            <a:avLst/>
-          </a:prstGeom>
-          <a:noFill/>
-          <a:ln>
-            <a:noFill/>
-          </a:ln>
-          <a:extLst>
-            <a:ext uri="{909E8E84-426E-40DD-AFC4-6F175D3DCCD1}">
-              <a14:hiddenFill xmlns:a14="http://schemas.microsoft.com/office/drawing/2010/main">
-                <a:solidFill>
-                  <a:srgbClr val="FFFFFF"/>
-                </a:solidFill>
-              </a14:hiddenFill>
-            </a:ext>
-            <a:ext uri="{91240B29-F687-4F45-9708-019B960494DF}">
-              <a14:hiddenLine xmlns:a14="http://schemas.microsoft.com/office/drawing/2010/main" w="9525">
-                <a:solidFill>
-                  <a:srgbClr val="000000"/>
-                </a:solidFill>
-                <a:miter lim="800000"/>
-                <a:headEnd/>
-                <a:tailEnd/>
-              </a14:hiddenLine>
-            </a:ext>
-          </a:extLst>
-        </p:spPr>
-        <p:txBody>
-          <a:bodyPr vert="horz" wrap="square" lIns="91440" tIns="45720" rIns="91440" bIns="45720" numCol="1" rtlCol="0" anchor="t" anchorCtr="0" compatLnSpc="1">
-            <a:prstTxWarp prst="textNoShape">
-              <a:avLst/>
-            </a:prstTxWarp>
-            <a:noAutofit/>
-          </a:bodyPr>
-          <a:lstStyle>
-            <a:lvl1pPr marL="342900" indent="-342900" algn="l" rtl="0" eaLnBrk="0" fontAlgn="base" hangingPunct="0">
-              <a:spcBef>
-                <a:spcPct val="20000"/>
-              </a:spcBef>
-              <a:spcAft>
-                <a:spcPct val="0"/>
-              </a:spcAft>
-              <a:buFont typeface="Arial" panose="020B0604020202020204" pitchFamily="34" charset="0"/>
-              <a:buChar char="•"/>
-              <a:defRPr sz="3200" kern="1200">
-                <a:solidFill>
-                  <a:schemeClr val="tx1"/>
-                </a:solidFill>
-                <a:latin typeface="Arial" pitchFamily="34" charset="0"/>
-                <a:ea typeface="+mn-ea"/>
-                <a:cs typeface="Arial" pitchFamily="34" charset="0"/>
-              </a:defRPr>
-            </a:lvl1pPr>
-            <a:lvl2pPr marL="742950" indent="-285750" algn="l" rtl="0" eaLnBrk="0" fontAlgn="base" hangingPunct="0">
-              <a:spcBef>
-                <a:spcPct val="20000"/>
-              </a:spcBef>
-              <a:spcAft>
-                <a:spcPct val="0"/>
-              </a:spcAft>
-              <a:buFont typeface="Arial" panose="020B0604020202020204" pitchFamily="34" charset="0"/>
-              <a:buChar char="–"/>
-              <a:defRPr sz="2800" kern="1200">
-                <a:solidFill>
-                  <a:schemeClr val="tx1"/>
-                </a:solidFill>
-                <a:latin typeface="Arial" pitchFamily="34" charset="0"/>
-                <a:ea typeface="+mn-ea"/>
-                <a:cs typeface="Arial" pitchFamily="34" charset="0"/>
-              </a:defRPr>
-            </a:lvl2pPr>
-            <a:lvl3pPr marL="1143000" indent="-228600" algn="l" rtl="0" eaLnBrk="0" fontAlgn="base" hangingPunct="0">
-              <a:spcBef>
-                <a:spcPct val="20000"/>
-              </a:spcBef>
-              <a:spcAft>
-                <a:spcPct val="0"/>
-              </a:spcAft>
-              <a:buFont typeface="Arial" panose="020B0604020202020204" pitchFamily="34" charset="0"/>
-              <a:buChar char="•"/>
-              <a:defRPr sz="2400" kern="1200">
-                <a:solidFill>
-                  <a:schemeClr val="tx1"/>
-                </a:solidFill>
-                <a:latin typeface="Arial" pitchFamily="34" charset="0"/>
-                <a:ea typeface="+mn-ea"/>
-                <a:cs typeface="Arial" pitchFamily="34" charset="0"/>
-              </a:defRPr>
-            </a:lvl3pPr>
-            <a:lvl4pPr marL="1600200" indent="-228600" algn="l" rtl="0" eaLnBrk="0" fontAlgn="base" hangingPunct="0">
-              <a:spcBef>
-                <a:spcPct val="20000"/>
-              </a:spcBef>
-              <a:spcAft>
-                <a:spcPct val="0"/>
-              </a:spcAft>
-              <a:buFont typeface="Arial" panose="020B0604020202020204" pitchFamily="34" charset="0"/>
-              <a:buChar char="–"/>
-              <a:defRPr sz="2000" kern="1200">
-                <a:solidFill>
-                  <a:schemeClr val="tx1"/>
-                </a:solidFill>
-                <a:latin typeface="Arial" pitchFamily="34" charset="0"/>
-                <a:ea typeface="+mn-ea"/>
-                <a:cs typeface="Arial" pitchFamily="34" charset="0"/>
-              </a:defRPr>
-            </a:lvl4pPr>
-            <a:lvl5pPr marL="2057400" indent="-228600" algn="l" rtl="0" eaLnBrk="0" fontAlgn="base" hangingPunct="0">
-              <a:spcBef>
-                <a:spcPct val="20000"/>
-              </a:spcBef>
-              <a:spcAft>
-                <a:spcPct val="0"/>
-              </a:spcAft>
-              <a:buFont typeface="Arial" panose="020B0604020202020204" pitchFamily="34" charset="0"/>
-              <a:buChar char="»"/>
-              <a:defRPr sz="2000" kern="1200">
-                <a:solidFill>
-                  <a:schemeClr val="tx1"/>
-                </a:solidFill>
-                <a:latin typeface="Arial" pitchFamily="34" charset="0"/>
-                <a:ea typeface="+mn-ea"/>
-                <a:cs typeface="Arial" pitchFamily="34" charset="0"/>
-              </a:defRPr>
-            </a:lvl5pPr>
-            <a:lvl6pPr marL="2514600" indent="-228600" algn="l" defTabSz="914400" rtl="0" eaLnBrk="1" latinLnBrk="0" hangingPunct="1">
-              <a:spcBef>
-                <a:spcPct val="20000"/>
-              </a:spcBef>
-              <a:buFont typeface="Arial" pitchFamily="34" charset="0"/>
-              <a:buChar char="•"/>
-              <a:defRPr sz="2000" kern="1200">
-                <a:solidFill>
-                  <a:schemeClr val="tx1"/>
-                </a:solidFill>
-                <a:latin typeface="+mn-lt"/>
-                <a:ea typeface="+mn-ea"/>
-                <a:cs typeface="+mn-cs"/>
-              </a:defRPr>
-            </a:lvl6pPr>
-            <a:lvl7pPr marL="2971800" indent="-228600" algn="l" defTabSz="914400" rtl="0" eaLnBrk="1" latinLnBrk="0" hangingPunct="1">
-              <a:spcBef>
-                <a:spcPct val="20000"/>
-              </a:spcBef>
-              <a:buFont typeface="Arial" pitchFamily="34" charset="0"/>
-              <a:buChar char="•"/>
-              <a:defRPr sz="2000" kern="1200">
-                <a:solidFill>
-                  <a:schemeClr val="tx1"/>
-                </a:solidFill>
-                <a:latin typeface="+mn-lt"/>
-                <a:ea typeface="+mn-ea"/>
-                <a:cs typeface="+mn-cs"/>
-              </a:defRPr>
-            </a:lvl7pPr>
-            <a:lvl8pPr marL="3429000" indent="-228600" algn="l" defTabSz="914400" rtl="0" eaLnBrk="1" latinLnBrk="0" hangingPunct="1">
-              <a:spcBef>
-                <a:spcPct val="20000"/>
-              </a:spcBef>
-              <a:buFont typeface="Arial" pitchFamily="34" charset="0"/>
-              <a:buChar char="•"/>
-              <a:defRPr sz="2000" kern="1200">
-                <a:solidFill>
-                  <a:schemeClr val="tx1"/>
-                </a:solidFill>
-                <a:latin typeface="+mn-lt"/>
-                <a:ea typeface="+mn-ea"/>
-                <a:cs typeface="+mn-cs"/>
-              </a:defRPr>
-            </a:lvl8pPr>
-            <a:lvl9pPr marL="3886200" indent="-228600" algn="l" defTabSz="914400" rtl="0" eaLnBrk="1" latinLnBrk="0" hangingPunct="1">
-              <a:spcBef>
-                <a:spcPct val="20000"/>
-              </a:spcBef>
-              <a:buFont typeface="Arial" pitchFamily="34" charset="0"/>
-              <a:buChar char="•"/>
-              <a:defRPr sz="2000" kern="1200">
-                <a:solidFill>
-                  <a:schemeClr val="tx1"/>
-                </a:solidFill>
-                <a:latin typeface="+mn-lt"/>
-                <a:ea typeface="+mn-ea"/>
-                <a:cs typeface="+mn-cs"/>
-              </a:defRPr>
-            </a:lvl9pPr>
-          </a:lstStyle>
-          <a:p>
-            <a:pPr marL="0" indent="0" algn="r" eaLnBrk="1" fontAlgn="auto" hangingPunct="1">
-              <a:spcAft>
-                <a:spcPts val="0"/>
-              </a:spcAft>
-              <a:buNone/>
-              <a:defRPr/>
-            </a:pPr>
-            <a:r>
-              <a:rPr lang="es-CO" sz="2000" b="1" dirty="0">
-                <a:solidFill>
-                  <a:schemeClr val="tx1">
-                    <a:lumMod val="75000"/>
-                    <a:lumOff val="25000"/>
-                  </a:schemeClr>
-                </a:solidFill>
-              </a:rPr>
-              <a:t>OPERADORES DE ASIGNACIÓN</a:t>
-            </a:r>
-          </a:p>
-        </p:txBody>
-      </p:sp>
-      <p:sp>
-        <p:nvSpPr>
-          <p:cNvPr id="2" name="CuadroTexto 1">
-            <a:extLst>
-              <a:ext uri="{FF2B5EF4-FFF2-40B4-BE49-F238E27FC236}">
-                <a16:creationId xmlns:a16="http://schemas.microsoft.com/office/drawing/2014/main" id="{38B9E9CE-04E3-DE93-A00D-DDBB5875BE46}"/>
-              </a:ext>
-            </a:extLst>
-          </p:cNvPr>
-          <p:cNvSpPr txBox="1"/>
-          <p:nvPr/>
-        </p:nvSpPr>
-        <p:spPr>
-          <a:xfrm>
-            <a:off x="1763688" y="2060848"/>
-            <a:ext cx="5616624" cy="3139321"/>
-          </a:xfrm>
-          <a:prstGeom prst="rect">
-            <a:avLst/>
-          </a:prstGeom>
-          <a:noFill/>
-        </p:spPr>
-        <p:txBody>
-          <a:bodyPr wrap="square" rtlCol="0">
-            <a:spAutoFit/>
-          </a:bodyPr>
-          <a:lstStyle/>
-          <a:p>
-            <a:r>
-              <a:rPr lang="es-CO" dirty="0"/>
-              <a:t>EJERCICIO</a:t>
-            </a:r>
-          </a:p>
-          <a:p>
-            <a:r>
-              <a:rPr lang="es-CO" dirty="0"/>
-              <a:t>Realice la siguiente operación a mano y posteriormente en </a:t>
-            </a:r>
-            <a:r>
-              <a:rPr lang="es-CO" dirty="0" err="1"/>
-              <a:t>python</a:t>
-            </a:r>
-            <a:endParaRPr lang="es-CO" dirty="0"/>
-          </a:p>
-          <a:p>
-            <a:endParaRPr lang="es-CO" dirty="0"/>
-          </a:p>
-          <a:p>
-            <a:endParaRPr lang="es-CO" dirty="0"/>
-          </a:p>
-          <a:p>
-            <a:r>
-              <a:rPr lang="es-ES" b="0" dirty="0">
-                <a:effectLst/>
-                <a:latin typeface="Courier New" panose="02070309020205020404" pitchFamily="49" charset="0"/>
-              </a:rPr>
-              <a:t>a = 10</a:t>
-            </a:r>
-          </a:p>
-          <a:p>
-            <a:r>
-              <a:rPr lang="es-ES" b="0" dirty="0">
-                <a:effectLst/>
-                <a:latin typeface="Courier New" panose="02070309020205020404" pitchFamily="49" charset="0"/>
-              </a:rPr>
-              <a:t>b = 5</a:t>
-            </a:r>
-          </a:p>
-          <a:p>
-            <a:r>
-              <a:rPr lang="es-ES" b="0" dirty="0">
-                <a:effectLst/>
-                <a:latin typeface="Courier New" panose="02070309020205020404" pitchFamily="49" charset="0"/>
-              </a:rPr>
-              <a:t>a += b   </a:t>
-            </a:r>
-            <a:br>
-              <a:rPr lang="es-ES" b="0" dirty="0">
-                <a:effectLst/>
-                <a:latin typeface="Courier New" panose="02070309020205020404" pitchFamily="49" charset="0"/>
-              </a:rPr>
-            </a:br>
-            <a:r>
-              <a:rPr lang="es-ES" b="0" dirty="0">
-                <a:effectLst/>
-                <a:latin typeface="Courier New" panose="02070309020205020404" pitchFamily="49" charset="0"/>
-              </a:rPr>
-              <a:t>a = b  </a:t>
-            </a:r>
-            <a:br>
-              <a:rPr lang="es-ES" b="0" dirty="0">
-                <a:effectLst/>
-                <a:latin typeface="Courier New" panose="02070309020205020404" pitchFamily="49" charset="0"/>
-              </a:rPr>
-            </a:br>
-            <a:r>
-              <a:rPr lang="es-ES" b="0" dirty="0">
-                <a:effectLst/>
-                <a:latin typeface="Courier New" panose="02070309020205020404" pitchFamily="49" charset="0"/>
-              </a:rPr>
-              <a:t>a *= b </a:t>
-            </a:r>
-          </a:p>
-          <a:p>
-            <a:endParaRPr lang="es-CO" dirty="0"/>
-          </a:p>
-        </p:txBody>
-      </p:sp>
-    </p:spTree>
-    <p:extLst>
-      <p:ext uri="{BB962C8B-B14F-4D97-AF65-F5344CB8AC3E}">
-        <p14:creationId xmlns:p14="http://schemas.microsoft.com/office/powerpoint/2010/main" val="1638959537"/>
-      </p:ext>
-    </p:extLst>
-  </p:cSld>
-  <p:clrMapOvr>
-    <a:masterClrMapping/>
-  </p:clrMapOvr>
-</p:sld>
-</file>
-
-<file path=ppt/slides/slide7.xml><?xml version="1.0" encoding="utf-8"?>
-<p:sld xmlns:a="http://schemas.openxmlformats.org/drawingml/2006/main" xmlns:r="http://schemas.openxmlformats.org/officeDocument/2006/relationships" xmlns:p="http://schemas.openxmlformats.org/presentationml/2006/main">
-  <p:cSld>
-    <p:spTree>
-      <p:nvGrpSpPr>
-        <p:cNvPr id="1" name=""/>
-        <p:cNvGrpSpPr/>
-        <p:nvPr/>
-      </p:nvGrpSpPr>
-      <p:grpSpPr>
-        <a:xfrm>
-          <a:off x="0" y="0"/>
-          <a:ext cx="0" cy="0"/>
-          <a:chOff x="0" y="0"/>
-          <a:chExt cx="0" cy="0"/>
-        </a:xfrm>
-      </p:grpSpPr>
-      <p:sp>
-        <p:nvSpPr>
-          <p:cNvPr id="5122" name="1 Título">
-            <a:extLst>
-              <a:ext uri="{FF2B5EF4-FFF2-40B4-BE49-F238E27FC236}">
-                <a16:creationId xmlns:a16="http://schemas.microsoft.com/office/drawing/2014/main" id="{612B5792-076C-452D-8592-DDADCC263C58}"/>
-              </a:ext>
-            </a:extLst>
-          </p:cNvPr>
-          <p:cNvSpPr>
-            <a:spLocks noGrp="1"/>
-          </p:cNvSpPr>
-          <p:nvPr>
-            <p:ph type="ctrTitle"/>
-          </p:nvPr>
-        </p:nvSpPr>
-        <p:spPr>
-          <a:xfrm>
-            <a:off x="0" y="-28575"/>
-            <a:ext cx="779463" cy="720725"/>
-          </a:xfrm>
-        </p:spPr>
-        <p:txBody>
-          <a:bodyPr/>
-          <a:lstStyle/>
-          <a:p>
-            <a:pPr algn="ctr" eaLnBrk="1" hangingPunct="1"/>
-            <a:r>
-              <a:rPr lang="es-CO" altLang="es-CO" sz="3600" dirty="0"/>
-              <a:t>7</a:t>
+              <a:t>5</a:t>
             </a:r>
           </a:p>
         </p:txBody>
@@ -19061,7 +16527,7 @@
 </p:sld>
 </file>
 
-<file path=ppt/slides/slide8.xml><?xml version="1.0" encoding="utf-8"?>
+<file path=ppt/slides/slide6.xml><?xml version="1.0" encoding="utf-8"?>
 <p:sld xmlns:a="http://schemas.openxmlformats.org/drawingml/2006/main" xmlns:r="http://schemas.openxmlformats.org/officeDocument/2006/relationships" xmlns:p="http://schemas.openxmlformats.org/presentationml/2006/main">
   <p:cSld>
     <p:spTree>
@@ -19107,7 +16573,7 @@
             <a:pPr algn="ctr" eaLnBrk="1" hangingPunct="1"/>
             <a:r>
               <a:rPr lang="es-CO" altLang="es-CO" sz="3600" dirty="0"/>
-              <a:t>8</a:t>
+              <a:t>6</a:t>
             </a:r>
           </a:p>
         </p:txBody>
@@ -19401,14 +16867,14 @@
           <p:nvPr>
             <p:extLst>
               <p:ext uri="{D42A27DB-BD31-4B8C-83A1-F6EECF244321}">
-                <p14:modId xmlns:p14="http://schemas.microsoft.com/office/powerpoint/2010/main" val="4169378796"/>
+                <p14:modId xmlns:p14="http://schemas.microsoft.com/office/powerpoint/2010/main" val="1235018543"/>
               </p:ext>
             </p:extLst>
           </p:nvPr>
         </p:nvGraphicFramePr>
         <p:xfrm>
           <a:off x="1524000" y="1916832"/>
-          <a:ext cx="6096000" cy="2966720"/>
+          <a:ext cx="6096000" cy="1483360"/>
         </p:xfrm>
         <a:graphic>
           <a:graphicData uri="http://schemas.openxmlformats.org/drawingml/2006/table">
@@ -19513,7 +16979,7 @@
                     <a:p>
                       <a:r>
                         <a:rPr lang="es-CO" dirty="0"/>
-                        <a:t>&amp;</a:t>
+                        <a:t>&amp;&amp;</a:t>
                       </a:r>
                     </a:p>
                   </a:txBody>
@@ -19572,7 +17038,7 @@
                     <a:p>
                       <a:r>
                         <a:rPr lang="es-CO" dirty="0"/>
-                        <a:t>|</a:t>
+                        <a:t>||</a:t>
                       </a:r>
                     </a:p>
                   </a:txBody>
@@ -19687,207 +17153,6 @@
                   </a:ext>
                 </a:extLst>
               </a:tr>
-              <a:tr h="370840">
-                <a:tc>
-                  <a:txBody>
-                    <a:bodyPr/>
-                    <a:lstStyle/>
-                    <a:p>
-                      <a:endParaRPr lang="es-CO" dirty="0"/>
-                    </a:p>
-                  </a:txBody>
-                  <a:tcPr/>
-                </a:tc>
-                <a:tc>
-                  <a:txBody>
-                    <a:bodyPr/>
-                    <a:lstStyle/>
-                    <a:p>
-                      <a:endParaRPr lang="es-CO" dirty="0"/>
-                    </a:p>
-                  </a:txBody>
-                  <a:tcPr/>
-                </a:tc>
-                <a:tc>
-                  <a:txBody>
-                    <a:bodyPr/>
-                    <a:lstStyle/>
-                    <a:p>
-                      <a:endParaRPr lang="es-CO" dirty="0"/>
-                    </a:p>
-                  </a:txBody>
-                  <a:tcPr/>
-                </a:tc>
-                <a:tc>
-                  <a:txBody>
-                    <a:bodyPr/>
-                    <a:lstStyle/>
-                    <a:p>
-                      <a:endParaRPr lang="es-CO" dirty="0"/>
-                    </a:p>
-                  </a:txBody>
-                  <a:tcPr/>
-                </a:tc>
-                <a:extLst>
-                  <a:ext uri="{0D108BD9-81ED-4DB2-BD59-A6C34878D82A}">
-                    <a16:rowId xmlns:a16="http://schemas.microsoft.com/office/drawing/2014/main" val="150240597"/>
-                  </a:ext>
-                </a:extLst>
-              </a:tr>
-              <a:tr h="370840">
-                <a:tc>
-                  <a:txBody>
-                    <a:bodyPr/>
-                    <a:lstStyle/>
-                    <a:p>
-                      <a:r>
-                        <a:rPr lang="es-CO" dirty="0"/>
-                        <a:t>+</a:t>
-                      </a:r>
-                    </a:p>
-                  </a:txBody>
-                  <a:tcPr/>
-                </a:tc>
-                <a:tc>
-                  <a:txBody>
-                    <a:bodyPr/>
-                    <a:lstStyle/>
-                    <a:p>
-                      <a:r>
-                        <a:rPr lang="es-CO" dirty="0"/>
-                        <a:t>Unión</a:t>
-                      </a:r>
-                    </a:p>
-                  </a:txBody>
-                  <a:tcPr/>
-                </a:tc>
-                <a:tc>
-                  <a:txBody>
-                    <a:bodyPr/>
-                    <a:lstStyle/>
-                    <a:p>
-                      <a:r>
-                        <a:rPr lang="es-CO" dirty="0"/>
-                        <a:t>Hola + Estudiantes  </a:t>
-                      </a:r>
-                    </a:p>
-                  </a:txBody>
-                  <a:tcPr/>
-                </a:tc>
-                <a:tc>
-                  <a:txBody>
-                    <a:bodyPr/>
-                    <a:lstStyle/>
-                    <a:p>
-                      <a:r>
-                        <a:rPr lang="es-CO"/>
-                        <a:t>Hola Estudiantes</a:t>
-                      </a:r>
-                      <a:endParaRPr lang="es-CO" dirty="0"/>
-                    </a:p>
-                  </a:txBody>
-                  <a:tcPr/>
-                </a:tc>
-                <a:extLst>
-                  <a:ext uri="{0D108BD9-81ED-4DB2-BD59-A6C34878D82A}">
-                    <a16:rowId xmlns:a16="http://schemas.microsoft.com/office/drawing/2014/main" val="2072606227"/>
-                  </a:ext>
-                </a:extLst>
-              </a:tr>
-              <a:tr h="370840">
-                <a:tc>
-                  <a:txBody>
-                    <a:bodyPr/>
-                    <a:lstStyle/>
-                    <a:p>
-                      <a:endParaRPr lang="es-CO" dirty="0"/>
-                    </a:p>
-                  </a:txBody>
-                  <a:tcPr/>
-                </a:tc>
-                <a:tc>
-                  <a:txBody>
-                    <a:bodyPr/>
-                    <a:lstStyle/>
-                    <a:p>
-                      <a:endParaRPr lang="es-CO" dirty="0"/>
-                    </a:p>
-                  </a:txBody>
-                  <a:tcPr/>
-                </a:tc>
-                <a:tc>
-                  <a:txBody>
-                    <a:bodyPr/>
-                    <a:lstStyle/>
-                    <a:p>
-                      <a:endParaRPr lang="es-CO" dirty="0"/>
-                    </a:p>
-                  </a:txBody>
-                  <a:tcPr/>
-                </a:tc>
-                <a:tc>
-                  <a:txBody>
-                    <a:bodyPr/>
-                    <a:lstStyle/>
-                    <a:p>
-                      <a:endParaRPr lang="es-CO" dirty="0"/>
-                    </a:p>
-                  </a:txBody>
-                  <a:tcPr/>
-                </a:tc>
-                <a:extLst>
-                  <a:ext uri="{0D108BD9-81ED-4DB2-BD59-A6C34878D82A}">
-                    <a16:rowId xmlns:a16="http://schemas.microsoft.com/office/drawing/2014/main" val="208013952"/>
-                  </a:ext>
-                </a:extLst>
-              </a:tr>
-              <a:tr h="370840">
-                <a:tc>
-                  <a:txBody>
-                    <a:bodyPr/>
-                    <a:lstStyle/>
-                    <a:p>
-                      <a:endParaRPr lang="es-CO" dirty="0"/>
-                    </a:p>
-                  </a:txBody>
-                  <a:tcPr/>
-                </a:tc>
-                <a:tc>
-                  <a:txBody>
-                    <a:bodyPr/>
-                    <a:lstStyle/>
-                    <a:p>
-                      <a:endParaRPr lang="es-CO" dirty="0"/>
-                    </a:p>
-                  </a:txBody>
-                  <a:tcPr/>
-                </a:tc>
-                <a:tc>
-                  <a:txBody>
-                    <a:bodyPr/>
-                    <a:lstStyle/>
-                    <a:p>
-                      <a:endParaRPr lang="es-CO" dirty="0"/>
-                    </a:p>
-                  </a:txBody>
-                  <a:tcPr/>
-                </a:tc>
-                <a:tc>
-                  <a:txBody>
-                    <a:bodyPr/>
-                    <a:lstStyle/>
-                    <a:p>
-                      <a:endParaRPr lang="es-CO" dirty="0"/>
-                    </a:p>
-                  </a:txBody>
-                  <a:tcPr/>
-                </a:tc>
-                <a:extLst>
-                  <a:ext uri="{0D108BD9-81ED-4DB2-BD59-A6C34878D82A}">
-                    <a16:rowId xmlns:a16="http://schemas.microsoft.com/office/drawing/2014/main" val="3366693658"/>
-                  </a:ext>
-                </a:extLst>
-              </a:tr>
             </a:tbl>
           </a:graphicData>
         </a:graphic>
@@ -20123,426 +17388,6 @@
     <p:extLst>
       <p:ext uri="{BB962C8B-B14F-4D97-AF65-F5344CB8AC3E}">
         <p14:creationId xmlns:p14="http://schemas.microsoft.com/office/powerpoint/2010/main" val="4156492543"/>
-      </p:ext>
-    </p:extLst>
-  </p:cSld>
-  <p:clrMapOvr>
-    <a:masterClrMapping/>
-  </p:clrMapOvr>
-</p:sld>
-</file>
-
-<file path=ppt/slides/slide9.xml><?xml version="1.0" encoding="utf-8"?>
-<p:sld xmlns:a="http://schemas.openxmlformats.org/drawingml/2006/main" xmlns:r="http://schemas.openxmlformats.org/officeDocument/2006/relationships" xmlns:p="http://schemas.openxmlformats.org/presentationml/2006/main">
-  <p:cSld>
-    <p:spTree>
-      <p:nvGrpSpPr>
-        <p:cNvPr id="1" name="">
-          <a:extLst>
-            <a:ext uri="{FF2B5EF4-FFF2-40B4-BE49-F238E27FC236}">
-              <a16:creationId xmlns:a16="http://schemas.microsoft.com/office/drawing/2014/main" id="{9CFDE2BD-6CC2-9C93-A749-0848712CA2FE}"/>
-            </a:ext>
-          </a:extLst>
-        </p:cNvPr>
-        <p:cNvGrpSpPr/>
-        <p:nvPr/>
-      </p:nvGrpSpPr>
-      <p:grpSpPr>
-        <a:xfrm>
-          <a:off x="0" y="0"/>
-          <a:ext cx="0" cy="0"/>
-          <a:chOff x="0" y="0"/>
-          <a:chExt cx="0" cy="0"/>
-        </a:xfrm>
-      </p:grpSpPr>
-      <p:sp>
-        <p:nvSpPr>
-          <p:cNvPr id="5122" name="1 Título">
-            <a:extLst>
-              <a:ext uri="{FF2B5EF4-FFF2-40B4-BE49-F238E27FC236}">
-                <a16:creationId xmlns:a16="http://schemas.microsoft.com/office/drawing/2014/main" id="{39A46DCC-9496-685D-FABE-A434B2EE842E}"/>
-              </a:ext>
-            </a:extLst>
-          </p:cNvPr>
-          <p:cNvSpPr>
-            <a:spLocks noGrp="1"/>
-          </p:cNvSpPr>
-          <p:nvPr>
-            <p:ph type="ctrTitle"/>
-          </p:nvPr>
-        </p:nvSpPr>
-        <p:spPr>
-          <a:xfrm>
-            <a:off x="0" y="-28575"/>
-            <a:ext cx="779463" cy="720725"/>
-          </a:xfrm>
-        </p:spPr>
-        <p:txBody>
-          <a:bodyPr/>
-          <a:lstStyle/>
-          <a:p>
-            <a:pPr algn="ctr" eaLnBrk="1" hangingPunct="1"/>
-            <a:r>
-              <a:rPr lang="es-CO" altLang="es-CO" sz="3600" dirty="0"/>
-              <a:t>9</a:t>
-            </a:r>
-          </a:p>
-        </p:txBody>
-      </p:sp>
-      <p:sp>
-        <p:nvSpPr>
-          <p:cNvPr id="10" name="2 Subtítulo">
-            <a:extLst>
-              <a:ext uri="{FF2B5EF4-FFF2-40B4-BE49-F238E27FC236}">
-                <a16:creationId xmlns:a16="http://schemas.microsoft.com/office/drawing/2014/main" id="{0E6CAC71-B148-8FF6-647A-DCCF912086C7}"/>
-              </a:ext>
-            </a:extLst>
-          </p:cNvPr>
-          <p:cNvSpPr txBox="1">
-            <a:spLocks/>
-          </p:cNvSpPr>
-          <p:nvPr/>
-        </p:nvSpPr>
-        <p:spPr bwMode="auto">
-          <a:xfrm>
-            <a:off x="2743200" y="192087"/>
-            <a:ext cx="6400800" cy="500063"/>
-          </a:xfrm>
-          <a:prstGeom prst="rect">
-            <a:avLst/>
-          </a:prstGeom>
-          <a:noFill/>
-          <a:ln>
-            <a:noFill/>
-          </a:ln>
-          <a:extLst>
-            <a:ext uri="{909E8E84-426E-40DD-AFC4-6F175D3DCCD1}">
-              <a14:hiddenFill xmlns:a14="http://schemas.microsoft.com/office/drawing/2010/main">
-                <a:solidFill>
-                  <a:srgbClr val="FFFFFF"/>
-                </a:solidFill>
-              </a14:hiddenFill>
-            </a:ext>
-            <a:ext uri="{91240B29-F687-4F45-9708-019B960494DF}">
-              <a14:hiddenLine xmlns:a14="http://schemas.microsoft.com/office/drawing/2010/main" w="9525">
-                <a:solidFill>
-                  <a:srgbClr val="000000"/>
-                </a:solidFill>
-                <a:miter lim="800000"/>
-                <a:headEnd/>
-                <a:tailEnd/>
-              </a14:hiddenLine>
-            </a:ext>
-          </a:extLst>
-        </p:spPr>
-        <p:txBody>
-          <a:bodyPr vert="horz" wrap="square" lIns="91440" tIns="45720" rIns="91440" bIns="45720" numCol="1" rtlCol="0" anchor="t" anchorCtr="0" compatLnSpc="1">
-            <a:prstTxWarp prst="textNoShape">
-              <a:avLst/>
-            </a:prstTxWarp>
-            <a:noAutofit/>
-          </a:bodyPr>
-          <a:lstStyle>
-            <a:lvl1pPr marL="342900" indent="-342900" algn="l" rtl="0" eaLnBrk="0" fontAlgn="base" hangingPunct="0">
-              <a:spcBef>
-                <a:spcPct val="20000"/>
-              </a:spcBef>
-              <a:spcAft>
-                <a:spcPct val="0"/>
-              </a:spcAft>
-              <a:buFont typeface="Arial" panose="020B0604020202020204" pitchFamily="34" charset="0"/>
-              <a:buChar char="•"/>
-              <a:defRPr sz="3200" kern="1200">
-                <a:solidFill>
-                  <a:schemeClr val="tx1"/>
-                </a:solidFill>
-                <a:latin typeface="Arial" pitchFamily="34" charset="0"/>
-                <a:ea typeface="+mn-ea"/>
-                <a:cs typeface="Arial" pitchFamily="34" charset="0"/>
-              </a:defRPr>
-            </a:lvl1pPr>
-            <a:lvl2pPr marL="742950" indent="-285750" algn="l" rtl="0" eaLnBrk="0" fontAlgn="base" hangingPunct="0">
-              <a:spcBef>
-                <a:spcPct val="20000"/>
-              </a:spcBef>
-              <a:spcAft>
-                <a:spcPct val="0"/>
-              </a:spcAft>
-              <a:buFont typeface="Arial" panose="020B0604020202020204" pitchFamily="34" charset="0"/>
-              <a:buChar char="–"/>
-              <a:defRPr sz="2800" kern="1200">
-                <a:solidFill>
-                  <a:schemeClr val="tx1"/>
-                </a:solidFill>
-                <a:latin typeface="Arial" pitchFamily="34" charset="0"/>
-                <a:ea typeface="+mn-ea"/>
-                <a:cs typeface="Arial" pitchFamily="34" charset="0"/>
-              </a:defRPr>
-            </a:lvl2pPr>
-            <a:lvl3pPr marL="1143000" indent="-228600" algn="l" rtl="0" eaLnBrk="0" fontAlgn="base" hangingPunct="0">
-              <a:spcBef>
-                <a:spcPct val="20000"/>
-              </a:spcBef>
-              <a:spcAft>
-                <a:spcPct val="0"/>
-              </a:spcAft>
-              <a:buFont typeface="Arial" panose="020B0604020202020204" pitchFamily="34" charset="0"/>
-              <a:buChar char="•"/>
-              <a:defRPr sz="2400" kern="1200">
-                <a:solidFill>
-                  <a:schemeClr val="tx1"/>
-                </a:solidFill>
-                <a:latin typeface="Arial" pitchFamily="34" charset="0"/>
-                <a:ea typeface="+mn-ea"/>
-                <a:cs typeface="Arial" pitchFamily="34" charset="0"/>
-              </a:defRPr>
-            </a:lvl3pPr>
-            <a:lvl4pPr marL="1600200" indent="-228600" algn="l" rtl="0" eaLnBrk="0" fontAlgn="base" hangingPunct="0">
-              <a:spcBef>
-                <a:spcPct val="20000"/>
-              </a:spcBef>
-              <a:spcAft>
-                <a:spcPct val="0"/>
-              </a:spcAft>
-              <a:buFont typeface="Arial" panose="020B0604020202020204" pitchFamily="34" charset="0"/>
-              <a:buChar char="–"/>
-              <a:defRPr sz="2000" kern="1200">
-                <a:solidFill>
-                  <a:schemeClr val="tx1"/>
-                </a:solidFill>
-                <a:latin typeface="Arial" pitchFamily="34" charset="0"/>
-                <a:ea typeface="+mn-ea"/>
-                <a:cs typeface="Arial" pitchFamily="34" charset="0"/>
-              </a:defRPr>
-            </a:lvl4pPr>
-            <a:lvl5pPr marL="2057400" indent="-228600" algn="l" rtl="0" eaLnBrk="0" fontAlgn="base" hangingPunct="0">
-              <a:spcBef>
-                <a:spcPct val="20000"/>
-              </a:spcBef>
-              <a:spcAft>
-                <a:spcPct val="0"/>
-              </a:spcAft>
-              <a:buFont typeface="Arial" panose="020B0604020202020204" pitchFamily="34" charset="0"/>
-              <a:buChar char="»"/>
-              <a:defRPr sz="2000" kern="1200">
-                <a:solidFill>
-                  <a:schemeClr val="tx1"/>
-                </a:solidFill>
-                <a:latin typeface="Arial" pitchFamily="34" charset="0"/>
-                <a:ea typeface="+mn-ea"/>
-                <a:cs typeface="Arial" pitchFamily="34" charset="0"/>
-              </a:defRPr>
-            </a:lvl5pPr>
-            <a:lvl6pPr marL="2514600" indent="-228600" algn="l" defTabSz="914400" rtl="0" eaLnBrk="1" latinLnBrk="0" hangingPunct="1">
-              <a:spcBef>
-                <a:spcPct val="20000"/>
-              </a:spcBef>
-              <a:buFont typeface="Arial" pitchFamily="34" charset="0"/>
-              <a:buChar char="•"/>
-              <a:defRPr sz="2000" kern="1200">
-                <a:solidFill>
-                  <a:schemeClr val="tx1"/>
-                </a:solidFill>
-                <a:latin typeface="+mn-lt"/>
-                <a:ea typeface="+mn-ea"/>
-                <a:cs typeface="+mn-cs"/>
-              </a:defRPr>
-            </a:lvl6pPr>
-            <a:lvl7pPr marL="2971800" indent="-228600" algn="l" defTabSz="914400" rtl="0" eaLnBrk="1" latinLnBrk="0" hangingPunct="1">
-              <a:spcBef>
-                <a:spcPct val="20000"/>
-              </a:spcBef>
-              <a:buFont typeface="Arial" pitchFamily="34" charset="0"/>
-              <a:buChar char="•"/>
-              <a:defRPr sz="2000" kern="1200">
-                <a:solidFill>
-                  <a:schemeClr val="tx1"/>
-                </a:solidFill>
-                <a:latin typeface="+mn-lt"/>
-                <a:ea typeface="+mn-ea"/>
-                <a:cs typeface="+mn-cs"/>
-              </a:defRPr>
-            </a:lvl7pPr>
-            <a:lvl8pPr marL="3429000" indent="-228600" algn="l" defTabSz="914400" rtl="0" eaLnBrk="1" latinLnBrk="0" hangingPunct="1">
-              <a:spcBef>
-                <a:spcPct val="20000"/>
-              </a:spcBef>
-              <a:buFont typeface="Arial" pitchFamily="34" charset="0"/>
-              <a:buChar char="•"/>
-              <a:defRPr sz="2000" kern="1200">
-                <a:solidFill>
-                  <a:schemeClr val="tx1"/>
-                </a:solidFill>
-                <a:latin typeface="+mn-lt"/>
-                <a:ea typeface="+mn-ea"/>
-                <a:cs typeface="+mn-cs"/>
-              </a:defRPr>
-            </a:lvl8pPr>
-            <a:lvl9pPr marL="3886200" indent="-228600" algn="l" defTabSz="914400" rtl="0" eaLnBrk="1" latinLnBrk="0" hangingPunct="1">
-              <a:spcBef>
-                <a:spcPct val="20000"/>
-              </a:spcBef>
-              <a:buFont typeface="Arial" pitchFamily="34" charset="0"/>
-              <a:buChar char="•"/>
-              <a:defRPr sz="2000" kern="1200">
-                <a:solidFill>
-                  <a:schemeClr val="tx1"/>
-                </a:solidFill>
-                <a:latin typeface="+mn-lt"/>
-                <a:ea typeface="+mn-ea"/>
-                <a:cs typeface="+mn-cs"/>
-              </a:defRPr>
-            </a:lvl9pPr>
-          </a:lstStyle>
-          <a:p>
-            <a:pPr marL="0" indent="0" algn="r" eaLnBrk="1" fontAlgn="auto" hangingPunct="1">
-              <a:spcAft>
-                <a:spcPts val="0"/>
-              </a:spcAft>
-              <a:buNone/>
-              <a:defRPr/>
-            </a:pPr>
-            <a:r>
-              <a:rPr lang="es-CO" sz="2000" b="1" dirty="0">
-                <a:solidFill>
-                  <a:schemeClr val="tx1">
-                    <a:lumMod val="75000"/>
-                    <a:lumOff val="25000"/>
-                  </a:schemeClr>
-                </a:solidFill>
-              </a:rPr>
-              <a:t>PROGRAMACIÓN</a:t>
-            </a:r>
-          </a:p>
-        </p:txBody>
-      </p:sp>
-      <p:pic>
-        <p:nvPicPr>
-          <p:cNvPr id="1028" name="Picture 4" descr="Programas - Intranet ETITC">
-            <a:extLst>
-              <a:ext uri="{FF2B5EF4-FFF2-40B4-BE49-F238E27FC236}">
-                <a16:creationId xmlns:a16="http://schemas.microsoft.com/office/drawing/2014/main" id="{935F69EC-B841-4EBB-3B24-90165E47A9FD}"/>
-              </a:ext>
-            </a:extLst>
-          </p:cNvPr>
-          <p:cNvPicPr>
-            <a:picLocks noChangeAspect="1" noChangeArrowheads="1"/>
-          </p:cNvPicPr>
-          <p:nvPr/>
-        </p:nvPicPr>
-        <p:blipFill>
-          <a:blip r:embed="rId3">
-            <a:extLst>
-              <a:ext uri="{28A0092B-C50C-407E-A947-70E740481C1C}">
-                <a14:useLocalDpi xmlns:a14="http://schemas.microsoft.com/office/drawing/2010/main" val="0"/>
-              </a:ext>
-            </a:extLst>
-          </a:blip>
-          <a:srcRect/>
-          <a:stretch>
-            <a:fillRect/>
-          </a:stretch>
-        </p:blipFill>
-        <p:spPr bwMode="auto">
-          <a:xfrm>
-            <a:off x="795338" y="44758"/>
-            <a:ext cx="2483768" cy="794720"/>
-          </a:xfrm>
-          <a:prstGeom prst="rect">
-            <a:avLst/>
-          </a:prstGeom>
-          <a:noFill/>
-          <a:extLst>
-            <a:ext uri="{909E8E84-426E-40DD-AFC4-6F175D3DCCD1}">
-              <a14:hiddenFill xmlns:a14="http://schemas.microsoft.com/office/drawing/2010/main">
-                <a:solidFill>
-                  <a:srgbClr val="FFFFFF"/>
-                </a:solidFill>
-              </a14:hiddenFill>
-            </a:ext>
-          </a:extLst>
-        </p:spPr>
-      </p:pic>
-      <p:sp>
-        <p:nvSpPr>
-          <p:cNvPr id="4" name="CuadroTexto 3">
-            <a:extLst>
-              <a:ext uri="{FF2B5EF4-FFF2-40B4-BE49-F238E27FC236}">
-                <a16:creationId xmlns:a16="http://schemas.microsoft.com/office/drawing/2014/main" id="{62B88E32-2960-AC29-6B0A-DC2DE6D5AE71}"/>
-              </a:ext>
-            </a:extLst>
-          </p:cNvPr>
-          <p:cNvSpPr txBox="1"/>
-          <p:nvPr/>
-        </p:nvSpPr>
-        <p:spPr>
-          <a:xfrm>
-            <a:off x="1691680" y="2060848"/>
-            <a:ext cx="5616624" cy="2585323"/>
-          </a:xfrm>
-          <a:prstGeom prst="rect">
-            <a:avLst/>
-          </a:prstGeom>
-          <a:noFill/>
-        </p:spPr>
-        <p:txBody>
-          <a:bodyPr wrap="square" rtlCol="0">
-            <a:spAutoFit/>
-          </a:bodyPr>
-          <a:lstStyle/>
-          <a:p>
-            <a:r>
-              <a:rPr lang="es-CO" dirty="0"/>
-              <a:t>Taller</a:t>
-            </a:r>
-          </a:p>
-          <a:p>
-            <a:r>
-              <a:rPr lang="es-CO" dirty="0"/>
-              <a:t>Diseñe un programa en Python que:</a:t>
-            </a:r>
-          </a:p>
-          <a:p>
-            <a:r>
-              <a:rPr lang="es-CO" dirty="0"/>
-              <a:t>Solicite un número “a” y “b” al usuario</a:t>
-            </a:r>
-          </a:p>
-          <a:p>
-            <a:r>
-              <a:rPr lang="es-CO" dirty="0"/>
-              <a:t>Realice las siguientes operaciones utilizando distintos operadores y muestre los resultados:</a:t>
-            </a:r>
-          </a:p>
-          <a:p>
-            <a:r>
-              <a:rPr lang="es-CO" dirty="0"/>
-              <a:t>Suma, potencia y modulo</a:t>
-            </a:r>
-          </a:p>
-          <a:p>
-            <a:r>
-              <a:rPr lang="es-CO" dirty="0"/>
-              <a:t>Verificar si a </a:t>
-            </a:r>
-            <a:r>
-              <a:rPr lang="es-CO"/>
-              <a:t>&lt; b </a:t>
-            </a:r>
-            <a:endParaRPr lang="es-CO" dirty="0"/>
-          </a:p>
-          <a:p>
-            <a:endParaRPr lang="es-ES" dirty="0"/>
-          </a:p>
-          <a:p>
-            <a:endParaRPr lang="es-CO" dirty="0"/>
-          </a:p>
-        </p:txBody>
-      </p:sp>
-    </p:spTree>
-    <p:extLst>
-      <p:ext uri="{BB962C8B-B14F-4D97-AF65-F5344CB8AC3E}">
-        <p14:creationId xmlns:p14="http://schemas.microsoft.com/office/powerpoint/2010/main" val="1663543374"/>
       </p:ext>
     </p:extLst>
   </p:cSld>
@@ -21423,6 +18268,14 @@
 </file>
 
 <file path=customXml/item2.xml><?xml version="1.0" encoding="utf-8"?>
+<p:properties xmlns:p="http://schemas.microsoft.com/office/2006/metadata/properties" xmlns:xsi="http://www.w3.org/2001/XMLSchema-instance" xmlns:pc="http://schemas.microsoft.com/office/infopath/2007/PartnerControls">
+  <documentManagement>
+    <_activity xmlns="bdc56f61-abc0-4f7e-bfec-a93ccd1ae886" xsi:nil="true"/>
+  </documentManagement>
+</p:properties>
+</file>
+
+<file path=customXml/item3.xml><?xml version="1.0" encoding="utf-8"?>
 <ct:contentTypeSchema xmlns:ct="http://schemas.microsoft.com/office/2006/metadata/contentType" xmlns:ma="http://schemas.microsoft.com/office/2006/metadata/properties/metaAttributes" ct:_="" ma:_="" ma:contentTypeName="Documento" ma:contentTypeID="0x0101007A62137D465CE64A8C883A4664514BF8" ma:contentTypeVersion="15" ma:contentTypeDescription="Crear nuevo documento." ma:contentTypeScope="" ma:versionID="a1bd1d59f691eb9bca6952b111268275">
   <xsd:schema xmlns:xsd="http://www.w3.org/2001/XMLSchema" xmlns:xs="http://www.w3.org/2001/XMLSchema" xmlns:p="http://schemas.microsoft.com/office/2006/metadata/properties" xmlns:ns3="669280c1-d17e-4d1d-bd7f-b4f14cc6bf1d" xmlns:ns4="bdc56f61-abc0-4f7e-bfec-a93ccd1ae886" targetNamespace="http://schemas.microsoft.com/office/2006/metadata/properties" ma:root="true" ma:fieldsID="d02990a02f19f0f9fc7b999b1809cae4" ns3:_="" ns4:_="">
     <xsd:import namespace="669280c1-d17e-4d1d-bd7f-b4f14cc6bf1d"/>
@@ -21657,14 +18510,6 @@
 </ct:contentTypeSchema>
 </file>
 
-<file path=customXml/item3.xml><?xml version="1.0" encoding="utf-8"?>
-<p:properties xmlns:p="http://schemas.microsoft.com/office/2006/metadata/properties" xmlns:xsi="http://www.w3.org/2001/XMLSchema-instance" xmlns:pc="http://schemas.microsoft.com/office/infopath/2007/PartnerControls">
-  <documentManagement>
-    <_activity xmlns="bdc56f61-abc0-4f7e-bfec-a93ccd1ae886" xsi:nil="true"/>
-  </documentManagement>
-</p:properties>
-</file>
-
 <file path=customXml/itemProps1.xml><?xml version="1.0" encoding="utf-8"?>
 <ds:datastoreItem xmlns:ds="http://schemas.openxmlformats.org/officeDocument/2006/customXml" ds:itemID="{4E8623C8-32E1-48B0-9F0A-13F2E9582B7E}">
   <ds:schemaRefs>
@@ -21674,6 +18519,23 @@
 </file>
 
 <file path=customXml/itemProps2.xml><?xml version="1.0" encoding="utf-8"?>
+<ds:datastoreItem xmlns:ds="http://schemas.openxmlformats.org/officeDocument/2006/customXml" ds:itemID="{0825853C-1B27-4995-A583-4D39F900BB7F}">
+  <ds:schemaRefs>
+    <ds:schemaRef ds:uri="http://schemas.microsoft.com/office/2006/documentManagement/types"/>
+    <ds:schemaRef ds:uri="http://purl.org/dc/dcmitype/"/>
+    <ds:schemaRef ds:uri="http://schemas.openxmlformats.org/package/2006/metadata/core-properties"/>
+    <ds:schemaRef ds:uri="669280c1-d17e-4d1d-bd7f-b4f14cc6bf1d"/>
+    <ds:schemaRef ds:uri="http://purl.org/dc/elements/1.1/"/>
+    <ds:schemaRef ds:uri="http://purl.org/dc/terms/"/>
+    <ds:schemaRef ds:uri="http://schemas.microsoft.com/office/infopath/2007/PartnerControls"/>
+    <ds:schemaRef ds:uri="bdc56f61-abc0-4f7e-bfec-a93ccd1ae886"/>
+    <ds:schemaRef ds:uri="http://schemas.microsoft.com/office/2006/metadata/properties"/>
+    <ds:schemaRef ds:uri="http://www.w3.org/XML/1998/namespace"/>
+  </ds:schemaRefs>
+</ds:datastoreItem>
+</file>
+
+<file path=customXml/itemProps3.xml><?xml version="1.0" encoding="utf-8"?>
 <ds:datastoreItem xmlns:ds="http://schemas.openxmlformats.org/officeDocument/2006/customXml" ds:itemID="{025820C3-FD82-4EFC-BF14-EAF1F9613F52}">
   <ds:schemaRefs>
     <ds:schemaRef ds:uri="http://schemas.microsoft.com/office/2006/metadata/contentType"/>
@@ -21690,21 +18552,4 @@
     <ds:schemaRef ds:uri="http://schemas.microsoft.com/internal/obd"/>
   </ds:schemaRefs>
 </ds:datastoreItem>
-</file>
-
-<file path=customXml/itemProps3.xml><?xml version="1.0" encoding="utf-8"?>
-<ds:datastoreItem xmlns:ds="http://schemas.openxmlformats.org/officeDocument/2006/customXml" ds:itemID="{0825853C-1B27-4995-A583-4D39F900BB7F}">
-  <ds:schemaRefs>
-    <ds:schemaRef ds:uri="http://schemas.microsoft.com/office/2006/documentManagement/types"/>
-    <ds:schemaRef ds:uri="http://purl.org/dc/dcmitype/"/>
-    <ds:schemaRef ds:uri="http://schemas.openxmlformats.org/package/2006/metadata/core-properties"/>
-    <ds:schemaRef ds:uri="669280c1-d17e-4d1d-bd7f-b4f14cc6bf1d"/>
-    <ds:schemaRef ds:uri="http://purl.org/dc/elements/1.1/"/>
-    <ds:schemaRef ds:uri="http://purl.org/dc/terms/"/>
-    <ds:schemaRef ds:uri="http://schemas.microsoft.com/office/infopath/2007/PartnerControls"/>
-    <ds:schemaRef ds:uri="bdc56f61-abc0-4f7e-bfec-a93ccd1ae886"/>
-    <ds:schemaRef ds:uri="http://schemas.microsoft.com/office/2006/metadata/properties"/>
-    <ds:schemaRef ds:uri="http://www.w3.org/XML/1998/namespace"/>
-  </ds:schemaRefs>
-</ds:datastoreItem>
 </file>
--- a/Sesión_0/Operadores.pptx
+++ b/Sesión_0/Operadores.pptx
@@ -165,7 +165,7 @@
 <file path=ppt/revisionInfo.xml><?xml version="1.0" encoding="utf-8"?>
 <p1510:revInfo xmlns:a="http://schemas.openxmlformats.org/drawingml/2006/main" xmlns:r="http://schemas.openxmlformats.org/officeDocument/2006/relationships" xmlns:p1510="http://schemas.microsoft.com/office/powerpoint/2015/10/main">
   <p1510:revLst>
-    <p1510:client id="{AE6574F8-9BCE-4D87-901A-19627C7C729F}" v="4" dt="2025-02-04T16:43:52.785"/>
+    <p1510:client id="{AE6574F8-9BCE-4D87-901A-19627C7C729F}" v="5" dt="2025-02-05T17:54:50.239"/>
   </p1510:revLst>
 </p1510:revInfo>
 </file>
@@ -495,7 +495,7 @@
   <pc:docChgLst>
     <pc:chgData name="JHEYSON FABIAN VILLAVISAN BUITRAGO" userId="e5ced5c2-d787-455d-b115-4f08a699b8c8" providerId="ADAL" clId="{AE6574F8-9BCE-4D87-901A-19627C7C729F}"/>
     <pc:docChg chg="undo custSel addSld delSld modSld sldOrd modSection">
-      <pc:chgData name="JHEYSON FABIAN VILLAVISAN BUITRAGO" userId="e5ced5c2-d787-455d-b115-4f08a699b8c8" providerId="ADAL" clId="{AE6574F8-9BCE-4D87-901A-19627C7C729F}" dt="2025-02-04T16:44:10.846" v="64" actId="20577"/>
+      <pc:chgData name="JHEYSON FABIAN VILLAVISAN BUITRAGO" userId="e5ced5c2-d787-455d-b115-4f08a699b8c8" providerId="ADAL" clId="{AE6574F8-9BCE-4D87-901A-19627C7C729F}" dt="2025-02-05T17:54:50.238" v="66"/>
       <pc:docMkLst>
         <pc:docMk/>
       </pc:docMkLst>
@@ -613,7 +613,7 @@
         </pc:graphicFrameChg>
       </pc:sldChg>
       <pc:sldChg chg="add del">
-        <pc:chgData name="JHEYSON FABIAN VILLAVISAN BUITRAGO" userId="e5ced5c2-d787-455d-b115-4f08a699b8c8" providerId="ADAL" clId="{AE6574F8-9BCE-4D87-901A-19627C7C729F}" dt="2025-02-04T16:37:49.757" v="3"/>
+        <pc:chgData name="JHEYSON FABIAN VILLAVISAN BUITRAGO" userId="e5ced5c2-d787-455d-b115-4f08a699b8c8" providerId="ADAL" clId="{AE6574F8-9BCE-4D87-901A-19627C7C729F}" dt="2025-02-05T17:54:50.238" v="66"/>
         <pc:sldMkLst>
           <pc:docMk/>
           <pc:sldMk cId="2965408220" sldId="280"/>
@@ -1238,7 +1238,7 @@
               <a:pPr>
                 <a:defRPr/>
               </a:pPr>
-              <a:t>4/02/2025</a:t>
+              <a:t>5/02/2025</a:t>
             </a:fld>
             <a:endParaRPr lang="es-CO"/>
           </a:p>
@@ -1481,7 +1481,7 @@
               <a:pPr>
                 <a:defRPr/>
               </a:pPr>
-              <a:t>4/02/2025</a:t>
+              <a:t>5/02/2025</a:t>
             </a:fld>
             <a:endParaRPr lang="es-CO"/>
           </a:p>
@@ -3733,7 +3733,7 @@
           <a:p>
             <a:fld id="{9CF7635E-2D71-42E7-9E6C-FBB85A15A85F}" type="datetimeFigureOut">
               <a:rPr lang="es-CO" smtClean="0"/>
-              <a:t>4/02/2025</a:t>
+              <a:t>5/02/2025</a:t>
             </a:fld>
             <a:endParaRPr lang="es-CO"/>
           </a:p>
@@ -3999,7 +3999,7 @@
           <a:p>
             <a:fld id="{9CF7635E-2D71-42E7-9E6C-FBB85A15A85F}" type="datetimeFigureOut">
               <a:rPr lang="es-CO" smtClean="0"/>
-              <a:t>4/02/2025</a:t>
+              <a:t>5/02/2025</a:t>
             </a:fld>
             <a:endParaRPr lang="es-CO"/>
           </a:p>
@@ -4215,7 +4215,7 @@
           <a:p>
             <a:fld id="{9CF7635E-2D71-42E7-9E6C-FBB85A15A85F}" type="datetimeFigureOut">
               <a:rPr lang="es-CO" smtClean="0"/>
-              <a:t>4/02/2025</a:t>
+              <a:t>5/02/2025</a:t>
             </a:fld>
             <a:endParaRPr lang="es-CO"/>
           </a:p>
@@ -5844,7 +5844,7 @@
           <a:p>
             <a:fld id="{9CF7635E-2D71-42E7-9E6C-FBB85A15A85F}" type="datetimeFigureOut">
               <a:rPr lang="es-CO" smtClean="0"/>
-              <a:t>4/02/2025</a:t>
+              <a:t>5/02/2025</a:t>
             </a:fld>
             <a:endParaRPr lang="es-CO"/>
           </a:p>
@@ -6291,7 +6291,7 @@
           <a:p>
             <a:fld id="{9CF7635E-2D71-42E7-9E6C-FBB85A15A85F}" type="datetimeFigureOut">
               <a:rPr lang="es-CO" smtClean="0"/>
-              <a:t>4/02/2025</a:t>
+              <a:t>5/02/2025</a:t>
             </a:fld>
             <a:endParaRPr lang="es-CO"/>
           </a:p>
@@ -6565,7 +6565,7 @@
           <a:p>
             <a:fld id="{9CF7635E-2D71-42E7-9E6C-FBB85A15A85F}" type="datetimeFigureOut">
               <a:rPr lang="es-CO" smtClean="0"/>
-              <a:t>4/02/2025</a:t>
+              <a:t>5/02/2025</a:t>
             </a:fld>
             <a:endParaRPr lang="es-CO"/>
           </a:p>
@@ -6986,7 +6986,7 @@
           <a:p>
             <a:fld id="{9CF7635E-2D71-42E7-9E6C-FBB85A15A85F}" type="datetimeFigureOut">
               <a:rPr lang="es-CO" smtClean="0"/>
-              <a:t>4/02/2025</a:t>
+              <a:t>5/02/2025</a:t>
             </a:fld>
             <a:endParaRPr lang="es-CO"/>
           </a:p>
@@ -7134,7 +7134,7 @@
           <a:p>
             <a:fld id="{9CF7635E-2D71-42E7-9E6C-FBB85A15A85F}" type="datetimeFigureOut">
               <a:rPr lang="es-CO" smtClean="0"/>
-              <a:t>4/02/2025</a:t>
+              <a:t>5/02/2025</a:t>
             </a:fld>
             <a:endParaRPr lang="es-CO"/>
           </a:p>
@@ -7253,7 +7253,7 @@
           <a:p>
             <a:fld id="{9CF7635E-2D71-42E7-9E6C-FBB85A15A85F}" type="datetimeFigureOut">
               <a:rPr lang="es-CO" smtClean="0"/>
-              <a:t>4/02/2025</a:t>
+              <a:t>5/02/2025</a:t>
             </a:fld>
             <a:endParaRPr lang="es-CO"/>
           </a:p>
@@ -7572,7 +7572,7 @@
           <a:p>
             <a:fld id="{9CF7635E-2D71-42E7-9E6C-FBB85A15A85F}" type="datetimeFigureOut">
               <a:rPr lang="es-CO" smtClean="0"/>
-              <a:t>4/02/2025</a:t>
+              <a:t>5/02/2025</a:t>
             </a:fld>
             <a:endParaRPr lang="es-CO"/>
           </a:p>
@@ -7867,7 +7867,7 @@
           <a:p>
             <a:fld id="{9CF7635E-2D71-42E7-9E6C-FBB85A15A85F}" type="datetimeFigureOut">
               <a:rPr lang="es-CO" smtClean="0"/>
-              <a:t>4/02/2025</a:t>
+              <a:t>5/02/2025</a:t>
             </a:fld>
             <a:endParaRPr lang="es-CO"/>
           </a:p>
@@ -8116,7 +8116,7 @@
           <a:p>
             <a:fld id="{9CF7635E-2D71-42E7-9E6C-FBB85A15A85F}" type="datetimeFigureOut">
               <a:rPr lang="es-CO" smtClean="0"/>
-              <a:t>4/02/2025</a:t>
+              <a:t>5/02/2025</a:t>
             </a:fld>
             <a:endParaRPr lang="es-CO"/>
           </a:p>
@@ -9746,7 +9746,7 @@
         </p:nvGraphicFramePr>
         <p:xfrm>
           <a:off x="863588" y="620688"/>
-          <a:ext cx="7416824" cy="5356828"/>
+          <a:ext cx="7416824" cy="5483937"/>
         </p:xfrm>
         <a:graphic>
           <a:graphicData uri="http://schemas.openxmlformats.org/drawingml/2006/table">
@@ -10355,20 +10355,27 @@
                     <a:bodyPr/>
                     <a:lstStyle/>
                     <a:p>
-                      <a:pPr algn="ctr"/>
-                      <a:r>
-                        <a:rPr lang="es-CO" sz="1000" dirty="0" err="1"/>
-                        <a:t>PSoC</a:t>
-                      </a:r>
+                      <a:pPr marL="0" marR="0" lvl="0" indent="0" algn="ctr" defTabSz="685800" rtl="0" eaLnBrk="1" fontAlgn="auto" latinLnBrk="0" hangingPunct="1">
+                        <a:lnSpc>
+                          <a:spcPct val="100000"/>
+                        </a:lnSpc>
+                        <a:spcBef>
+                          <a:spcPts val="0"/>
+                        </a:spcBef>
+                        <a:spcAft>
+                          <a:spcPts val="0"/>
+                        </a:spcAft>
+                        <a:buClrTx/>
+                        <a:buSzTx/>
+                        <a:buFontTx/>
+                        <a:buNone/>
+                        <a:tabLst/>
+                        <a:defRPr/>
+                      </a:pPr>
                       <a:r>
                         <a:rPr lang="es-CO" sz="1000" dirty="0"/>
-                        <a:t> </a:t>
+                        <a:t>Laboratorio</a:t>
                       </a:r>
-                      <a:r>
-                        <a:rPr lang="es-CO" sz="1000"/>
-                        <a:t>Creator</a:t>
-                      </a:r>
-                      <a:endParaRPr lang="es-CO" sz="1000" dirty="0"/>
                     </a:p>
                   </a:txBody>
                   <a:tcPr>
@@ -10530,6 +10537,54 @@
                   <a:txBody>
                     <a:bodyPr/>
                     <a:lstStyle/>
+                    <a:p>
+                      <a:pPr marL="0" marR="0" lvl="0" indent="0" algn="ctr" defTabSz="685800" rtl="0" eaLnBrk="1" fontAlgn="auto" latinLnBrk="0" hangingPunct="1">
+                        <a:lnSpc>
+                          <a:spcPct val="100000"/>
+                        </a:lnSpc>
+                        <a:spcBef>
+                          <a:spcPts val="0"/>
+                        </a:spcBef>
+                        <a:spcAft>
+                          <a:spcPts val="0"/>
+                        </a:spcAft>
+                        <a:buClrTx/>
+                        <a:buSzTx/>
+                        <a:buFontTx/>
+                        <a:buNone/>
+                        <a:tabLst/>
+                        <a:defRPr/>
+                      </a:pPr>
+                      <a:r>
+                        <a:rPr lang="es-CO" sz="1000" dirty="0" err="1">
+                          <a:highlight>
+                            <a:srgbClr val="00FFFF"/>
+                          </a:highlight>
+                        </a:rPr>
+                        <a:t>PSoC</a:t>
+                      </a:r>
+                      <a:r>
+                        <a:rPr lang="es-CO" sz="1000" dirty="0">
+                          <a:highlight>
+                            <a:srgbClr val="00FFFF"/>
+                          </a:highlight>
+                        </a:rPr>
+                        <a:t> </a:t>
+                      </a:r>
+                      <a:r>
+                        <a:rPr lang="es-CO" sz="1000" dirty="0" err="1">
+                          <a:highlight>
+                            <a:srgbClr val="00FFFF"/>
+                          </a:highlight>
+                        </a:rPr>
+                        <a:t>Creator</a:t>
+                      </a:r>
+                      <a:endParaRPr lang="es-CO" sz="1000" dirty="0">
+                        <a:highlight>
+                          <a:srgbClr val="00FFFF"/>
+                        </a:highlight>
+                      </a:endParaRPr>
+                    </a:p>
                     <a:p>
                       <a:pPr algn="ctr"/>
                       <a:r>
@@ -18268,14 +18323,6 @@
 </file>
 
 <file path=customXml/item2.xml><?xml version="1.0" encoding="utf-8"?>
-<p:properties xmlns:p="http://schemas.microsoft.com/office/2006/metadata/properties" xmlns:xsi="http://www.w3.org/2001/XMLSchema-instance" xmlns:pc="http://schemas.microsoft.com/office/infopath/2007/PartnerControls">
-  <documentManagement>
-    <_activity xmlns="bdc56f61-abc0-4f7e-bfec-a93ccd1ae886" xsi:nil="true"/>
-  </documentManagement>
-</p:properties>
-</file>
-
-<file path=customXml/item3.xml><?xml version="1.0" encoding="utf-8"?>
 <ct:contentTypeSchema xmlns:ct="http://schemas.microsoft.com/office/2006/metadata/contentType" xmlns:ma="http://schemas.microsoft.com/office/2006/metadata/properties/metaAttributes" ct:_="" ma:_="" ma:contentTypeName="Documento" ma:contentTypeID="0x0101007A62137D465CE64A8C883A4664514BF8" ma:contentTypeVersion="15" ma:contentTypeDescription="Crear nuevo documento." ma:contentTypeScope="" ma:versionID="a1bd1d59f691eb9bca6952b111268275">
   <xsd:schema xmlns:xsd="http://www.w3.org/2001/XMLSchema" xmlns:xs="http://www.w3.org/2001/XMLSchema" xmlns:p="http://schemas.microsoft.com/office/2006/metadata/properties" xmlns:ns3="669280c1-d17e-4d1d-bd7f-b4f14cc6bf1d" xmlns:ns4="bdc56f61-abc0-4f7e-bfec-a93ccd1ae886" targetNamespace="http://schemas.microsoft.com/office/2006/metadata/properties" ma:root="true" ma:fieldsID="d02990a02f19f0f9fc7b999b1809cae4" ns3:_="" ns4:_="">
     <xsd:import namespace="669280c1-d17e-4d1d-bd7f-b4f14cc6bf1d"/>
@@ -18510,6 +18557,14 @@
 </ct:contentTypeSchema>
 </file>
 
+<file path=customXml/item3.xml><?xml version="1.0" encoding="utf-8"?>
+<p:properties xmlns:p="http://schemas.microsoft.com/office/2006/metadata/properties" xmlns:xsi="http://www.w3.org/2001/XMLSchema-instance" xmlns:pc="http://schemas.microsoft.com/office/infopath/2007/PartnerControls">
+  <documentManagement>
+    <_activity xmlns="bdc56f61-abc0-4f7e-bfec-a93ccd1ae886" xsi:nil="true"/>
+  </documentManagement>
+</p:properties>
+</file>
+
 <file path=customXml/itemProps1.xml><?xml version="1.0" encoding="utf-8"?>
 <ds:datastoreItem xmlns:ds="http://schemas.openxmlformats.org/officeDocument/2006/customXml" ds:itemID="{4E8623C8-32E1-48B0-9F0A-13F2E9582B7E}">
   <ds:schemaRefs>
@@ -18519,23 +18574,6 @@
 </file>
 
 <file path=customXml/itemProps2.xml><?xml version="1.0" encoding="utf-8"?>
-<ds:datastoreItem xmlns:ds="http://schemas.openxmlformats.org/officeDocument/2006/customXml" ds:itemID="{0825853C-1B27-4995-A583-4D39F900BB7F}">
-  <ds:schemaRefs>
-    <ds:schemaRef ds:uri="http://schemas.microsoft.com/office/2006/documentManagement/types"/>
-    <ds:schemaRef ds:uri="http://purl.org/dc/dcmitype/"/>
-    <ds:schemaRef ds:uri="http://schemas.openxmlformats.org/package/2006/metadata/core-properties"/>
-    <ds:schemaRef ds:uri="669280c1-d17e-4d1d-bd7f-b4f14cc6bf1d"/>
-    <ds:schemaRef ds:uri="http://purl.org/dc/elements/1.1/"/>
-    <ds:schemaRef ds:uri="http://purl.org/dc/terms/"/>
-    <ds:schemaRef ds:uri="http://schemas.microsoft.com/office/infopath/2007/PartnerControls"/>
-    <ds:schemaRef ds:uri="bdc56f61-abc0-4f7e-bfec-a93ccd1ae886"/>
-    <ds:schemaRef ds:uri="http://schemas.microsoft.com/office/2006/metadata/properties"/>
-    <ds:schemaRef ds:uri="http://www.w3.org/XML/1998/namespace"/>
-  </ds:schemaRefs>
-</ds:datastoreItem>
-</file>
-
-<file path=customXml/itemProps3.xml><?xml version="1.0" encoding="utf-8"?>
 <ds:datastoreItem xmlns:ds="http://schemas.openxmlformats.org/officeDocument/2006/customXml" ds:itemID="{025820C3-FD82-4EFC-BF14-EAF1F9613F52}">
   <ds:schemaRefs>
     <ds:schemaRef ds:uri="http://schemas.microsoft.com/office/2006/metadata/contentType"/>
@@ -18552,4 +18590,21 @@
     <ds:schemaRef ds:uri="http://schemas.microsoft.com/internal/obd"/>
   </ds:schemaRefs>
 </ds:datastoreItem>
+</file>
+
+<file path=customXml/itemProps3.xml><?xml version="1.0" encoding="utf-8"?>
+<ds:datastoreItem xmlns:ds="http://schemas.openxmlformats.org/officeDocument/2006/customXml" ds:itemID="{0825853C-1B27-4995-A583-4D39F900BB7F}">
+  <ds:schemaRefs>
+    <ds:schemaRef ds:uri="http://schemas.microsoft.com/office/2006/documentManagement/types"/>
+    <ds:schemaRef ds:uri="http://purl.org/dc/dcmitype/"/>
+    <ds:schemaRef ds:uri="http://schemas.openxmlformats.org/package/2006/metadata/core-properties"/>
+    <ds:schemaRef ds:uri="669280c1-d17e-4d1d-bd7f-b4f14cc6bf1d"/>
+    <ds:schemaRef ds:uri="http://purl.org/dc/elements/1.1/"/>
+    <ds:schemaRef ds:uri="http://purl.org/dc/terms/"/>
+    <ds:schemaRef ds:uri="http://schemas.microsoft.com/office/infopath/2007/PartnerControls"/>
+    <ds:schemaRef ds:uri="bdc56f61-abc0-4f7e-bfec-a93ccd1ae886"/>
+    <ds:schemaRef ds:uri="http://schemas.microsoft.com/office/2006/metadata/properties"/>
+    <ds:schemaRef ds:uri="http://www.w3.org/XML/1998/namespace"/>
+  </ds:schemaRefs>
+</ds:datastoreItem>
 </file>